--- a/Is NIL fairly compensating athletes_.pptx
+++ b/Is NIL fairly compensating athletes_.pptx
@@ -1025,7 +1025,7 @@
       </p:grpSpPr>
       <p:sp>
         <p:nvSpPr>
-          <p:cNvPr id="209" name="Google Shape;209;g1f2bb522377_0_9:notes"/>
+          <p:cNvPr id="209" name="Google Shape;209;g26a2fada7d4_0_0:notes"/>
           <p:cNvSpPr/>
           <p:nvPr>
             <p:ph idx="2" type="sldImg"/>
@@ -1060,7 +1060,7 @@
       </p:sp>
       <p:sp>
         <p:nvSpPr>
-          <p:cNvPr id="210" name="Google Shape;210;g1f2bb522377_0_9:notes"/>
+          <p:cNvPr id="210" name="Google Shape;210;g26a2fada7d4_0_0:notes"/>
           <p:cNvSpPr txBox="1"/>
           <p:nvPr>
             <p:ph idx="1" type="body"/>
@@ -1110,7 +1110,7 @@
   <p:cSld>
     <p:spTree>
       <p:nvGrpSpPr>
-        <p:cNvPr id="214" name="Shape 214"/>
+        <p:cNvPr id="222" name="Shape 222"/>
         <p:cNvGrpSpPr/>
         <p:nvPr/>
       </p:nvGrpSpPr>
@@ -1124,7 +1124,7 @@
       </p:grpSpPr>
       <p:sp>
         <p:nvSpPr>
-          <p:cNvPr id="215" name="Google Shape;215;g991decd84f_0_5:notes"/>
+          <p:cNvPr id="223" name="Google Shape;223;g991decd84f_0_5:notes"/>
           <p:cNvSpPr/>
           <p:nvPr>
             <p:ph idx="2" type="sldImg"/>
@@ -1159,7 +1159,7 @@
       </p:sp>
       <p:sp>
         <p:nvSpPr>
-          <p:cNvPr id="216" name="Google Shape;216;g991decd84f_0_5:notes"/>
+          <p:cNvPr id="224" name="Google Shape;224;g991decd84f_0_5:notes"/>
           <p:cNvSpPr txBox="1"/>
           <p:nvPr>
             <p:ph idx="1" type="body"/>
@@ -1209,7 +1209,7 @@
   <p:cSld>
     <p:spTree>
       <p:nvGrpSpPr>
-        <p:cNvPr id="300" name="Shape 300"/>
+        <p:cNvPr id="303" name="Shape 303"/>
         <p:cNvGrpSpPr/>
         <p:nvPr/>
       </p:nvGrpSpPr>
@@ -1223,7 +1223,7 @@
       </p:grpSpPr>
       <p:sp>
         <p:nvSpPr>
-          <p:cNvPr id="301" name="Google Shape;301;g26a2fada7d4_0_0:notes"/>
+          <p:cNvPr id="304" name="Google Shape;304;g2c1e540c61d_0_6:notes"/>
           <p:cNvSpPr/>
           <p:nvPr>
             <p:ph idx="2" type="sldImg"/>
@@ -1258,7 +1258,7 @@
       </p:sp>
       <p:sp>
         <p:nvSpPr>
-          <p:cNvPr id="302" name="Google Shape;302;g26a2fada7d4_0_0:notes"/>
+          <p:cNvPr id="305" name="Google Shape;305;g2c1e540c61d_0_6:notes"/>
           <p:cNvSpPr txBox="1"/>
           <p:nvPr>
             <p:ph idx="1" type="body"/>
@@ -1289,6 +1289,31 @@
               <a:buNone/>
             </a:pPr>
             <a:r>
+              <a:rPr lang="en" u="sng">
+                <a:solidFill>
+                  <a:schemeClr val="hlink"/>
+                </a:solidFill>
+                <a:hlinkClick r:id="rId2"/>
+              </a:rPr>
+              <a:t>https://www.sportsbusinessjournal.com/SB-Blogs/OpEds/2023/07/25-Carter.aspx#:~:text=For%20traditional%20influencers%20on%20Instagram,engagement%20rate%20of%20about%205.5%25</a:t>
+            </a:r>
+            <a:r>
+              <a:rPr lang="en"/>
+              <a:t>.</a:t>
+            </a:r>
+            <a:endParaRPr/>
+          </a:p>
+          <a:p>
+            <a:pPr indent="0" lvl="0" marL="0" rtl="0" algn="l">
+              <a:spcBef>
+                <a:spcPts val="0"/>
+              </a:spcBef>
+              <a:spcAft>
+                <a:spcPts val="0"/>
+              </a:spcAft>
+              <a:buNone/>
+            </a:pPr>
+            <a:r>
               <a:t/>
             </a:r>
             <a:endParaRPr/>
@@ -1308,7 +1333,7 @@
   <p:cSld>
     <p:spTree>
       <p:nvGrpSpPr>
-        <p:cNvPr id="318" name="Shape 318"/>
+        <p:cNvPr id="314" name="Shape 314"/>
         <p:cNvGrpSpPr/>
         <p:nvPr/>
       </p:nvGrpSpPr>
@@ -1322,7 +1347,7 @@
       </p:grpSpPr>
       <p:sp>
         <p:nvSpPr>
-          <p:cNvPr id="319" name="Google Shape;319;g2bcf7e1bcd1_0_0:notes"/>
+          <p:cNvPr id="315" name="Google Shape;315;g2bcf7e1bcd1_0_0:notes"/>
           <p:cNvSpPr/>
           <p:nvPr>
             <p:ph idx="2" type="sldImg"/>
@@ -1357,7 +1382,7 @@
       </p:sp>
       <p:sp>
         <p:nvSpPr>
-          <p:cNvPr id="320" name="Google Shape;320;g2bcf7e1bcd1_0_0:notes"/>
+          <p:cNvPr id="316" name="Google Shape;316;g2bcf7e1bcd1_0_0:notes"/>
           <p:cNvSpPr txBox="1"/>
           <p:nvPr>
             <p:ph idx="1" type="body"/>
@@ -1407,7 +1432,7 @@
   <p:cSld>
     <p:spTree>
       <p:nvGrpSpPr>
-        <p:cNvPr id="325" name="Shape 325"/>
+        <p:cNvPr id="321" name="Shape 321"/>
         <p:cNvGrpSpPr/>
         <p:nvPr/>
       </p:nvGrpSpPr>
@@ -1421,7 +1446,7 @@
       </p:grpSpPr>
       <p:sp>
         <p:nvSpPr>
-          <p:cNvPr id="326" name="Google Shape;326;g2bcf7e1bcd1_0_23:notes"/>
+          <p:cNvPr id="322" name="Google Shape;322;g9a76511d10_0_877:notes"/>
           <p:cNvSpPr/>
           <p:nvPr>
             <p:ph idx="2" type="sldImg"/>
@@ -1456,7 +1481,7 @@
       </p:sp>
       <p:sp>
         <p:nvSpPr>
-          <p:cNvPr id="327" name="Google Shape;327;g2bcf7e1bcd1_0_23:notes"/>
+          <p:cNvPr id="323" name="Google Shape;323;g9a76511d10_0_877:notes"/>
           <p:cNvSpPr txBox="1"/>
           <p:nvPr>
             <p:ph idx="1" type="body"/>
@@ -1506,7 +1531,7 @@
   <p:cSld>
     <p:spTree>
       <p:nvGrpSpPr>
-        <p:cNvPr id="337" name="Shape 337"/>
+        <p:cNvPr id="327" name="Shape 327"/>
         <p:cNvGrpSpPr/>
         <p:nvPr/>
       </p:nvGrpSpPr>
@@ -1520,7 +1545,7 @@
       </p:grpSpPr>
       <p:sp>
         <p:nvSpPr>
-          <p:cNvPr id="338" name="Google Shape;338;g9a76511d10_0_877:notes"/>
+          <p:cNvPr id="328" name="Google Shape;328;g26b8d0e2a2e_1_5:notes"/>
           <p:cNvSpPr/>
           <p:nvPr>
             <p:ph idx="2" type="sldImg"/>
@@ -1555,7 +1580,7 @@
       </p:sp>
       <p:sp>
         <p:nvSpPr>
-          <p:cNvPr id="339" name="Google Shape;339;g9a76511d10_0_877:notes"/>
+          <p:cNvPr id="329" name="Google Shape;329;g26b8d0e2a2e_1_5:notes"/>
           <p:cNvSpPr txBox="1"/>
           <p:nvPr>
             <p:ph idx="1" type="body"/>
@@ -20104,7 +20129,7 @@
             </a:pPr>
             <a:r>
               <a:rPr lang="en" sz="3600"/>
-              <a:t>Is NIL fairly compensating top-level college athletes?</a:t>
+              <a:t>Is NIL fairly compensating college athletes?</a:t>
             </a:r>
             <a:r>
               <a:rPr lang="en" sz="3600"/>
@@ -23779,7 +23804,7 @@
         </p:nvSpPr>
         <p:spPr>
           <a:xfrm>
-            <a:off x="719988" y="312600"/>
+            <a:off x="624475" y="282825"/>
             <a:ext cx="7704000" cy="572700"/>
           </a:xfrm>
           <a:prstGeom prst="rect">
@@ -23803,15 +23828,423 @@
             </a:pPr>
             <a:r>
               <a:rPr lang="en"/>
-              <a:t>NIL Athletes and What they are Charging…</a:t>
+              <a:t>Our Influencer Classification by Follower Count</a:t>
             </a:r>
             <a:endParaRPr/>
           </a:p>
         </p:txBody>
       </p:sp>
+      <p:cxnSp>
+        <p:nvCxnSpPr>
+          <p:cNvPr id="213" name="Google Shape;213;p28"/>
+          <p:cNvCxnSpPr/>
+          <p:nvPr/>
+        </p:nvCxnSpPr>
+        <p:spPr>
+          <a:xfrm>
+            <a:off x="3821550" y="2039900"/>
+            <a:ext cx="1732800" cy="3000"/>
+          </a:xfrm>
+          <a:prstGeom prst="straightConnector1">
+            <a:avLst/>
+          </a:prstGeom>
+          <a:noFill/>
+          <a:ln cap="flat" cmpd="sng" w="28575">
+            <a:solidFill>
+              <a:schemeClr val="dk2"/>
+            </a:solidFill>
+            <a:prstDash val="solid"/>
+            <a:round/>
+            <a:headEnd len="med" w="med" type="none"/>
+            <a:tailEnd len="med" w="med" type="none"/>
+          </a:ln>
+        </p:spPr>
+      </p:cxnSp>
+      <p:cxnSp>
+        <p:nvCxnSpPr>
+          <p:cNvPr id="214" name="Google Shape;214;p28"/>
+          <p:cNvCxnSpPr/>
+          <p:nvPr/>
+        </p:nvCxnSpPr>
+        <p:spPr>
+          <a:xfrm flipH="1" rot="10800000">
+            <a:off x="4130075" y="2749100"/>
+            <a:ext cx="1474800" cy="3000"/>
+          </a:xfrm>
+          <a:prstGeom prst="straightConnector1">
+            <a:avLst/>
+          </a:prstGeom>
+          <a:noFill/>
+          <a:ln cap="flat" cmpd="sng" w="28575">
+            <a:solidFill>
+              <a:schemeClr val="dk2"/>
+            </a:solidFill>
+            <a:prstDash val="solid"/>
+            <a:round/>
+            <a:headEnd len="med" w="med" type="none"/>
+            <a:tailEnd len="med" w="med" type="none"/>
+          </a:ln>
+        </p:spPr>
+      </p:cxnSp>
+      <p:cxnSp>
+        <p:nvCxnSpPr>
+          <p:cNvPr id="215" name="Google Shape;215;p28"/>
+          <p:cNvCxnSpPr/>
+          <p:nvPr/>
+        </p:nvCxnSpPr>
+        <p:spPr>
+          <a:xfrm flipH="1" rot="10800000">
+            <a:off x="4371450" y="3218875"/>
+            <a:ext cx="1259400" cy="19200"/>
+          </a:xfrm>
+          <a:prstGeom prst="straightConnector1">
+            <a:avLst/>
+          </a:prstGeom>
+          <a:noFill/>
+          <a:ln cap="flat" cmpd="sng" w="28575">
+            <a:solidFill>
+              <a:schemeClr val="dk2"/>
+            </a:solidFill>
+            <a:prstDash val="solid"/>
+            <a:round/>
+            <a:headEnd len="med" w="med" type="none"/>
+            <a:tailEnd len="med" w="med" type="none"/>
+          </a:ln>
+        </p:spPr>
+      </p:cxnSp>
+      <p:cxnSp>
+        <p:nvCxnSpPr>
+          <p:cNvPr id="216" name="Google Shape;216;p28"/>
+          <p:cNvCxnSpPr/>
+          <p:nvPr/>
+        </p:nvCxnSpPr>
+        <p:spPr>
+          <a:xfrm flipH="1" rot="10800000">
+            <a:off x="4757025" y="3944125"/>
+            <a:ext cx="948900" cy="16800"/>
+          </a:xfrm>
+          <a:prstGeom prst="straightConnector1">
+            <a:avLst/>
+          </a:prstGeom>
+          <a:noFill/>
+          <a:ln cap="flat" cmpd="sng" w="28575">
+            <a:solidFill>
+              <a:schemeClr val="dk2"/>
+            </a:solidFill>
+            <a:prstDash val="solid"/>
+            <a:round/>
+            <a:headEnd len="med" w="med" type="none"/>
+            <a:tailEnd len="med" w="med" type="none"/>
+          </a:ln>
+        </p:spPr>
+      </p:cxnSp>
+      <p:sp>
+        <p:nvSpPr>
+          <p:cNvPr id="217" name="Google Shape;217;p28"/>
+          <p:cNvSpPr txBox="1"/>
+          <p:nvPr/>
+        </p:nvSpPr>
+        <p:spPr>
+          <a:xfrm>
+            <a:off x="5756750" y="1802325"/>
+            <a:ext cx="2353500" cy="294300"/>
+          </a:xfrm>
+          <a:prstGeom prst="rect">
+            <a:avLst/>
+          </a:prstGeom>
+          <a:noFill/>
+          <a:ln>
+            <a:noFill/>
+          </a:ln>
+        </p:spPr>
+        <p:txBody>
+          <a:bodyPr anchorCtr="0" anchor="t" bIns="91425" lIns="91425" spcFirstLastPara="1" rIns="91425" wrap="square" tIns="91425">
+            <a:noAutofit/>
+          </a:bodyPr>
+          <a:lstStyle/>
+          <a:p>
+            <a:pPr indent="0" lvl="0" marL="0" rtl="0" algn="l">
+              <a:spcBef>
+                <a:spcPts val="0"/>
+              </a:spcBef>
+              <a:spcAft>
+                <a:spcPts val="0"/>
+              </a:spcAft>
+              <a:buNone/>
+            </a:pPr>
+            <a:r>
+              <a:rPr b="1" lang="en" sz="2000">
+                <a:solidFill>
+                  <a:schemeClr val="accent1"/>
+                </a:solidFill>
+                <a:latin typeface="Roboto Condensed"/>
+                <a:ea typeface="Roboto Condensed"/>
+                <a:cs typeface="Roboto Condensed"/>
+                <a:sym typeface="Roboto Condensed"/>
+              </a:rPr>
+              <a:t>Top</a:t>
+            </a:r>
+            <a:r>
+              <a:rPr b="1" lang="en" sz="2000">
+                <a:solidFill>
+                  <a:schemeClr val="accent1"/>
+                </a:solidFill>
+                <a:latin typeface="Roboto Condensed"/>
+                <a:ea typeface="Roboto Condensed"/>
+                <a:cs typeface="Roboto Condensed"/>
+                <a:sym typeface="Roboto Condensed"/>
+              </a:rPr>
+              <a:t>-tier </a:t>
+            </a:r>
+            <a:r>
+              <a:rPr lang="en" sz="2000">
+                <a:solidFill>
+                  <a:schemeClr val="accent1"/>
+                </a:solidFill>
+                <a:latin typeface="Roboto Condensed"/>
+                <a:ea typeface="Roboto Condensed"/>
+                <a:cs typeface="Roboto Condensed"/>
+                <a:sym typeface="Roboto Condensed"/>
+              </a:rPr>
+              <a:t>(30k - 50k)</a:t>
+            </a:r>
+            <a:endParaRPr sz="2000">
+              <a:solidFill>
+                <a:schemeClr val="accent1"/>
+              </a:solidFill>
+              <a:latin typeface="Roboto Condensed"/>
+              <a:ea typeface="Roboto Condensed"/>
+              <a:cs typeface="Roboto Condensed"/>
+              <a:sym typeface="Roboto Condensed"/>
+            </a:endParaRPr>
+          </a:p>
+        </p:txBody>
+      </p:sp>
+      <p:sp>
+        <p:nvSpPr>
+          <p:cNvPr id="218" name="Google Shape;218;p28"/>
+          <p:cNvSpPr txBox="1"/>
+          <p:nvPr/>
+        </p:nvSpPr>
+        <p:spPr>
+          <a:xfrm>
+            <a:off x="5756750" y="2511325"/>
+            <a:ext cx="2286300" cy="294300"/>
+          </a:xfrm>
+          <a:prstGeom prst="rect">
+            <a:avLst/>
+          </a:prstGeom>
+          <a:noFill/>
+          <a:ln>
+            <a:noFill/>
+          </a:ln>
+        </p:spPr>
+        <p:txBody>
+          <a:bodyPr anchorCtr="0" anchor="t" bIns="91425" lIns="91425" spcFirstLastPara="1" rIns="91425" wrap="square" tIns="91425">
+            <a:noAutofit/>
+          </a:bodyPr>
+          <a:lstStyle/>
+          <a:p>
+            <a:pPr indent="0" lvl="0" marL="0" rtl="0" algn="l">
+              <a:spcBef>
+                <a:spcPts val="0"/>
+              </a:spcBef>
+              <a:spcAft>
+                <a:spcPts val="0"/>
+              </a:spcAft>
+              <a:buNone/>
+            </a:pPr>
+            <a:r>
+              <a:rPr b="1" lang="en" sz="2000">
+                <a:solidFill>
+                  <a:schemeClr val="accent1"/>
+                </a:solidFill>
+                <a:latin typeface="Roboto Condensed"/>
+                <a:ea typeface="Roboto Condensed"/>
+                <a:cs typeface="Roboto Condensed"/>
+                <a:sym typeface="Roboto Condensed"/>
+              </a:rPr>
+              <a:t>Mid-tier</a:t>
+            </a:r>
+            <a:r>
+              <a:rPr lang="en" sz="2000">
+                <a:solidFill>
+                  <a:schemeClr val="accent1"/>
+                </a:solidFill>
+                <a:latin typeface="Roboto Condensed"/>
+                <a:ea typeface="Roboto Condensed"/>
+                <a:cs typeface="Roboto Condensed"/>
+                <a:sym typeface="Roboto Condensed"/>
+              </a:rPr>
+              <a:t> (10k - 30k)</a:t>
+            </a:r>
+            <a:endParaRPr sz="2000">
+              <a:solidFill>
+                <a:schemeClr val="accent1"/>
+              </a:solidFill>
+              <a:latin typeface="Roboto Condensed"/>
+              <a:ea typeface="Roboto Condensed"/>
+              <a:cs typeface="Roboto Condensed"/>
+              <a:sym typeface="Roboto Condensed"/>
+            </a:endParaRPr>
+          </a:p>
+        </p:txBody>
+      </p:sp>
+      <p:sp>
+        <p:nvSpPr>
+          <p:cNvPr id="219" name="Google Shape;219;p28"/>
+          <p:cNvSpPr txBox="1"/>
+          <p:nvPr/>
+        </p:nvSpPr>
+        <p:spPr>
+          <a:xfrm>
+            <a:off x="5756750" y="3043425"/>
+            <a:ext cx="2025300" cy="294300"/>
+          </a:xfrm>
+          <a:prstGeom prst="rect">
+            <a:avLst/>
+          </a:prstGeom>
+          <a:noFill/>
+          <a:ln>
+            <a:noFill/>
+          </a:ln>
+        </p:spPr>
+        <p:txBody>
+          <a:bodyPr anchorCtr="0" anchor="t" bIns="91425" lIns="91425" spcFirstLastPara="1" rIns="91425" wrap="square" tIns="91425">
+            <a:noAutofit/>
+          </a:bodyPr>
+          <a:lstStyle/>
+          <a:p>
+            <a:pPr indent="0" lvl="0" marL="0" rtl="0" algn="l">
+              <a:spcBef>
+                <a:spcPts val="0"/>
+              </a:spcBef>
+              <a:spcAft>
+                <a:spcPts val="0"/>
+              </a:spcAft>
+              <a:buNone/>
+            </a:pPr>
+            <a:r>
+              <a:rPr b="1" lang="en" sz="2000">
+                <a:solidFill>
+                  <a:schemeClr val="accent1"/>
+                </a:solidFill>
+                <a:latin typeface="Roboto Condensed"/>
+                <a:ea typeface="Roboto Condensed"/>
+                <a:cs typeface="Roboto Condensed"/>
+                <a:sym typeface="Roboto Condensed"/>
+              </a:rPr>
+              <a:t>Micro</a:t>
+            </a:r>
+            <a:r>
+              <a:rPr lang="en" sz="2000">
+                <a:solidFill>
+                  <a:schemeClr val="accent1"/>
+                </a:solidFill>
+                <a:latin typeface="Roboto Condensed"/>
+                <a:ea typeface="Roboto Condensed"/>
+                <a:cs typeface="Roboto Condensed"/>
+                <a:sym typeface="Roboto Condensed"/>
+              </a:rPr>
+              <a:t> (5k - 10k)</a:t>
+            </a:r>
+            <a:endParaRPr sz="2000">
+              <a:solidFill>
+                <a:schemeClr val="accent1"/>
+              </a:solidFill>
+              <a:latin typeface="Roboto Condensed"/>
+              <a:ea typeface="Roboto Condensed"/>
+              <a:cs typeface="Roboto Condensed"/>
+              <a:sym typeface="Roboto Condensed"/>
+            </a:endParaRPr>
+          </a:p>
+        </p:txBody>
+      </p:sp>
+      <p:sp>
+        <p:nvSpPr>
+          <p:cNvPr id="220" name="Google Shape;220;p28"/>
+          <p:cNvSpPr txBox="1"/>
+          <p:nvPr/>
+        </p:nvSpPr>
+        <p:spPr>
+          <a:xfrm>
+            <a:off x="5849375" y="3695100"/>
+            <a:ext cx="3000000" cy="492600"/>
+          </a:xfrm>
+          <a:prstGeom prst="rect">
+            <a:avLst/>
+          </a:prstGeom>
+          <a:noFill/>
+          <a:ln>
+            <a:noFill/>
+          </a:ln>
+        </p:spPr>
+        <p:txBody>
+          <a:bodyPr anchorCtr="0" anchor="t" bIns="91425" lIns="91425" spcFirstLastPara="1" rIns="91425" wrap="square" tIns="91425">
+            <a:spAutoFit/>
+          </a:bodyPr>
+          <a:lstStyle/>
+          <a:p>
+            <a:pPr indent="0" lvl="0" marL="0" rtl="0" algn="l">
+              <a:spcBef>
+                <a:spcPts val="0"/>
+              </a:spcBef>
+              <a:spcAft>
+                <a:spcPts val="0"/>
+              </a:spcAft>
+              <a:buNone/>
+            </a:pPr>
+            <a:r>
+              <a:rPr b="1" lang="en" sz="2000">
+                <a:solidFill>
+                  <a:schemeClr val="accent1"/>
+                </a:solidFill>
+                <a:latin typeface="Roboto Condensed"/>
+                <a:ea typeface="Roboto Condensed"/>
+                <a:cs typeface="Roboto Condensed"/>
+                <a:sym typeface="Roboto Condensed"/>
+              </a:rPr>
+              <a:t>Nano</a:t>
+            </a:r>
+            <a:r>
+              <a:rPr b="1" lang="en" sz="2000">
+                <a:solidFill>
+                  <a:schemeClr val="accent1"/>
+                </a:solidFill>
+                <a:latin typeface="Roboto Condensed"/>
+                <a:ea typeface="Roboto Condensed"/>
+                <a:cs typeface="Roboto Condensed"/>
+                <a:sym typeface="Roboto Condensed"/>
+              </a:rPr>
+              <a:t> </a:t>
+            </a:r>
+            <a:r>
+              <a:rPr lang="en" sz="2000">
+                <a:solidFill>
+                  <a:schemeClr val="accent1"/>
+                </a:solidFill>
+                <a:latin typeface="Roboto Condensed"/>
+                <a:ea typeface="Roboto Condensed"/>
+                <a:cs typeface="Roboto Condensed"/>
+                <a:sym typeface="Roboto Condensed"/>
+              </a:rPr>
+              <a:t>(0-5k)</a:t>
+            </a:r>
+            <a:endParaRPr sz="2000">
+              <a:solidFill>
+                <a:schemeClr val="accent1"/>
+              </a:solidFill>
+              <a:latin typeface="Roboto Condensed"/>
+              <a:ea typeface="Roboto Condensed"/>
+              <a:cs typeface="Roboto Condensed"/>
+              <a:sym typeface="Roboto Condensed"/>
+            </a:endParaRPr>
+          </a:p>
+        </p:txBody>
+      </p:sp>
       <p:pic>
         <p:nvPicPr>
-          <p:cNvPr id="213" name="Google Shape;213;p28"/>
+          <p:cNvPr id="221" name="Google Shape;221;p28"/>
           <p:cNvPicPr preferRelativeResize="0"/>
           <p:nvPr/>
         </p:nvPicPr>
@@ -23825,8 +24258,8 @@
         </p:blipFill>
         <p:spPr>
           <a:xfrm>
-            <a:off x="656363" y="1194925"/>
-            <a:ext cx="7831276" cy="3737350"/>
+            <a:off x="2183975" y="1628300"/>
+            <a:ext cx="2824800" cy="2824800"/>
           </a:xfrm>
           <a:prstGeom prst="rect">
             <a:avLst/>
@@ -23850,7 +24283,7 @@
   <p:cSld>
     <p:spTree>
       <p:nvGrpSpPr>
-        <p:cNvPr id="217" name="Shape 217"/>
+        <p:cNvPr id="225" name="Shape 225"/>
         <p:cNvGrpSpPr/>
         <p:nvPr/>
       </p:nvGrpSpPr>
@@ -23864,7 +24297,7 @@
       </p:grpSpPr>
       <p:grpSp>
         <p:nvGrpSpPr>
-          <p:cNvPr id="218" name="Google Shape;218;p29"/>
+          <p:cNvPr id="226" name="Google Shape;226;p29"/>
           <p:cNvGrpSpPr/>
           <p:nvPr/>
         </p:nvGrpSpPr>
@@ -23878,7 +24311,7 @@
         </p:grpSpPr>
         <p:sp>
           <p:nvSpPr>
-            <p:cNvPr id="219" name="Google Shape;219;p29"/>
+            <p:cNvPr id="227" name="Google Shape;227;p29"/>
             <p:cNvSpPr/>
             <p:nvPr/>
           </p:nvSpPr>
@@ -23989,7 +24422,7 @@
         </p:sp>
         <p:sp>
           <p:nvSpPr>
-            <p:cNvPr id="220" name="Google Shape;220;p29"/>
+            <p:cNvPr id="228" name="Google Shape;228;p29"/>
             <p:cNvSpPr/>
             <p:nvPr/>
           </p:nvSpPr>
@@ -24048,828 +24481,6 @@
                     <a:pt x="4081" y="1240"/>
                     <a:pt x="2841" y="0"/>
                     <a:pt x="1310" y="0"/>
-                  </a:cubicBezTo>
-                  <a:close/>
-                </a:path>
-              </a:pathLst>
-            </a:custGeom>
-            <a:solidFill>
-              <a:schemeClr val="accent1"/>
-            </a:solidFill>
-            <a:ln>
-              <a:noFill/>
-            </a:ln>
-          </p:spPr>
-          <p:txBody>
-            <a:bodyPr anchorCtr="0" anchor="ctr" bIns="91425" lIns="91425" spcFirstLastPara="1" rIns="91425" wrap="square" tIns="91425">
-              <a:noAutofit/>
-            </a:bodyPr>
-            <a:lstStyle/>
-            <a:p>
-              <a:pPr indent="0" lvl="0" marL="0" rtl="0" algn="l">
-                <a:spcBef>
-                  <a:spcPts val="0"/>
-                </a:spcBef>
-                <a:spcAft>
-                  <a:spcPts val="0"/>
-                </a:spcAft>
-                <a:buNone/>
-              </a:pPr>
-              <a:r>
-                <a:t/>
-              </a:r>
-              <a:endParaRPr/>
-            </a:p>
-          </p:txBody>
-        </p:sp>
-        <p:sp>
-          <p:nvSpPr>
-            <p:cNvPr id="221" name="Google Shape;221;p29"/>
-            <p:cNvSpPr/>
-            <p:nvPr/>
-          </p:nvSpPr>
-          <p:spPr>
-            <a:xfrm rot="-1532296">
-              <a:off x="72397" y="2458421"/>
-              <a:ext cx="79031" cy="237504"/>
-            </a:xfrm>
-            <a:custGeom>
-              <a:rect b="b" l="l" r="r" t="t"/>
-              <a:pathLst>
-                <a:path extrusionOk="0" h="4631" w="1541">
-                  <a:moveTo>
-                    <a:pt x="1311" y="1"/>
-                  </a:moveTo>
-                  <a:cubicBezTo>
-                    <a:pt x="531" y="491"/>
-                    <a:pt x="1" y="1361"/>
-                    <a:pt x="1" y="2350"/>
-                  </a:cubicBezTo>
-                  <a:cubicBezTo>
-                    <a:pt x="1" y="3290"/>
-                    <a:pt x="481" y="4130"/>
-                    <a:pt x="1201" y="4630"/>
-                  </a:cubicBezTo>
-                  <a:cubicBezTo>
-                    <a:pt x="1291" y="4510"/>
-                    <a:pt x="1371" y="4390"/>
-                    <a:pt x="1451" y="4261"/>
-                  </a:cubicBezTo>
-                  <a:cubicBezTo>
-                    <a:pt x="851" y="3841"/>
-                    <a:pt x="451" y="3141"/>
-                    <a:pt x="451" y="2350"/>
-                  </a:cubicBezTo>
-                  <a:cubicBezTo>
-                    <a:pt x="451" y="1521"/>
-                    <a:pt x="891" y="790"/>
-                    <a:pt x="1541" y="381"/>
-                  </a:cubicBezTo>
-                  <a:cubicBezTo>
-                    <a:pt x="1471" y="251"/>
-                    <a:pt x="1401" y="121"/>
-                    <a:pt x="1311" y="1"/>
-                  </a:cubicBezTo>
-                  <a:close/>
-                </a:path>
-              </a:pathLst>
-            </a:custGeom>
-            <a:solidFill>
-              <a:schemeClr val="accent1"/>
-            </a:solidFill>
-            <a:ln>
-              <a:noFill/>
-            </a:ln>
-          </p:spPr>
-          <p:txBody>
-            <a:bodyPr anchorCtr="0" anchor="ctr" bIns="91425" lIns="91425" spcFirstLastPara="1" rIns="91425" wrap="square" tIns="91425">
-              <a:noAutofit/>
-            </a:bodyPr>
-            <a:lstStyle/>
-            <a:p>
-              <a:pPr indent="0" lvl="0" marL="0" rtl="0" algn="l">
-                <a:spcBef>
-                  <a:spcPts val="0"/>
-                </a:spcBef>
-                <a:spcAft>
-                  <a:spcPts val="0"/>
-                </a:spcAft>
-                <a:buNone/>
-              </a:pPr>
-              <a:r>
-                <a:t/>
-              </a:r>
-              <a:endParaRPr/>
-            </a:p>
-          </p:txBody>
-        </p:sp>
-        <p:sp>
-          <p:nvSpPr>
-            <p:cNvPr id="222" name="Google Shape;222;p29"/>
-            <p:cNvSpPr/>
-            <p:nvPr/>
-          </p:nvSpPr>
-          <p:spPr>
-            <a:xfrm rot="-1532296">
-              <a:off x="-195165" y="2536744"/>
-              <a:ext cx="207246" cy="340076"/>
-            </a:xfrm>
-            <a:custGeom>
-              <a:rect b="b" l="l" r="r" t="t"/>
-              <a:pathLst>
-                <a:path extrusionOk="0" h="6631" w="4041">
-                  <a:moveTo>
-                    <a:pt x="3971" y="6630"/>
-                  </a:moveTo>
-                  <a:lnTo>
-                    <a:pt x="3960" y="6630"/>
-                  </a:lnTo>
-                  <a:lnTo>
-                    <a:pt x="3971" y="6630"/>
-                  </a:lnTo>
-                  <a:close/>
-                  <a:moveTo>
-                    <a:pt x="3980" y="6630"/>
-                  </a:moveTo>
-                  <a:lnTo>
-                    <a:pt x="3971" y="6630"/>
-                  </a:lnTo>
-                  <a:lnTo>
-                    <a:pt x="3980" y="6630"/>
-                  </a:lnTo>
-                  <a:close/>
-                  <a:moveTo>
-                    <a:pt x="3991" y="6630"/>
-                  </a:moveTo>
-                  <a:lnTo>
-                    <a:pt x="3980" y="6630"/>
-                  </a:lnTo>
-                  <a:lnTo>
-                    <a:pt x="3991" y="6630"/>
-                  </a:lnTo>
-                  <a:close/>
-                  <a:moveTo>
-                    <a:pt x="3991" y="6630"/>
-                  </a:moveTo>
-                  <a:lnTo>
-                    <a:pt x="3991" y="6630"/>
-                  </a:lnTo>
-                  <a:lnTo>
-                    <a:pt x="3991" y="6630"/>
-                  </a:lnTo>
-                  <a:close/>
-                  <a:moveTo>
-                    <a:pt x="4000" y="6630"/>
-                  </a:moveTo>
-                  <a:lnTo>
-                    <a:pt x="4000" y="6630"/>
-                  </a:lnTo>
-                  <a:lnTo>
-                    <a:pt x="4000" y="6630"/>
-                  </a:lnTo>
-                  <a:close/>
-                  <a:moveTo>
-                    <a:pt x="4011" y="6630"/>
-                  </a:moveTo>
-                  <a:lnTo>
-                    <a:pt x="4000" y="6630"/>
-                  </a:lnTo>
-                  <a:lnTo>
-                    <a:pt x="4011" y="6630"/>
-                  </a:lnTo>
-                  <a:close/>
-                  <a:moveTo>
-                    <a:pt x="4020" y="6630"/>
-                  </a:moveTo>
-                  <a:lnTo>
-                    <a:pt x="4020" y="6630"/>
-                  </a:lnTo>
-                  <a:lnTo>
-                    <a:pt x="4020" y="6630"/>
-                  </a:lnTo>
-                  <a:close/>
-                  <a:moveTo>
-                    <a:pt x="4031" y="6620"/>
-                  </a:moveTo>
-                  <a:lnTo>
-                    <a:pt x="4031" y="6630"/>
-                  </a:lnTo>
-                  <a:lnTo>
-                    <a:pt x="4031" y="6620"/>
-                  </a:lnTo>
-                  <a:close/>
-                  <a:moveTo>
-                    <a:pt x="4040" y="6620"/>
-                  </a:moveTo>
-                  <a:lnTo>
-                    <a:pt x="4031" y="6620"/>
-                  </a:lnTo>
-                  <a:lnTo>
-                    <a:pt x="4040" y="6620"/>
-                  </a:lnTo>
-                  <a:close/>
-                  <a:moveTo>
-                    <a:pt x="4040" y="6620"/>
-                  </a:moveTo>
-                  <a:lnTo>
-                    <a:pt x="4040" y="6620"/>
-                  </a:lnTo>
-                  <a:lnTo>
-                    <a:pt x="4040" y="6620"/>
-                  </a:lnTo>
-                  <a:close/>
-                  <a:moveTo>
-                    <a:pt x="1031" y="1"/>
-                  </a:moveTo>
-                  <a:lnTo>
-                    <a:pt x="1031" y="11"/>
-                  </a:lnTo>
-                  <a:cubicBezTo>
-                    <a:pt x="901" y="151"/>
-                    <a:pt x="781" y="301"/>
-                    <a:pt x="671" y="461"/>
-                  </a:cubicBezTo>
-                  <a:cubicBezTo>
-                    <a:pt x="251" y="1091"/>
-                    <a:pt x="1" y="1851"/>
-                    <a:pt x="1" y="2660"/>
-                  </a:cubicBezTo>
-                  <a:lnTo>
-                    <a:pt x="1" y="2660"/>
-                  </a:lnTo>
-                  <a:cubicBezTo>
-                    <a:pt x="1" y="1851"/>
-                    <a:pt x="251" y="1091"/>
-                    <a:pt x="671" y="461"/>
-                  </a:cubicBezTo>
-                  <a:lnTo>
-                    <a:pt x="671" y="461"/>
-                  </a:lnTo>
-                  <a:lnTo>
-                    <a:pt x="671" y="461"/>
-                  </a:lnTo>
-                  <a:cubicBezTo>
-                    <a:pt x="781" y="301"/>
-                    <a:pt x="901" y="151"/>
-                    <a:pt x="1031" y="11"/>
-                  </a:cubicBezTo>
-                  <a:lnTo>
-                    <a:pt x="1031" y="11"/>
-                  </a:lnTo>
-                  <a:close/>
-                </a:path>
-              </a:pathLst>
-            </a:custGeom>
-            <a:solidFill>
-              <a:srgbClr val="EAEBEC"/>
-            </a:solidFill>
-            <a:ln>
-              <a:noFill/>
-            </a:ln>
-          </p:spPr>
-          <p:txBody>
-            <a:bodyPr anchorCtr="0" anchor="ctr" bIns="91425" lIns="91425" spcFirstLastPara="1" rIns="91425" wrap="square" tIns="91425">
-              <a:noAutofit/>
-            </a:bodyPr>
-            <a:lstStyle/>
-            <a:p>
-              <a:pPr indent="0" lvl="0" marL="0" rtl="0" algn="l">
-                <a:spcBef>
-                  <a:spcPts val="0"/>
-                </a:spcBef>
-                <a:spcAft>
-                  <a:spcPts val="0"/>
-                </a:spcAft>
-                <a:buNone/>
-              </a:pPr>
-              <a:r>
-                <a:t/>
-              </a:r>
-              <a:endParaRPr/>
-            </a:p>
-          </p:txBody>
-        </p:sp>
-        <p:sp>
-          <p:nvSpPr>
-            <p:cNvPr id="223" name="Google Shape;223;p29"/>
-            <p:cNvSpPr/>
-            <p:nvPr/>
-          </p:nvSpPr>
-          <p:spPr>
-            <a:xfrm rot="-1532296">
-              <a:off x="-204929" y="2493660"/>
-              <a:ext cx="348281" cy="353410"/>
-            </a:xfrm>
-            <a:custGeom>
-              <a:rect b="b" l="l" r="r" t="t"/>
-              <a:pathLst>
-                <a:path extrusionOk="0" h="6891" w="6791">
-                  <a:moveTo>
-                    <a:pt x="1300" y="1"/>
-                  </a:moveTo>
-                  <a:lnTo>
-                    <a:pt x="1300" y="1"/>
-                  </a:lnTo>
-                  <a:cubicBezTo>
-                    <a:pt x="1200" y="81"/>
-                    <a:pt x="1111" y="171"/>
-                    <a:pt x="1031" y="261"/>
-                  </a:cubicBezTo>
-                  <a:lnTo>
-                    <a:pt x="1031" y="271"/>
-                  </a:lnTo>
-                  <a:lnTo>
-                    <a:pt x="1271" y="271"/>
-                  </a:lnTo>
-                  <a:lnTo>
-                    <a:pt x="1300" y="1"/>
-                  </a:lnTo>
-                  <a:close/>
-                  <a:moveTo>
-                    <a:pt x="781" y="711"/>
-                  </a:moveTo>
-                  <a:cubicBezTo>
-                    <a:pt x="741" y="711"/>
-                    <a:pt x="711" y="711"/>
-                    <a:pt x="671" y="721"/>
-                  </a:cubicBezTo>
-                  <a:cubicBezTo>
-                    <a:pt x="251" y="1351"/>
-                    <a:pt x="1" y="2111"/>
-                    <a:pt x="1" y="2920"/>
-                  </a:cubicBezTo>
-                  <a:cubicBezTo>
-                    <a:pt x="1" y="3851"/>
-                    <a:pt x="321" y="4691"/>
-                    <a:pt x="841" y="5360"/>
-                  </a:cubicBezTo>
-                  <a:lnTo>
-                    <a:pt x="1980" y="5360"/>
-                  </a:lnTo>
-                  <a:cubicBezTo>
-                    <a:pt x="2560" y="5360"/>
-                    <a:pt x="3100" y="5150"/>
-                    <a:pt x="3511" y="4791"/>
-                  </a:cubicBezTo>
-                  <a:cubicBezTo>
-                    <a:pt x="3291" y="4640"/>
-                    <a:pt x="3091" y="4480"/>
-                    <a:pt x="2900" y="4300"/>
-                  </a:cubicBezTo>
-                  <a:cubicBezTo>
-                    <a:pt x="2711" y="4120"/>
-                    <a:pt x="2531" y="3931"/>
-                    <a:pt x="2371" y="3720"/>
-                  </a:cubicBezTo>
-                  <a:cubicBezTo>
-                    <a:pt x="1711" y="2880"/>
-                    <a:pt x="1311" y="1851"/>
-                    <a:pt x="1271" y="711"/>
-                  </a:cubicBezTo>
-                  <a:close/>
-                  <a:moveTo>
-                    <a:pt x="3900" y="5040"/>
-                  </a:moveTo>
-                  <a:cubicBezTo>
-                    <a:pt x="3400" y="5520"/>
-                    <a:pt x="2720" y="5810"/>
-                    <a:pt x="1980" y="5810"/>
-                  </a:cubicBezTo>
-                  <a:lnTo>
-                    <a:pt x="1251" y="5810"/>
-                  </a:lnTo>
-                  <a:cubicBezTo>
-                    <a:pt x="1960" y="6480"/>
-                    <a:pt x="2911" y="6890"/>
-                    <a:pt x="3960" y="6890"/>
-                  </a:cubicBezTo>
-                  <a:lnTo>
-                    <a:pt x="4031" y="6890"/>
-                  </a:lnTo>
-                  <a:lnTo>
-                    <a:pt x="4031" y="6880"/>
-                  </a:lnTo>
-                  <a:lnTo>
-                    <a:pt x="4040" y="6880"/>
-                  </a:lnTo>
-                  <a:cubicBezTo>
-                    <a:pt x="5120" y="6860"/>
-                    <a:pt x="6090" y="6410"/>
-                    <a:pt x="6790" y="5700"/>
-                  </a:cubicBezTo>
-                  <a:cubicBezTo>
-                    <a:pt x="6680" y="5700"/>
-                    <a:pt x="6560" y="5710"/>
-                    <a:pt x="6450" y="5710"/>
-                  </a:cubicBezTo>
-                  <a:cubicBezTo>
-                    <a:pt x="5520" y="5710"/>
-                    <a:pt x="4651" y="5470"/>
-                    <a:pt x="3900" y="5040"/>
-                  </a:cubicBezTo>
-                  <a:close/>
-                </a:path>
-              </a:pathLst>
-            </a:custGeom>
-            <a:solidFill>
-              <a:schemeClr val="accent2">
-                <a:alpha val="10000"/>
-              </a:schemeClr>
-            </a:solidFill>
-            <a:ln>
-              <a:noFill/>
-            </a:ln>
-          </p:spPr>
-          <p:txBody>
-            <a:bodyPr anchorCtr="0" anchor="ctr" bIns="91425" lIns="91425" spcFirstLastPara="1" rIns="91425" wrap="square" tIns="91425">
-              <a:noAutofit/>
-            </a:bodyPr>
-            <a:lstStyle/>
-            <a:p>
-              <a:pPr indent="0" lvl="0" marL="0" rtl="0" algn="l">
-                <a:spcBef>
-                  <a:spcPts val="0"/>
-                </a:spcBef>
-                <a:spcAft>
-                  <a:spcPts val="0"/>
-                </a:spcAft>
-                <a:buNone/>
-              </a:pPr>
-              <a:r>
-                <a:t/>
-              </a:r>
-              <a:endParaRPr/>
-            </a:p>
-          </p:txBody>
-        </p:sp>
-        <p:sp>
-          <p:nvSpPr>
-            <p:cNvPr id="224" name="Google Shape;224;p29"/>
-            <p:cNvSpPr/>
-            <p:nvPr/>
-          </p:nvSpPr>
-          <p:spPr>
-            <a:xfrm rot="-1532296">
-              <a:off x="-173949" y="2534127"/>
-              <a:ext cx="165704" cy="284123"/>
-            </a:xfrm>
-            <a:custGeom>
-              <a:rect b="b" l="l" r="r" t="t"/>
-              <a:pathLst>
-                <a:path extrusionOk="0" h="5540" w="3231">
-                  <a:moveTo>
-                    <a:pt x="361" y="0"/>
-                  </a:moveTo>
-                  <a:cubicBezTo>
-                    <a:pt x="231" y="140"/>
-                    <a:pt x="111" y="290"/>
-                    <a:pt x="1" y="450"/>
-                  </a:cubicBezTo>
-                  <a:cubicBezTo>
-                    <a:pt x="41" y="440"/>
-                    <a:pt x="71" y="440"/>
-                    <a:pt x="111" y="440"/>
-                  </a:cubicBezTo>
-                  <a:lnTo>
-                    <a:pt x="601" y="440"/>
-                  </a:lnTo>
-                  <a:lnTo>
-                    <a:pt x="601" y="260"/>
-                  </a:lnTo>
-                  <a:lnTo>
-                    <a:pt x="601" y="0"/>
-                  </a:lnTo>
-                  <a:close/>
-                  <a:moveTo>
-                    <a:pt x="2841" y="4520"/>
-                  </a:moveTo>
-                  <a:cubicBezTo>
-                    <a:pt x="2430" y="4879"/>
-                    <a:pt x="1890" y="5089"/>
-                    <a:pt x="1310" y="5089"/>
-                  </a:cubicBezTo>
-                  <a:lnTo>
-                    <a:pt x="171" y="5089"/>
-                  </a:lnTo>
-                  <a:cubicBezTo>
-                    <a:pt x="301" y="5249"/>
-                    <a:pt x="431" y="5399"/>
-                    <a:pt x="581" y="5539"/>
-                  </a:cubicBezTo>
-                  <a:lnTo>
-                    <a:pt x="1310" y="5539"/>
-                  </a:lnTo>
-                  <a:cubicBezTo>
-                    <a:pt x="2050" y="5539"/>
-                    <a:pt x="2730" y="5249"/>
-                    <a:pt x="3230" y="4769"/>
-                  </a:cubicBezTo>
-                  <a:cubicBezTo>
-                    <a:pt x="3090" y="4689"/>
-                    <a:pt x="2961" y="4609"/>
-                    <a:pt x="2841" y="4520"/>
-                  </a:cubicBezTo>
-                  <a:close/>
-                </a:path>
-              </a:pathLst>
-            </a:custGeom>
-            <a:solidFill>
-              <a:schemeClr val="accent1"/>
-            </a:solidFill>
-            <a:ln>
-              <a:noFill/>
-            </a:ln>
-          </p:spPr>
-          <p:txBody>
-            <a:bodyPr anchorCtr="0" anchor="ctr" bIns="91425" lIns="91425" spcFirstLastPara="1" rIns="91425" wrap="square" tIns="91425">
-              <a:noAutofit/>
-            </a:bodyPr>
-            <a:lstStyle/>
-            <a:p>
-              <a:pPr indent="0" lvl="0" marL="0" rtl="0" algn="l">
-                <a:spcBef>
-                  <a:spcPts val="0"/>
-                </a:spcBef>
-                <a:spcAft>
-                  <a:spcPts val="0"/>
-                </a:spcAft>
-                <a:buNone/>
-              </a:pPr>
-              <a:r>
-                <a:t/>
-              </a:r>
-              <a:endParaRPr/>
-            </a:p>
-          </p:txBody>
-        </p:sp>
-      </p:grpSp>
-      <p:grpSp>
-        <p:nvGrpSpPr>
-          <p:cNvPr id="225" name="Google Shape;225;p29"/>
-          <p:cNvGrpSpPr/>
-          <p:nvPr/>
-        </p:nvGrpSpPr>
-        <p:grpSpPr>
-          <a:xfrm rot="6833177">
-            <a:off x="7878222" y="4535824"/>
-            <a:ext cx="542331" cy="542331"/>
-            <a:chOff x="-287090" y="2362518"/>
-            <a:chExt cx="542361" cy="542361"/>
-          </a:xfrm>
-        </p:grpSpPr>
-        <p:sp>
-          <p:nvSpPr>
-            <p:cNvPr id="226" name="Google Shape;226;p29"/>
-            <p:cNvSpPr/>
-            <p:nvPr/>
-          </p:nvSpPr>
-          <p:spPr>
-            <a:xfrm rot="-1532296">
-              <a:off x="-219282" y="2430325"/>
-              <a:ext cx="406747" cy="406747"/>
-            </a:xfrm>
-            <a:custGeom>
-              <a:rect b="b" l="l" r="r" t="t"/>
-              <a:pathLst>
-                <a:path extrusionOk="0" h="7931" w="7931">
-                  <a:moveTo>
-                    <a:pt x="3960" y="1"/>
-                  </a:moveTo>
-                  <a:cubicBezTo>
-                    <a:pt x="2800" y="1"/>
-                    <a:pt x="1751" y="511"/>
-                    <a:pt x="1031" y="1311"/>
-                  </a:cubicBezTo>
-                  <a:cubicBezTo>
-                    <a:pt x="901" y="1451"/>
-                    <a:pt x="781" y="1601"/>
-                    <a:pt x="671" y="1761"/>
-                  </a:cubicBezTo>
-                  <a:cubicBezTo>
-                    <a:pt x="251" y="2391"/>
-                    <a:pt x="1" y="3151"/>
-                    <a:pt x="1" y="3960"/>
-                  </a:cubicBezTo>
-                  <a:cubicBezTo>
-                    <a:pt x="1" y="4891"/>
-                    <a:pt x="321" y="5731"/>
-                    <a:pt x="841" y="6400"/>
-                  </a:cubicBezTo>
-                  <a:cubicBezTo>
-                    <a:pt x="971" y="6560"/>
-                    <a:pt x="1101" y="6710"/>
-                    <a:pt x="1251" y="6850"/>
-                  </a:cubicBezTo>
-                  <a:cubicBezTo>
-                    <a:pt x="1960" y="7520"/>
-                    <a:pt x="2911" y="7930"/>
-                    <a:pt x="3960" y="7930"/>
-                  </a:cubicBezTo>
-                  <a:cubicBezTo>
-                    <a:pt x="5250" y="7930"/>
-                    <a:pt x="6400" y="7310"/>
-                    <a:pt x="7120" y="6360"/>
-                  </a:cubicBezTo>
-                  <a:cubicBezTo>
-                    <a:pt x="7210" y="6240"/>
-                    <a:pt x="7290" y="6120"/>
-                    <a:pt x="7370" y="5991"/>
-                  </a:cubicBezTo>
-                  <a:cubicBezTo>
-                    <a:pt x="7720" y="5400"/>
-                    <a:pt x="7930" y="4700"/>
-                    <a:pt x="7930" y="3960"/>
-                  </a:cubicBezTo>
-                  <a:cubicBezTo>
-                    <a:pt x="7930" y="3291"/>
-                    <a:pt x="7760" y="2660"/>
-                    <a:pt x="7460" y="2111"/>
-                  </a:cubicBezTo>
-                  <a:cubicBezTo>
-                    <a:pt x="7390" y="1981"/>
-                    <a:pt x="7320" y="1851"/>
-                    <a:pt x="7230" y="1731"/>
-                  </a:cubicBezTo>
-                  <a:cubicBezTo>
-                    <a:pt x="6520" y="691"/>
-                    <a:pt x="5320" y="1"/>
-                    <a:pt x="3960" y="1"/>
-                  </a:cubicBezTo>
-                  <a:close/>
-                </a:path>
-              </a:pathLst>
-            </a:custGeom>
-            <a:solidFill>
-              <a:schemeClr val="lt1"/>
-            </a:solidFill>
-            <a:ln>
-              <a:noFill/>
-            </a:ln>
-          </p:spPr>
-          <p:txBody>
-            <a:bodyPr anchorCtr="0" anchor="ctr" bIns="91425" lIns="91425" spcFirstLastPara="1" rIns="91425" wrap="square" tIns="91425">
-              <a:noAutofit/>
-            </a:bodyPr>
-            <a:lstStyle/>
-            <a:p>
-              <a:pPr indent="0" lvl="0" marL="0" rtl="0" algn="l">
-                <a:spcBef>
-                  <a:spcPts val="0"/>
-                </a:spcBef>
-                <a:spcAft>
-                  <a:spcPts val="0"/>
-                </a:spcAft>
-                <a:buNone/>
-              </a:pPr>
-              <a:r>
-                <a:t/>
-              </a:r>
-              <a:endParaRPr/>
-            </a:p>
-          </p:txBody>
-        </p:sp>
-        <p:sp>
-          <p:nvSpPr>
-            <p:cNvPr id="227" name="Google Shape;227;p29"/>
-            <p:cNvSpPr/>
-            <p:nvPr/>
-          </p:nvSpPr>
-          <p:spPr>
-            <a:xfrm rot="-1532296">
-              <a:off x="-176079" y="2524730"/>
-              <a:ext cx="209297" cy="284123"/>
-            </a:xfrm>
-            <a:custGeom>
-              <a:rect b="b" l="l" r="r" t="t"/>
-              <a:pathLst>
-                <a:path extrusionOk="0" h="5540" w="4081">
-                  <a:moveTo>
-                    <a:pt x="361" y="0"/>
-                  </a:moveTo>
-                  <a:cubicBezTo>
-                    <a:pt x="231" y="140"/>
-                    <a:pt x="111" y="290"/>
-                    <a:pt x="1" y="450"/>
-                  </a:cubicBezTo>
-                  <a:cubicBezTo>
-                    <a:pt x="41" y="440"/>
-                    <a:pt x="71" y="440"/>
-                    <a:pt x="111" y="440"/>
-                  </a:cubicBezTo>
-                  <a:lnTo>
-                    <a:pt x="1310" y="440"/>
-                  </a:lnTo>
-                  <a:cubicBezTo>
-                    <a:pt x="2590" y="440"/>
-                    <a:pt x="3641" y="1489"/>
-                    <a:pt x="3641" y="2769"/>
-                  </a:cubicBezTo>
-                  <a:cubicBezTo>
-                    <a:pt x="3641" y="4049"/>
-                    <a:pt x="2590" y="5089"/>
-                    <a:pt x="1310" y="5089"/>
-                  </a:cubicBezTo>
-                  <a:lnTo>
-                    <a:pt x="171" y="5089"/>
-                  </a:lnTo>
-                  <a:cubicBezTo>
-                    <a:pt x="301" y="5249"/>
-                    <a:pt x="431" y="5399"/>
-                    <a:pt x="581" y="5539"/>
-                  </a:cubicBezTo>
-                  <a:lnTo>
-                    <a:pt x="1310" y="5539"/>
-                  </a:lnTo>
-                  <a:cubicBezTo>
-                    <a:pt x="2841" y="5539"/>
-                    <a:pt x="4081" y="4300"/>
-                    <a:pt x="4081" y="2769"/>
-                  </a:cubicBezTo>
-                  <a:cubicBezTo>
-                    <a:pt x="4081" y="1240"/>
-                    <a:pt x="2841" y="0"/>
-                    <a:pt x="1310" y="0"/>
-                  </a:cubicBezTo>
-                  <a:close/>
-                </a:path>
-              </a:pathLst>
-            </a:custGeom>
-            <a:solidFill>
-              <a:schemeClr val="accent1"/>
-            </a:solidFill>
-            <a:ln>
-              <a:noFill/>
-            </a:ln>
-          </p:spPr>
-          <p:txBody>
-            <a:bodyPr anchorCtr="0" anchor="ctr" bIns="91425" lIns="91425" spcFirstLastPara="1" rIns="91425" wrap="square" tIns="91425">
-              <a:noAutofit/>
-            </a:bodyPr>
-            <a:lstStyle/>
-            <a:p>
-              <a:pPr indent="0" lvl="0" marL="0" rtl="0" algn="l">
-                <a:spcBef>
-                  <a:spcPts val="0"/>
-                </a:spcBef>
-                <a:spcAft>
-                  <a:spcPts val="0"/>
-                </a:spcAft>
-                <a:buNone/>
-              </a:pPr>
-              <a:r>
-                <a:t/>
-              </a:r>
-              <a:endParaRPr/>
-            </a:p>
-          </p:txBody>
-        </p:sp>
-        <p:sp>
-          <p:nvSpPr>
-            <p:cNvPr id="228" name="Google Shape;228;p29"/>
-            <p:cNvSpPr/>
-            <p:nvPr/>
-          </p:nvSpPr>
-          <p:spPr>
-            <a:xfrm rot="-1532296">
-              <a:off x="72397" y="2458421"/>
-              <a:ext cx="79031" cy="237504"/>
-            </a:xfrm>
-            <a:custGeom>
-              <a:rect b="b" l="l" r="r" t="t"/>
-              <a:pathLst>
-                <a:path extrusionOk="0" h="4631" w="1541">
-                  <a:moveTo>
-                    <a:pt x="1311" y="1"/>
-                  </a:moveTo>
-                  <a:cubicBezTo>
-                    <a:pt x="531" y="491"/>
-                    <a:pt x="1" y="1361"/>
-                    <a:pt x="1" y="2350"/>
-                  </a:cubicBezTo>
-                  <a:cubicBezTo>
-                    <a:pt x="1" y="3290"/>
-                    <a:pt x="481" y="4130"/>
-                    <a:pt x="1201" y="4630"/>
-                  </a:cubicBezTo>
-                  <a:cubicBezTo>
-                    <a:pt x="1291" y="4510"/>
-                    <a:pt x="1371" y="4390"/>
-                    <a:pt x="1451" y="4261"/>
-                  </a:cubicBezTo>
-                  <a:cubicBezTo>
-                    <a:pt x="851" y="3841"/>
-                    <a:pt x="451" y="3141"/>
-                    <a:pt x="451" y="2350"/>
-                  </a:cubicBezTo>
-                  <a:cubicBezTo>
-                    <a:pt x="451" y="1521"/>
-                    <a:pt x="891" y="790"/>
-                    <a:pt x="1541" y="381"/>
-                  </a:cubicBezTo>
-                  <a:cubicBezTo>
-                    <a:pt x="1471" y="251"/>
-                    <a:pt x="1401" y="121"/>
-                    <a:pt x="1311" y="1"/>
                   </a:cubicBezTo>
                   <a:close/>
                 </a:path>
@@ -24912,6 +24523,87 @@
           </p:nvSpPr>
           <p:spPr>
             <a:xfrm rot="-1532296">
+              <a:off x="72397" y="2458421"/>
+              <a:ext cx="79031" cy="237504"/>
+            </a:xfrm>
+            <a:custGeom>
+              <a:rect b="b" l="l" r="r" t="t"/>
+              <a:pathLst>
+                <a:path extrusionOk="0" h="4631" w="1541">
+                  <a:moveTo>
+                    <a:pt x="1311" y="1"/>
+                  </a:moveTo>
+                  <a:cubicBezTo>
+                    <a:pt x="531" y="491"/>
+                    <a:pt x="1" y="1361"/>
+                    <a:pt x="1" y="2350"/>
+                  </a:cubicBezTo>
+                  <a:cubicBezTo>
+                    <a:pt x="1" y="3290"/>
+                    <a:pt x="481" y="4130"/>
+                    <a:pt x="1201" y="4630"/>
+                  </a:cubicBezTo>
+                  <a:cubicBezTo>
+                    <a:pt x="1291" y="4510"/>
+                    <a:pt x="1371" y="4390"/>
+                    <a:pt x="1451" y="4261"/>
+                  </a:cubicBezTo>
+                  <a:cubicBezTo>
+                    <a:pt x="851" y="3841"/>
+                    <a:pt x="451" y="3141"/>
+                    <a:pt x="451" y="2350"/>
+                  </a:cubicBezTo>
+                  <a:cubicBezTo>
+                    <a:pt x="451" y="1521"/>
+                    <a:pt x="891" y="790"/>
+                    <a:pt x="1541" y="381"/>
+                  </a:cubicBezTo>
+                  <a:cubicBezTo>
+                    <a:pt x="1471" y="251"/>
+                    <a:pt x="1401" y="121"/>
+                    <a:pt x="1311" y="1"/>
+                  </a:cubicBezTo>
+                  <a:close/>
+                </a:path>
+              </a:pathLst>
+            </a:custGeom>
+            <a:solidFill>
+              <a:schemeClr val="accent1"/>
+            </a:solidFill>
+            <a:ln>
+              <a:noFill/>
+            </a:ln>
+          </p:spPr>
+          <p:txBody>
+            <a:bodyPr anchorCtr="0" anchor="ctr" bIns="91425" lIns="91425" spcFirstLastPara="1" rIns="91425" wrap="square" tIns="91425">
+              <a:noAutofit/>
+            </a:bodyPr>
+            <a:lstStyle/>
+            <a:p>
+              <a:pPr indent="0" lvl="0" marL="0" rtl="0" algn="l">
+                <a:spcBef>
+                  <a:spcPts val="0"/>
+                </a:spcBef>
+                <a:spcAft>
+                  <a:spcPts val="0"/>
+                </a:spcAft>
+                <a:buNone/>
+              </a:pPr>
+              <a:r>
+                <a:t/>
+              </a:r>
+              <a:endParaRPr/>
+            </a:p>
+          </p:txBody>
+        </p:sp>
+        <p:sp>
+          <p:nvSpPr>
+            <p:cNvPr id="230" name="Google Shape;230;p29"/>
+            <p:cNvSpPr/>
+            <p:nvPr/>
+          </p:nvSpPr>
+          <p:spPr>
+            <a:xfrm rot="-1532296">
               <a:off x="-195165" y="2536744"/>
               <a:ext cx="207246" cy="340076"/>
             </a:xfrm>
@@ -25092,7 +24784,7 @@
         </p:sp>
         <p:sp>
           <p:nvSpPr>
-            <p:cNvPr id="230" name="Google Shape;230;p29"/>
+            <p:cNvPr id="231" name="Google Shape;231;p29"/>
             <p:cNvSpPr/>
             <p:nvPr/>
           </p:nvSpPr>
@@ -25245,7 +24937,7 @@
         </p:sp>
         <p:sp>
           <p:nvSpPr>
-            <p:cNvPr id="231" name="Google Shape;231;p29"/>
+            <p:cNvPr id="232" name="Google Shape;232;p29"/>
             <p:cNvSpPr/>
             <p:nvPr/>
           </p:nvSpPr>
@@ -25346,21 +25038,21 @@
       </p:grpSp>
       <p:grpSp>
         <p:nvGrpSpPr>
-          <p:cNvPr id="232" name="Google Shape;232;p29"/>
+          <p:cNvPr id="233" name="Google Shape;233;p29"/>
           <p:cNvGrpSpPr/>
           <p:nvPr/>
         </p:nvGrpSpPr>
         <p:grpSpPr>
-          <a:xfrm>
-            <a:off x="5122935" y="4406806"/>
-            <a:ext cx="542361" cy="542361"/>
+          <a:xfrm rot="6833177">
+            <a:off x="7878222" y="4535824"/>
+            <a:ext cx="542331" cy="542331"/>
             <a:chOff x="-287090" y="2362518"/>
             <a:chExt cx="542361" cy="542361"/>
           </a:xfrm>
         </p:grpSpPr>
         <p:sp>
           <p:nvSpPr>
-            <p:cNvPr id="233" name="Google Shape;233;p29"/>
+            <p:cNvPr id="234" name="Google Shape;234;p29"/>
             <p:cNvSpPr/>
             <p:nvPr/>
           </p:nvSpPr>
@@ -25471,7 +25163,7 @@
         </p:sp>
         <p:sp>
           <p:nvSpPr>
-            <p:cNvPr id="234" name="Google Shape;234;p29"/>
+            <p:cNvPr id="235" name="Google Shape;235;p29"/>
             <p:cNvSpPr/>
             <p:nvPr/>
           </p:nvSpPr>
@@ -25530,87 +25222,6 @@
                     <a:pt x="4081" y="1240"/>
                     <a:pt x="2841" y="0"/>
                     <a:pt x="1310" y="0"/>
-                  </a:cubicBezTo>
-                  <a:close/>
-                </a:path>
-              </a:pathLst>
-            </a:custGeom>
-            <a:solidFill>
-              <a:schemeClr val="accent1"/>
-            </a:solidFill>
-            <a:ln>
-              <a:noFill/>
-            </a:ln>
-          </p:spPr>
-          <p:txBody>
-            <a:bodyPr anchorCtr="0" anchor="ctr" bIns="91425" lIns="91425" spcFirstLastPara="1" rIns="91425" wrap="square" tIns="91425">
-              <a:noAutofit/>
-            </a:bodyPr>
-            <a:lstStyle/>
-            <a:p>
-              <a:pPr indent="0" lvl="0" marL="0" rtl="0" algn="l">
-                <a:spcBef>
-                  <a:spcPts val="0"/>
-                </a:spcBef>
-                <a:spcAft>
-                  <a:spcPts val="0"/>
-                </a:spcAft>
-                <a:buNone/>
-              </a:pPr>
-              <a:r>
-                <a:t/>
-              </a:r>
-              <a:endParaRPr/>
-            </a:p>
-          </p:txBody>
-        </p:sp>
-        <p:sp>
-          <p:nvSpPr>
-            <p:cNvPr id="235" name="Google Shape;235;p29"/>
-            <p:cNvSpPr/>
-            <p:nvPr/>
-          </p:nvSpPr>
-          <p:spPr>
-            <a:xfrm rot="-1532296">
-              <a:off x="72397" y="2458421"/>
-              <a:ext cx="79031" cy="237504"/>
-            </a:xfrm>
-            <a:custGeom>
-              <a:rect b="b" l="l" r="r" t="t"/>
-              <a:pathLst>
-                <a:path extrusionOk="0" h="4631" w="1541">
-                  <a:moveTo>
-                    <a:pt x="1311" y="1"/>
-                  </a:moveTo>
-                  <a:cubicBezTo>
-                    <a:pt x="531" y="491"/>
-                    <a:pt x="1" y="1361"/>
-                    <a:pt x="1" y="2350"/>
-                  </a:cubicBezTo>
-                  <a:cubicBezTo>
-                    <a:pt x="1" y="3290"/>
-                    <a:pt x="481" y="4130"/>
-                    <a:pt x="1201" y="4630"/>
-                  </a:cubicBezTo>
-                  <a:cubicBezTo>
-                    <a:pt x="1291" y="4510"/>
-                    <a:pt x="1371" y="4390"/>
-                    <a:pt x="1451" y="4261"/>
-                  </a:cubicBezTo>
-                  <a:cubicBezTo>
-                    <a:pt x="851" y="3841"/>
-                    <a:pt x="451" y="3141"/>
-                    <a:pt x="451" y="2350"/>
-                  </a:cubicBezTo>
-                  <a:cubicBezTo>
-                    <a:pt x="451" y="1521"/>
-                    <a:pt x="891" y="790"/>
-                    <a:pt x="1541" y="381"/>
-                  </a:cubicBezTo>
-                  <a:cubicBezTo>
-                    <a:pt x="1471" y="251"/>
-                    <a:pt x="1401" y="121"/>
-                    <a:pt x="1311" y="1"/>
                   </a:cubicBezTo>
                   <a:close/>
                 </a:path>
@@ -25653,6 +25264,87 @@
           </p:nvSpPr>
           <p:spPr>
             <a:xfrm rot="-1532296">
+              <a:off x="72397" y="2458421"/>
+              <a:ext cx="79031" cy="237504"/>
+            </a:xfrm>
+            <a:custGeom>
+              <a:rect b="b" l="l" r="r" t="t"/>
+              <a:pathLst>
+                <a:path extrusionOk="0" h="4631" w="1541">
+                  <a:moveTo>
+                    <a:pt x="1311" y="1"/>
+                  </a:moveTo>
+                  <a:cubicBezTo>
+                    <a:pt x="531" y="491"/>
+                    <a:pt x="1" y="1361"/>
+                    <a:pt x="1" y="2350"/>
+                  </a:cubicBezTo>
+                  <a:cubicBezTo>
+                    <a:pt x="1" y="3290"/>
+                    <a:pt x="481" y="4130"/>
+                    <a:pt x="1201" y="4630"/>
+                  </a:cubicBezTo>
+                  <a:cubicBezTo>
+                    <a:pt x="1291" y="4510"/>
+                    <a:pt x="1371" y="4390"/>
+                    <a:pt x="1451" y="4261"/>
+                  </a:cubicBezTo>
+                  <a:cubicBezTo>
+                    <a:pt x="851" y="3841"/>
+                    <a:pt x="451" y="3141"/>
+                    <a:pt x="451" y="2350"/>
+                  </a:cubicBezTo>
+                  <a:cubicBezTo>
+                    <a:pt x="451" y="1521"/>
+                    <a:pt x="891" y="790"/>
+                    <a:pt x="1541" y="381"/>
+                  </a:cubicBezTo>
+                  <a:cubicBezTo>
+                    <a:pt x="1471" y="251"/>
+                    <a:pt x="1401" y="121"/>
+                    <a:pt x="1311" y="1"/>
+                  </a:cubicBezTo>
+                  <a:close/>
+                </a:path>
+              </a:pathLst>
+            </a:custGeom>
+            <a:solidFill>
+              <a:schemeClr val="accent1"/>
+            </a:solidFill>
+            <a:ln>
+              <a:noFill/>
+            </a:ln>
+          </p:spPr>
+          <p:txBody>
+            <a:bodyPr anchorCtr="0" anchor="ctr" bIns="91425" lIns="91425" spcFirstLastPara="1" rIns="91425" wrap="square" tIns="91425">
+              <a:noAutofit/>
+            </a:bodyPr>
+            <a:lstStyle/>
+            <a:p>
+              <a:pPr indent="0" lvl="0" marL="0" rtl="0" algn="l">
+                <a:spcBef>
+                  <a:spcPts val="0"/>
+                </a:spcBef>
+                <a:spcAft>
+                  <a:spcPts val="0"/>
+                </a:spcAft>
+                <a:buNone/>
+              </a:pPr>
+              <a:r>
+                <a:t/>
+              </a:r>
+              <a:endParaRPr/>
+            </a:p>
+          </p:txBody>
+        </p:sp>
+        <p:sp>
+          <p:nvSpPr>
+            <p:cNvPr id="237" name="Google Shape;237;p29"/>
+            <p:cNvSpPr/>
+            <p:nvPr/>
+          </p:nvSpPr>
+          <p:spPr>
+            <a:xfrm rot="-1532296">
               <a:off x="-195165" y="2536744"/>
               <a:ext cx="207246" cy="340076"/>
             </a:xfrm>
@@ -25833,7 +25525,7 @@
         </p:sp>
         <p:sp>
           <p:nvSpPr>
-            <p:cNvPr id="237" name="Google Shape;237;p29"/>
+            <p:cNvPr id="238" name="Google Shape;238;p29"/>
             <p:cNvSpPr/>
             <p:nvPr/>
           </p:nvSpPr>
@@ -25986,7 +25678,7 @@
         </p:sp>
         <p:sp>
           <p:nvSpPr>
-            <p:cNvPr id="238" name="Google Shape;238;p29"/>
+            <p:cNvPr id="239" name="Google Shape;239;p29"/>
             <p:cNvSpPr/>
             <p:nvPr/>
           </p:nvSpPr>
@@ -26087,21 +25779,21 @@
       </p:grpSp>
       <p:grpSp>
         <p:nvGrpSpPr>
-          <p:cNvPr id="239" name="Google Shape;239;p29"/>
+          <p:cNvPr id="240" name="Google Shape;240;p29"/>
           <p:cNvGrpSpPr/>
           <p:nvPr/>
         </p:nvGrpSpPr>
         <p:grpSpPr>
-          <a:xfrm rot="2905042">
-            <a:off x="1052634" y="4185665"/>
-            <a:ext cx="542362" cy="542362"/>
+          <a:xfrm>
+            <a:off x="5122935" y="4406806"/>
+            <a:ext cx="542361" cy="542361"/>
             <a:chOff x="-287090" y="2362518"/>
             <a:chExt cx="542361" cy="542361"/>
           </a:xfrm>
         </p:grpSpPr>
         <p:sp>
           <p:nvSpPr>
-            <p:cNvPr id="240" name="Google Shape;240;p29"/>
+            <p:cNvPr id="241" name="Google Shape;241;p29"/>
             <p:cNvSpPr/>
             <p:nvPr/>
           </p:nvSpPr>
@@ -26212,7 +25904,7 @@
         </p:sp>
         <p:sp>
           <p:nvSpPr>
-            <p:cNvPr id="241" name="Google Shape;241;p29"/>
+            <p:cNvPr id="242" name="Google Shape;242;p29"/>
             <p:cNvSpPr/>
             <p:nvPr/>
           </p:nvSpPr>
@@ -26271,87 +25963,6 @@
                     <a:pt x="4081" y="1240"/>
                     <a:pt x="2841" y="0"/>
                     <a:pt x="1310" y="0"/>
-                  </a:cubicBezTo>
-                  <a:close/>
-                </a:path>
-              </a:pathLst>
-            </a:custGeom>
-            <a:solidFill>
-              <a:schemeClr val="accent1"/>
-            </a:solidFill>
-            <a:ln>
-              <a:noFill/>
-            </a:ln>
-          </p:spPr>
-          <p:txBody>
-            <a:bodyPr anchorCtr="0" anchor="ctr" bIns="91425" lIns="91425" spcFirstLastPara="1" rIns="91425" wrap="square" tIns="91425">
-              <a:noAutofit/>
-            </a:bodyPr>
-            <a:lstStyle/>
-            <a:p>
-              <a:pPr indent="0" lvl="0" marL="0" rtl="0" algn="l">
-                <a:spcBef>
-                  <a:spcPts val="0"/>
-                </a:spcBef>
-                <a:spcAft>
-                  <a:spcPts val="0"/>
-                </a:spcAft>
-                <a:buNone/>
-              </a:pPr>
-              <a:r>
-                <a:t/>
-              </a:r>
-              <a:endParaRPr/>
-            </a:p>
-          </p:txBody>
-        </p:sp>
-        <p:sp>
-          <p:nvSpPr>
-            <p:cNvPr id="242" name="Google Shape;242;p29"/>
-            <p:cNvSpPr/>
-            <p:nvPr/>
-          </p:nvSpPr>
-          <p:spPr>
-            <a:xfrm rot="-1532296">
-              <a:off x="72397" y="2458421"/>
-              <a:ext cx="79031" cy="237504"/>
-            </a:xfrm>
-            <a:custGeom>
-              <a:rect b="b" l="l" r="r" t="t"/>
-              <a:pathLst>
-                <a:path extrusionOk="0" h="4631" w="1541">
-                  <a:moveTo>
-                    <a:pt x="1311" y="1"/>
-                  </a:moveTo>
-                  <a:cubicBezTo>
-                    <a:pt x="531" y="491"/>
-                    <a:pt x="1" y="1361"/>
-                    <a:pt x="1" y="2350"/>
-                  </a:cubicBezTo>
-                  <a:cubicBezTo>
-                    <a:pt x="1" y="3290"/>
-                    <a:pt x="481" y="4130"/>
-                    <a:pt x="1201" y="4630"/>
-                  </a:cubicBezTo>
-                  <a:cubicBezTo>
-                    <a:pt x="1291" y="4510"/>
-                    <a:pt x="1371" y="4390"/>
-                    <a:pt x="1451" y="4261"/>
-                  </a:cubicBezTo>
-                  <a:cubicBezTo>
-                    <a:pt x="851" y="3841"/>
-                    <a:pt x="451" y="3141"/>
-                    <a:pt x="451" y="2350"/>
-                  </a:cubicBezTo>
-                  <a:cubicBezTo>
-                    <a:pt x="451" y="1521"/>
-                    <a:pt x="891" y="790"/>
-                    <a:pt x="1541" y="381"/>
-                  </a:cubicBezTo>
-                  <a:cubicBezTo>
-                    <a:pt x="1471" y="251"/>
-                    <a:pt x="1401" y="121"/>
-                    <a:pt x="1311" y="1"/>
                   </a:cubicBezTo>
                   <a:close/>
                 </a:path>
@@ -26394,6 +26005,87 @@
           </p:nvSpPr>
           <p:spPr>
             <a:xfrm rot="-1532296">
+              <a:off x="72397" y="2458421"/>
+              <a:ext cx="79031" cy="237504"/>
+            </a:xfrm>
+            <a:custGeom>
+              <a:rect b="b" l="l" r="r" t="t"/>
+              <a:pathLst>
+                <a:path extrusionOk="0" h="4631" w="1541">
+                  <a:moveTo>
+                    <a:pt x="1311" y="1"/>
+                  </a:moveTo>
+                  <a:cubicBezTo>
+                    <a:pt x="531" y="491"/>
+                    <a:pt x="1" y="1361"/>
+                    <a:pt x="1" y="2350"/>
+                  </a:cubicBezTo>
+                  <a:cubicBezTo>
+                    <a:pt x="1" y="3290"/>
+                    <a:pt x="481" y="4130"/>
+                    <a:pt x="1201" y="4630"/>
+                  </a:cubicBezTo>
+                  <a:cubicBezTo>
+                    <a:pt x="1291" y="4510"/>
+                    <a:pt x="1371" y="4390"/>
+                    <a:pt x="1451" y="4261"/>
+                  </a:cubicBezTo>
+                  <a:cubicBezTo>
+                    <a:pt x="851" y="3841"/>
+                    <a:pt x="451" y="3141"/>
+                    <a:pt x="451" y="2350"/>
+                  </a:cubicBezTo>
+                  <a:cubicBezTo>
+                    <a:pt x="451" y="1521"/>
+                    <a:pt x="891" y="790"/>
+                    <a:pt x="1541" y="381"/>
+                  </a:cubicBezTo>
+                  <a:cubicBezTo>
+                    <a:pt x="1471" y="251"/>
+                    <a:pt x="1401" y="121"/>
+                    <a:pt x="1311" y="1"/>
+                  </a:cubicBezTo>
+                  <a:close/>
+                </a:path>
+              </a:pathLst>
+            </a:custGeom>
+            <a:solidFill>
+              <a:schemeClr val="accent1"/>
+            </a:solidFill>
+            <a:ln>
+              <a:noFill/>
+            </a:ln>
+          </p:spPr>
+          <p:txBody>
+            <a:bodyPr anchorCtr="0" anchor="ctr" bIns="91425" lIns="91425" spcFirstLastPara="1" rIns="91425" wrap="square" tIns="91425">
+              <a:noAutofit/>
+            </a:bodyPr>
+            <a:lstStyle/>
+            <a:p>
+              <a:pPr indent="0" lvl="0" marL="0" rtl="0" algn="l">
+                <a:spcBef>
+                  <a:spcPts val="0"/>
+                </a:spcBef>
+                <a:spcAft>
+                  <a:spcPts val="0"/>
+                </a:spcAft>
+                <a:buNone/>
+              </a:pPr>
+              <a:r>
+                <a:t/>
+              </a:r>
+              <a:endParaRPr/>
+            </a:p>
+          </p:txBody>
+        </p:sp>
+        <p:sp>
+          <p:nvSpPr>
+            <p:cNvPr id="244" name="Google Shape;244;p29"/>
+            <p:cNvSpPr/>
+            <p:nvPr/>
+          </p:nvSpPr>
+          <p:spPr>
+            <a:xfrm rot="-1532296">
               <a:off x="-195165" y="2536744"/>
               <a:ext cx="207246" cy="340076"/>
             </a:xfrm>
@@ -26574,7 +26266,7 @@
         </p:sp>
         <p:sp>
           <p:nvSpPr>
-            <p:cNvPr id="244" name="Google Shape;244;p29"/>
+            <p:cNvPr id="245" name="Google Shape;245;p29"/>
             <p:cNvSpPr/>
             <p:nvPr/>
           </p:nvSpPr>
@@ -26727,7 +26419,7 @@
         </p:sp>
         <p:sp>
           <p:nvSpPr>
-            <p:cNvPr id="245" name="Google Shape;245;p29"/>
+            <p:cNvPr id="246" name="Google Shape;246;p29"/>
             <p:cNvSpPr/>
             <p:nvPr/>
           </p:nvSpPr>
@@ -26828,165 +26520,18 @@
       </p:grpSp>
       <p:grpSp>
         <p:nvGrpSpPr>
-          <p:cNvPr id="246" name="Google Shape;246;p29"/>
+          <p:cNvPr id="247" name="Google Shape;247;p29"/>
           <p:cNvGrpSpPr/>
           <p:nvPr/>
         </p:nvGrpSpPr>
         <p:grpSpPr>
-          <a:xfrm rot="3239925">
-            <a:off x="5471212" y="3233103"/>
-            <a:ext cx="1006391" cy="1006439"/>
-            <a:chOff x="1880684" y="3301028"/>
-            <a:chExt cx="1006396" cy="1006445"/>
+          <a:xfrm rot="2905042">
+            <a:off x="1052634" y="4185665"/>
+            <a:ext cx="542362" cy="542362"/>
+            <a:chOff x="-287090" y="2362518"/>
+            <a:chExt cx="542361" cy="542361"/>
           </a:xfrm>
         </p:grpSpPr>
-        <p:sp>
-          <p:nvSpPr>
-            <p:cNvPr id="247" name="Google Shape;247;p29"/>
-            <p:cNvSpPr/>
-            <p:nvPr/>
-          </p:nvSpPr>
-          <p:spPr>
-            <a:xfrm rot="-201210">
-              <a:off x="1907724" y="3328066"/>
-              <a:ext cx="952317" cy="952368"/>
-            </a:xfrm>
-            <a:custGeom>
-              <a:rect b="b" l="l" r="r" t="t"/>
-              <a:pathLst>
-                <a:path extrusionOk="0" h="18570" w="18569">
-                  <a:moveTo>
-                    <a:pt x="9290" y="1"/>
-                  </a:moveTo>
-                  <a:cubicBezTo>
-                    <a:pt x="6590" y="1"/>
-                    <a:pt x="4160" y="1151"/>
-                    <a:pt x="2470" y="2991"/>
-                  </a:cubicBezTo>
-                  <a:cubicBezTo>
-                    <a:pt x="2290" y="3180"/>
-                    <a:pt x="2120" y="3380"/>
-                    <a:pt x="1960" y="3580"/>
-                  </a:cubicBezTo>
-                  <a:cubicBezTo>
-                    <a:pt x="740" y="5151"/>
-                    <a:pt x="0" y="7130"/>
-                    <a:pt x="0" y="9280"/>
-                  </a:cubicBezTo>
-                  <a:lnTo>
-                    <a:pt x="0" y="9310"/>
-                  </a:lnTo>
-                  <a:cubicBezTo>
-                    <a:pt x="0" y="9500"/>
-                    <a:pt x="11" y="9700"/>
-                    <a:pt x="31" y="9900"/>
-                  </a:cubicBezTo>
-                  <a:cubicBezTo>
-                    <a:pt x="171" y="12110"/>
-                    <a:pt x="1090" y="14110"/>
-                    <a:pt x="2510" y="15619"/>
-                  </a:cubicBezTo>
-                  <a:cubicBezTo>
-                    <a:pt x="2700" y="15829"/>
-                    <a:pt x="2900" y="16029"/>
-                    <a:pt x="3120" y="16219"/>
-                  </a:cubicBezTo>
-                  <a:cubicBezTo>
-                    <a:pt x="4760" y="17679"/>
-                    <a:pt x="6919" y="18569"/>
-                    <a:pt x="9290" y="18569"/>
-                  </a:cubicBezTo>
-                  <a:cubicBezTo>
-                    <a:pt x="10379" y="18569"/>
-                    <a:pt x="11429" y="18379"/>
-                    <a:pt x="12409" y="18029"/>
-                  </a:cubicBezTo>
-                  <a:cubicBezTo>
-                    <a:pt x="12609" y="17959"/>
-                    <a:pt x="12799" y="17879"/>
-                    <a:pt x="12999" y="17789"/>
-                  </a:cubicBezTo>
-                  <a:cubicBezTo>
-                    <a:pt x="14549" y="17119"/>
-                    <a:pt x="15869" y="16029"/>
-                    <a:pt x="16838" y="14670"/>
-                  </a:cubicBezTo>
-                  <a:cubicBezTo>
-                    <a:pt x="16958" y="14510"/>
-                    <a:pt x="17069" y="14350"/>
-                    <a:pt x="17178" y="14179"/>
-                  </a:cubicBezTo>
-                  <a:cubicBezTo>
-                    <a:pt x="17958" y="12919"/>
-                    <a:pt x="18449" y="11459"/>
-                    <a:pt x="18549" y="9900"/>
-                  </a:cubicBezTo>
-                  <a:cubicBezTo>
-                    <a:pt x="18558" y="9700"/>
-                    <a:pt x="18569" y="9500"/>
-                    <a:pt x="18569" y="9310"/>
-                  </a:cubicBezTo>
-                  <a:lnTo>
-                    <a:pt x="18569" y="9280"/>
-                  </a:lnTo>
-                  <a:cubicBezTo>
-                    <a:pt x="18569" y="7670"/>
-                    <a:pt x="18158" y="6150"/>
-                    <a:pt x="17429" y="4831"/>
-                  </a:cubicBezTo>
-                  <a:cubicBezTo>
-                    <a:pt x="17329" y="4651"/>
-                    <a:pt x="17229" y="4480"/>
-                    <a:pt x="17118" y="4311"/>
-                  </a:cubicBezTo>
-                  <a:cubicBezTo>
-                    <a:pt x="16138" y="2760"/>
-                    <a:pt x="14699" y="1521"/>
-                    <a:pt x="12999" y="781"/>
-                  </a:cubicBezTo>
-                  <a:cubicBezTo>
-                    <a:pt x="12799" y="691"/>
-                    <a:pt x="12609" y="611"/>
-                    <a:pt x="12409" y="541"/>
-                  </a:cubicBezTo>
-                  <a:cubicBezTo>
-                    <a:pt x="11429" y="191"/>
-                    <a:pt x="10379" y="1"/>
-                    <a:pt x="9290" y="1"/>
-                  </a:cubicBezTo>
-                  <a:close/>
-                </a:path>
-              </a:pathLst>
-            </a:custGeom>
-            <a:solidFill>
-              <a:schemeClr val="dk2"/>
-            </a:solidFill>
-            <a:ln>
-              <a:noFill/>
-            </a:ln>
-          </p:spPr>
-          <p:txBody>
-            <a:bodyPr anchorCtr="0" anchor="ctr" bIns="91425" lIns="91425" spcFirstLastPara="1" rIns="91425" wrap="square" tIns="91425">
-              <a:noAutofit/>
-            </a:bodyPr>
-            <a:lstStyle/>
-            <a:p>
-              <a:pPr indent="0" lvl="0" marL="0" rtl="0" algn="l">
-                <a:spcBef>
-                  <a:spcPts val="0"/>
-                </a:spcBef>
-                <a:spcAft>
-                  <a:spcPts val="0"/>
-                </a:spcAft>
-                <a:buNone/>
-              </a:pPr>
-              <a:r>
-                <a:t/>
-              </a:r>
-              <a:endParaRPr/>
-            </a:p>
-          </p:txBody>
-        </p:sp>
         <p:sp>
           <p:nvSpPr>
             <p:cNvPr id="248" name="Google Shape;248;p29"/>
@@ -26994,144 +26539,76 @@
             <p:nvPr/>
           </p:nvSpPr>
           <p:spPr>
-            <a:xfrm rot="-201210">
-              <a:off x="1907724" y="3355760"/>
-              <a:ext cx="952317" cy="896980"/>
+            <a:xfrm rot="-1532296">
+              <a:off x="-219282" y="2430325"/>
+              <a:ext cx="406747" cy="406747"/>
             </a:xfrm>
             <a:custGeom>
               <a:rect b="b" l="l" r="r" t="t"/>
               <a:pathLst>
-                <a:path extrusionOk="0" h="17490" w="18569">
+                <a:path extrusionOk="0" h="7931" w="7931">
                   <a:moveTo>
-                    <a:pt x="12409" y="1"/>
+                    <a:pt x="3960" y="1"/>
                   </a:moveTo>
-                  <a:lnTo>
-                    <a:pt x="12409" y="8770"/>
-                  </a:lnTo>
-                  <a:lnTo>
-                    <a:pt x="10989" y="8770"/>
-                  </a:lnTo>
-                  <a:cubicBezTo>
-                    <a:pt x="10829" y="5250"/>
-                    <a:pt x="7930" y="2451"/>
-                    <a:pt x="4380" y="2451"/>
-                  </a:cubicBezTo>
-                  <a:lnTo>
-                    <a:pt x="2470" y="2451"/>
-                  </a:lnTo>
-                  <a:cubicBezTo>
-                    <a:pt x="2290" y="2640"/>
-                    <a:pt x="2120" y="2840"/>
-                    <a:pt x="1960" y="3040"/>
-                  </a:cubicBezTo>
-                  <a:lnTo>
-                    <a:pt x="4380" y="3040"/>
-                  </a:lnTo>
-                  <a:cubicBezTo>
-                    <a:pt x="7599" y="3040"/>
-                    <a:pt x="10239" y="5580"/>
-                    <a:pt x="10389" y="8770"/>
-                  </a:cubicBezTo>
-                  <a:lnTo>
-                    <a:pt x="0" y="8770"/>
-                  </a:lnTo>
-                  <a:cubicBezTo>
-                    <a:pt x="0" y="8960"/>
-                    <a:pt x="11" y="9160"/>
-                    <a:pt x="31" y="9360"/>
-                  </a:cubicBezTo>
-                  <a:lnTo>
-                    <a:pt x="10389" y="9360"/>
-                  </a:lnTo>
-                  <a:cubicBezTo>
-                    <a:pt x="10239" y="12539"/>
-                    <a:pt x="7599" y="15079"/>
-                    <a:pt x="4380" y="15079"/>
-                  </a:cubicBezTo>
-                  <a:lnTo>
-                    <a:pt x="2510" y="15079"/>
-                  </a:lnTo>
-                  <a:cubicBezTo>
-                    <a:pt x="2700" y="15289"/>
-                    <a:pt x="2900" y="15489"/>
-                    <a:pt x="3120" y="15679"/>
-                  </a:cubicBezTo>
-                  <a:lnTo>
-                    <a:pt x="4380" y="15679"/>
-                  </a:lnTo>
-                  <a:cubicBezTo>
-                    <a:pt x="7930" y="15679"/>
-                    <a:pt x="10829" y="12870"/>
-                    <a:pt x="10989" y="9360"/>
-                  </a:cubicBezTo>
-                  <a:lnTo>
-                    <a:pt x="12409" y="9360"/>
-                  </a:lnTo>
-                  <a:lnTo>
-                    <a:pt x="12409" y="17489"/>
-                  </a:lnTo>
-                  <a:cubicBezTo>
-                    <a:pt x="12609" y="17419"/>
-                    <a:pt x="12799" y="17339"/>
-                    <a:pt x="12999" y="17249"/>
-                  </a:cubicBezTo>
-                  <a:lnTo>
-                    <a:pt x="12999" y="9360"/>
-                  </a:lnTo>
-                  <a:lnTo>
-                    <a:pt x="14479" y="9360"/>
-                  </a:lnTo>
-                  <a:cubicBezTo>
-                    <a:pt x="14559" y="11270"/>
-                    <a:pt x="15469" y="12979"/>
-                    <a:pt x="16838" y="14130"/>
-                  </a:cubicBezTo>
-                  <a:cubicBezTo>
-                    <a:pt x="16958" y="13970"/>
-                    <a:pt x="17069" y="13810"/>
-                    <a:pt x="17178" y="13639"/>
-                  </a:cubicBezTo>
-                  <a:cubicBezTo>
-                    <a:pt x="15958" y="12590"/>
-                    <a:pt x="15158" y="11070"/>
-                    <a:pt x="15069" y="9360"/>
-                  </a:cubicBezTo>
-                  <a:lnTo>
-                    <a:pt x="18549" y="9360"/>
-                  </a:lnTo>
-                  <a:cubicBezTo>
-                    <a:pt x="18558" y="9160"/>
-                    <a:pt x="18569" y="8960"/>
-                    <a:pt x="18569" y="8770"/>
-                  </a:cubicBezTo>
-                  <a:lnTo>
-                    <a:pt x="15069" y="8770"/>
-                  </a:lnTo>
-                  <a:cubicBezTo>
-                    <a:pt x="15158" y="6940"/>
-                    <a:pt x="16069" y="5330"/>
-                    <a:pt x="17429" y="4291"/>
-                  </a:cubicBezTo>
-                  <a:cubicBezTo>
-                    <a:pt x="17329" y="4111"/>
-                    <a:pt x="17229" y="3940"/>
-                    <a:pt x="17118" y="3771"/>
-                  </a:cubicBezTo>
-                  <a:cubicBezTo>
-                    <a:pt x="15589" y="4920"/>
-                    <a:pt x="14569" y="6730"/>
-                    <a:pt x="14479" y="8770"/>
-                  </a:cubicBezTo>
-                  <a:lnTo>
-                    <a:pt x="12999" y="8770"/>
-                  </a:lnTo>
-                  <a:lnTo>
-                    <a:pt x="12999" y="241"/>
-                  </a:lnTo>
-                  <a:cubicBezTo>
-                    <a:pt x="12799" y="151"/>
-                    <a:pt x="12609" y="71"/>
-                    <a:pt x="12409" y="1"/>
+                  <a:cubicBezTo>
+                    <a:pt x="2800" y="1"/>
+                    <a:pt x="1751" y="511"/>
+                    <a:pt x="1031" y="1311"/>
+                  </a:cubicBezTo>
+                  <a:cubicBezTo>
+                    <a:pt x="901" y="1451"/>
+                    <a:pt x="781" y="1601"/>
+                    <a:pt x="671" y="1761"/>
+                  </a:cubicBezTo>
+                  <a:cubicBezTo>
+                    <a:pt x="251" y="2391"/>
+                    <a:pt x="1" y="3151"/>
+                    <a:pt x="1" y="3960"/>
+                  </a:cubicBezTo>
+                  <a:cubicBezTo>
+                    <a:pt x="1" y="4891"/>
+                    <a:pt x="321" y="5731"/>
+                    <a:pt x="841" y="6400"/>
+                  </a:cubicBezTo>
+                  <a:cubicBezTo>
+                    <a:pt x="971" y="6560"/>
+                    <a:pt x="1101" y="6710"/>
+                    <a:pt x="1251" y="6850"/>
+                  </a:cubicBezTo>
+                  <a:cubicBezTo>
+                    <a:pt x="1960" y="7520"/>
+                    <a:pt x="2911" y="7930"/>
+                    <a:pt x="3960" y="7930"/>
+                  </a:cubicBezTo>
+                  <a:cubicBezTo>
+                    <a:pt x="5250" y="7930"/>
+                    <a:pt x="6400" y="7310"/>
+                    <a:pt x="7120" y="6360"/>
+                  </a:cubicBezTo>
+                  <a:cubicBezTo>
+                    <a:pt x="7210" y="6240"/>
+                    <a:pt x="7290" y="6120"/>
+                    <a:pt x="7370" y="5991"/>
+                  </a:cubicBezTo>
+                  <a:cubicBezTo>
+                    <a:pt x="7720" y="5400"/>
+                    <a:pt x="7930" y="4700"/>
+                    <a:pt x="7930" y="3960"/>
+                  </a:cubicBezTo>
+                  <a:cubicBezTo>
+                    <a:pt x="7930" y="3291"/>
+                    <a:pt x="7760" y="2660"/>
+                    <a:pt x="7460" y="2111"/>
+                  </a:cubicBezTo>
+                  <a:cubicBezTo>
+                    <a:pt x="7390" y="1981"/>
+                    <a:pt x="7320" y="1851"/>
+                    <a:pt x="7230" y="1731"/>
+                  </a:cubicBezTo>
+                  <a:cubicBezTo>
+                    <a:pt x="6520" y="691"/>
+                    <a:pt x="5320" y="1"/>
+                    <a:pt x="3960" y="1"/>
                   </a:cubicBezTo>
                   <a:close/>
                 </a:path>
@@ -27173,39 +26650,327 @@
             <p:nvPr/>
           </p:nvSpPr>
           <p:spPr>
-            <a:xfrm rot="-201210">
-              <a:off x="2600049" y="4227360"/>
-              <a:ext cx="2564" cy="1077"/>
+            <a:xfrm rot="-1532296">
+              <a:off x="-176079" y="2524730"/>
+              <a:ext cx="209297" cy="284123"/>
             </a:xfrm>
             <a:custGeom>
               <a:rect b="b" l="l" r="r" t="t"/>
               <a:pathLst>
-                <a:path extrusionOk="0" h="21" w="50">
+                <a:path extrusionOk="0" h="5540" w="4081">
                   <a:moveTo>
-                    <a:pt x="0" y="20"/>
+                    <a:pt x="361" y="0"/>
                   </a:moveTo>
-                  <a:lnTo>
-                    <a:pt x="0" y="20"/>
-                  </a:lnTo>
-                  <a:lnTo>
-                    <a:pt x="0" y="20"/>
+                  <a:cubicBezTo>
+                    <a:pt x="231" y="140"/>
+                    <a:pt x="111" y="290"/>
+                    <a:pt x="1" y="450"/>
+                  </a:cubicBezTo>
+                  <a:cubicBezTo>
+                    <a:pt x="41" y="440"/>
+                    <a:pt x="71" y="440"/>
+                    <a:pt x="111" y="440"/>
+                  </a:cubicBezTo>
+                  <a:lnTo>
+                    <a:pt x="1310" y="440"/>
+                  </a:lnTo>
+                  <a:cubicBezTo>
+                    <a:pt x="2590" y="440"/>
+                    <a:pt x="3641" y="1489"/>
+                    <a:pt x="3641" y="2769"/>
+                  </a:cubicBezTo>
+                  <a:cubicBezTo>
+                    <a:pt x="3641" y="4049"/>
+                    <a:pt x="2590" y="5089"/>
+                    <a:pt x="1310" y="5089"/>
+                  </a:cubicBezTo>
+                  <a:lnTo>
+                    <a:pt x="171" y="5089"/>
+                  </a:lnTo>
+                  <a:cubicBezTo>
+                    <a:pt x="301" y="5249"/>
+                    <a:pt x="431" y="5399"/>
+                    <a:pt x="581" y="5539"/>
+                  </a:cubicBezTo>
+                  <a:lnTo>
+                    <a:pt x="1310" y="5539"/>
+                  </a:lnTo>
+                  <a:cubicBezTo>
+                    <a:pt x="2841" y="5539"/>
+                    <a:pt x="4081" y="4300"/>
+                    <a:pt x="4081" y="2769"/>
+                  </a:cubicBezTo>
+                  <a:cubicBezTo>
+                    <a:pt x="4081" y="1240"/>
+                    <a:pt x="2841" y="0"/>
+                    <a:pt x="1310" y="0"/>
+                  </a:cubicBezTo>
+                  <a:close/>
+                </a:path>
+              </a:pathLst>
+            </a:custGeom>
+            <a:solidFill>
+              <a:schemeClr val="accent1"/>
+            </a:solidFill>
+            <a:ln>
+              <a:noFill/>
+            </a:ln>
+          </p:spPr>
+          <p:txBody>
+            <a:bodyPr anchorCtr="0" anchor="ctr" bIns="91425" lIns="91425" spcFirstLastPara="1" rIns="91425" wrap="square" tIns="91425">
+              <a:noAutofit/>
+            </a:bodyPr>
+            <a:lstStyle/>
+            <a:p>
+              <a:pPr indent="0" lvl="0" marL="0" rtl="0" algn="l">
+                <a:spcBef>
+                  <a:spcPts val="0"/>
+                </a:spcBef>
+                <a:spcAft>
+                  <a:spcPts val="0"/>
+                </a:spcAft>
+                <a:buNone/>
+              </a:pPr>
+              <a:r>
+                <a:t/>
+              </a:r>
+              <a:endParaRPr/>
+            </a:p>
+          </p:txBody>
+        </p:sp>
+        <p:sp>
+          <p:nvSpPr>
+            <p:cNvPr id="250" name="Google Shape;250;p29"/>
+            <p:cNvSpPr/>
+            <p:nvPr/>
+          </p:nvSpPr>
+          <p:spPr>
+            <a:xfrm rot="-1532296">
+              <a:off x="72397" y="2458421"/>
+              <a:ext cx="79031" cy="237504"/>
+            </a:xfrm>
+            <a:custGeom>
+              <a:rect b="b" l="l" r="r" t="t"/>
+              <a:pathLst>
+                <a:path extrusionOk="0" h="4631" w="1541">
+                  <a:moveTo>
+                    <a:pt x="1311" y="1"/>
+                  </a:moveTo>
+                  <a:cubicBezTo>
+                    <a:pt x="531" y="491"/>
+                    <a:pt x="1" y="1361"/>
+                    <a:pt x="1" y="2350"/>
+                  </a:cubicBezTo>
+                  <a:cubicBezTo>
+                    <a:pt x="1" y="3290"/>
+                    <a:pt x="481" y="4130"/>
+                    <a:pt x="1201" y="4630"/>
+                  </a:cubicBezTo>
+                  <a:cubicBezTo>
+                    <a:pt x="1291" y="4510"/>
+                    <a:pt x="1371" y="4390"/>
+                    <a:pt x="1451" y="4261"/>
+                  </a:cubicBezTo>
+                  <a:cubicBezTo>
+                    <a:pt x="851" y="3841"/>
+                    <a:pt x="451" y="3141"/>
+                    <a:pt x="451" y="2350"/>
+                  </a:cubicBezTo>
+                  <a:cubicBezTo>
+                    <a:pt x="451" y="1521"/>
+                    <a:pt x="891" y="790"/>
+                    <a:pt x="1541" y="381"/>
+                  </a:cubicBezTo>
+                  <a:cubicBezTo>
+                    <a:pt x="1471" y="251"/>
+                    <a:pt x="1401" y="121"/>
+                    <a:pt x="1311" y="1"/>
+                  </a:cubicBezTo>
+                  <a:close/>
+                </a:path>
+              </a:pathLst>
+            </a:custGeom>
+            <a:solidFill>
+              <a:schemeClr val="accent1"/>
+            </a:solidFill>
+            <a:ln>
+              <a:noFill/>
+            </a:ln>
+          </p:spPr>
+          <p:txBody>
+            <a:bodyPr anchorCtr="0" anchor="ctr" bIns="91425" lIns="91425" spcFirstLastPara="1" rIns="91425" wrap="square" tIns="91425">
+              <a:noAutofit/>
+            </a:bodyPr>
+            <a:lstStyle/>
+            <a:p>
+              <a:pPr indent="0" lvl="0" marL="0" rtl="0" algn="l">
+                <a:spcBef>
+                  <a:spcPts val="0"/>
+                </a:spcBef>
+                <a:spcAft>
+                  <a:spcPts val="0"/>
+                </a:spcAft>
+                <a:buNone/>
+              </a:pPr>
+              <a:r>
+                <a:t/>
+              </a:r>
+              <a:endParaRPr/>
+            </a:p>
+          </p:txBody>
+        </p:sp>
+        <p:sp>
+          <p:nvSpPr>
+            <p:cNvPr id="251" name="Google Shape;251;p29"/>
+            <p:cNvSpPr/>
+            <p:nvPr/>
+          </p:nvSpPr>
+          <p:spPr>
+            <a:xfrm rot="-1532296">
+              <a:off x="-195165" y="2536744"/>
+              <a:ext cx="207246" cy="340076"/>
+            </a:xfrm>
+            <a:custGeom>
+              <a:rect b="b" l="l" r="r" t="t"/>
+              <a:pathLst>
+                <a:path extrusionOk="0" h="6631" w="4041">
+                  <a:moveTo>
+                    <a:pt x="3971" y="6630"/>
+                  </a:moveTo>
+                  <a:lnTo>
+                    <a:pt x="3960" y="6630"/>
+                  </a:lnTo>
+                  <a:lnTo>
+                    <a:pt x="3971" y="6630"/>
                   </a:lnTo>
                   <a:close/>
                   <a:moveTo>
-                    <a:pt x="10" y="10"/>
+                    <a:pt x="3980" y="6630"/>
                   </a:moveTo>
                   <a:lnTo>
-                    <a:pt x="10" y="20"/>
-                  </a:lnTo>
-                  <a:lnTo>
-                    <a:pt x="10" y="10"/>
+                    <a:pt x="3971" y="6630"/>
+                  </a:lnTo>
+                  <a:lnTo>
+                    <a:pt x="3980" y="6630"/>
                   </a:lnTo>
                   <a:close/>
                   <a:moveTo>
-                    <a:pt x="50" y="0"/>
+                    <a:pt x="3991" y="6630"/>
                   </a:moveTo>
                   <a:lnTo>
-                    <a:pt x="50" y="0"/>
+                    <a:pt x="3980" y="6630"/>
+                  </a:lnTo>
+                  <a:lnTo>
+                    <a:pt x="3991" y="6630"/>
+                  </a:lnTo>
+                  <a:close/>
+                  <a:moveTo>
+                    <a:pt x="3991" y="6630"/>
+                  </a:moveTo>
+                  <a:lnTo>
+                    <a:pt x="3991" y="6630"/>
+                  </a:lnTo>
+                  <a:lnTo>
+                    <a:pt x="3991" y="6630"/>
+                  </a:lnTo>
+                  <a:close/>
+                  <a:moveTo>
+                    <a:pt x="4000" y="6630"/>
+                  </a:moveTo>
+                  <a:lnTo>
+                    <a:pt x="4000" y="6630"/>
+                  </a:lnTo>
+                  <a:lnTo>
+                    <a:pt x="4000" y="6630"/>
+                  </a:lnTo>
+                  <a:close/>
+                  <a:moveTo>
+                    <a:pt x="4011" y="6630"/>
+                  </a:moveTo>
+                  <a:lnTo>
+                    <a:pt x="4000" y="6630"/>
+                  </a:lnTo>
+                  <a:lnTo>
+                    <a:pt x="4011" y="6630"/>
+                  </a:lnTo>
+                  <a:close/>
+                  <a:moveTo>
+                    <a:pt x="4020" y="6630"/>
+                  </a:moveTo>
+                  <a:lnTo>
+                    <a:pt x="4020" y="6630"/>
+                  </a:lnTo>
+                  <a:lnTo>
+                    <a:pt x="4020" y="6630"/>
+                  </a:lnTo>
+                  <a:close/>
+                  <a:moveTo>
+                    <a:pt x="4031" y="6620"/>
+                  </a:moveTo>
+                  <a:lnTo>
+                    <a:pt x="4031" y="6630"/>
+                  </a:lnTo>
+                  <a:lnTo>
+                    <a:pt x="4031" y="6620"/>
+                  </a:lnTo>
+                  <a:close/>
+                  <a:moveTo>
+                    <a:pt x="4040" y="6620"/>
+                  </a:moveTo>
+                  <a:lnTo>
+                    <a:pt x="4031" y="6620"/>
+                  </a:lnTo>
+                  <a:lnTo>
+                    <a:pt x="4040" y="6620"/>
+                  </a:lnTo>
+                  <a:close/>
+                  <a:moveTo>
+                    <a:pt x="4040" y="6620"/>
+                  </a:moveTo>
+                  <a:lnTo>
+                    <a:pt x="4040" y="6620"/>
+                  </a:lnTo>
+                  <a:lnTo>
+                    <a:pt x="4040" y="6620"/>
+                  </a:lnTo>
+                  <a:close/>
+                  <a:moveTo>
+                    <a:pt x="1031" y="1"/>
+                  </a:moveTo>
+                  <a:lnTo>
+                    <a:pt x="1031" y="11"/>
+                  </a:lnTo>
+                  <a:cubicBezTo>
+                    <a:pt x="901" y="151"/>
+                    <a:pt x="781" y="301"/>
+                    <a:pt x="671" y="461"/>
+                  </a:cubicBezTo>
+                  <a:cubicBezTo>
+                    <a:pt x="251" y="1091"/>
+                    <a:pt x="1" y="1851"/>
+                    <a:pt x="1" y="2660"/>
+                  </a:cubicBezTo>
+                  <a:lnTo>
+                    <a:pt x="1" y="2660"/>
+                  </a:lnTo>
+                  <a:cubicBezTo>
+                    <a:pt x="1" y="1851"/>
+                    <a:pt x="251" y="1091"/>
+                    <a:pt x="671" y="461"/>
+                  </a:cubicBezTo>
+                  <a:lnTo>
+                    <a:pt x="671" y="461"/>
+                  </a:lnTo>
+                  <a:lnTo>
+                    <a:pt x="671" y="461"/>
+                  </a:lnTo>
+                  <a:cubicBezTo>
+                    <a:pt x="781" y="301"/>
+                    <a:pt x="901" y="151"/>
+                    <a:pt x="1031" y="11"/>
+                  </a:cubicBezTo>
+                  <a:lnTo>
+                    <a:pt x="1031" y="11"/>
                   </a:lnTo>
                   <a:close/>
                 </a:path>
@@ -27242,1371 +27007,121 @@
         </p:sp>
         <p:sp>
           <p:nvSpPr>
-            <p:cNvPr id="250" name="Google Shape;250;p29"/>
+            <p:cNvPr id="252" name="Google Shape;252;p29"/>
             <p:cNvSpPr/>
             <p:nvPr/>
           </p:nvSpPr>
           <p:spPr>
-            <a:xfrm rot="-201210">
-              <a:off x="1913220" y="3515815"/>
-              <a:ext cx="805128" cy="768767"/>
+            <a:xfrm rot="-1532296">
+              <a:off x="-204929" y="2493660"/>
+              <a:ext cx="348281" cy="353410"/>
             </a:xfrm>
             <a:custGeom>
               <a:rect b="b" l="l" r="r" t="t"/>
               <a:pathLst>
-                <a:path extrusionOk="0" h="14990" w="15699">
+                <a:path extrusionOk="0" h="6891" w="6791">
                   <a:moveTo>
-                    <a:pt x="1960" y="0"/>
+                    <a:pt x="1300" y="1"/>
                   </a:moveTo>
-                  <a:cubicBezTo>
-                    <a:pt x="740" y="1571"/>
-                    <a:pt x="0" y="3550"/>
-                    <a:pt x="0" y="5700"/>
-                  </a:cubicBezTo>
-                  <a:lnTo>
-                    <a:pt x="0" y="5730"/>
-                  </a:lnTo>
-                  <a:lnTo>
-                    <a:pt x="2650" y="5730"/>
-                  </a:lnTo>
-                  <a:cubicBezTo>
-                    <a:pt x="2280" y="4750"/>
-                    <a:pt x="2050" y="3700"/>
-                    <a:pt x="1980" y="2610"/>
-                  </a:cubicBezTo>
-                  <a:cubicBezTo>
-                    <a:pt x="1960" y="2380"/>
-                    <a:pt x="1950" y="2140"/>
-                    <a:pt x="1950" y="1910"/>
-                  </a:cubicBezTo>
-                  <a:lnTo>
-                    <a:pt x="1950" y="1890"/>
-                  </a:lnTo>
-                  <a:cubicBezTo>
-                    <a:pt x="1950" y="1240"/>
-                    <a:pt x="2010" y="611"/>
-                    <a:pt x="2120" y="0"/>
-                  </a:cubicBezTo>
+                  <a:lnTo>
+                    <a:pt x="1300" y="1"/>
+                  </a:lnTo>
+                  <a:cubicBezTo>
+                    <a:pt x="1200" y="81"/>
+                    <a:pt x="1111" y="171"/>
+                    <a:pt x="1031" y="261"/>
+                  </a:cubicBezTo>
+                  <a:lnTo>
+                    <a:pt x="1031" y="271"/>
+                  </a:lnTo>
+                  <a:lnTo>
+                    <a:pt x="1271" y="271"/>
+                  </a:lnTo>
+                  <a:lnTo>
+                    <a:pt x="1300" y="1"/>
+                  </a:lnTo>
                   <a:close/>
                   <a:moveTo>
-                    <a:pt x="31" y="6320"/>
+                    <a:pt x="781" y="711"/>
                   </a:moveTo>
                   <a:cubicBezTo>
-                    <a:pt x="171" y="8530"/>
-                    <a:pt x="1090" y="10530"/>
-                    <a:pt x="2510" y="12039"/>
-                  </a:cubicBezTo>
-                  <a:lnTo>
-                    <a:pt x="4380" y="12039"/>
-                  </a:lnTo>
-                  <a:cubicBezTo>
-                    <a:pt x="5440" y="12039"/>
-                    <a:pt x="6439" y="11769"/>
-                    <a:pt x="7310" y="11279"/>
-                  </a:cubicBezTo>
-                  <a:cubicBezTo>
-                    <a:pt x="6699" y="10919"/>
-                    <a:pt x="6130" y="10499"/>
-                    <a:pt x="5610" y="10030"/>
-                  </a:cubicBezTo>
-                  <a:cubicBezTo>
-                    <a:pt x="5360" y="9810"/>
-                    <a:pt x="5120" y="9579"/>
-                    <a:pt x="4890" y="9339"/>
-                  </a:cubicBezTo>
-                  <a:cubicBezTo>
-                    <a:pt x="4070" y="8459"/>
-                    <a:pt x="3390" y="7440"/>
-                    <a:pt x="2890" y="6320"/>
+                    <a:pt x="741" y="711"/>
+                    <a:pt x="711" y="711"/>
+                    <a:pt x="671" y="721"/>
+                  </a:cubicBezTo>
+                  <a:cubicBezTo>
+                    <a:pt x="251" y="1351"/>
+                    <a:pt x="1" y="2111"/>
+                    <a:pt x="1" y="2920"/>
+                  </a:cubicBezTo>
+                  <a:cubicBezTo>
+                    <a:pt x="1" y="3851"/>
+                    <a:pt x="321" y="4691"/>
+                    <a:pt x="841" y="5360"/>
+                  </a:cubicBezTo>
+                  <a:lnTo>
+                    <a:pt x="1980" y="5360"/>
+                  </a:lnTo>
+                  <a:cubicBezTo>
+                    <a:pt x="2560" y="5360"/>
+                    <a:pt x="3100" y="5150"/>
+                    <a:pt x="3511" y="4791"/>
+                  </a:cubicBezTo>
+                  <a:cubicBezTo>
+                    <a:pt x="3291" y="4640"/>
+                    <a:pt x="3091" y="4480"/>
+                    <a:pt x="2900" y="4300"/>
+                  </a:cubicBezTo>
+                  <a:cubicBezTo>
+                    <a:pt x="2711" y="4120"/>
+                    <a:pt x="2531" y="3931"/>
+                    <a:pt x="2371" y="3720"/>
+                  </a:cubicBezTo>
+                  <a:cubicBezTo>
+                    <a:pt x="1711" y="2880"/>
+                    <a:pt x="1311" y="1851"/>
+                    <a:pt x="1271" y="711"/>
                   </a:cubicBezTo>
                   <a:close/>
                   <a:moveTo>
-                    <a:pt x="15698" y="12419"/>
+                    <a:pt x="3900" y="5040"/>
                   </a:moveTo>
-                  <a:lnTo>
-                    <a:pt x="15698" y="12419"/>
-                  </a:lnTo>
-                  <a:cubicBezTo>
-                    <a:pt x="14829" y="12649"/>
-                    <a:pt x="13929" y="12779"/>
-                    <a:pt x="12999" y="12789"/>
-                  </a:cubicBezTo>
-                  <a:lnTo>
-                    <a:pt x="12999" y="14209"/>
-                  </a:lnTo>
-                  <a:lnTo>
-                    <a:pt x="13019" y="14209"/>
-                  </a:lnTo>
-                  <a:lnTo>
-                    <a:pt x="13019" y="14199"/>
-                  </a:lnTo>
-                  <a:cubicBezTo>
-                    <a:pt x="13039" y="14199"/>
-                    <a:pt x="13049" y="14189"/>
-                    <a:pt x="13059" y="14189"/>
-                  </a:cubicBezTo>
-                  <a:cubicBezTo>
-                    <a:pt x="14039" y="13749"/>
-                    <a:pt x="14929" y="13149"/>
-                    <a:pt x="15698" y="12419"/>
-                  </a:cubicBezTo>
-                  <a:close/>
-                  <a:moveTo>
-                    <a:pt x="7919" y="11609"/>
-                  </a:moveTo>
-                  <a:cubicBezTo>
-                    <a:pt x="6890" y="12259"/>
-                    <a:pt x="5680" y="12639"/>
-                    <a:pt x="4380" y="12639"/>
-                  </a:cubicBezTo>
-                  <a:lnTo>
-                    <a:pt x="3120" y="12639"/>
-                  </a:lnTo>
-                  <a:cubicBezTo>
-                    <a:pt x="4760" y="14099"/>
-                    <a:pt x="6919" y="14989"/>
-                    <a:pt x="9290" y="14989"/>
-                  </a:cubicBezTo>
-                  <a:cubicBezTo>
-                    <a:pt x="10379" y="14989"/>
-                    <a:pt x="11429" y="14799"/>
-                    <a:pt x="12409" y="14449"/>
-                  </a:cubicBezTo>
-                  <a:lnTo>
-                    <a:pt x="12409" y="12779"/>
-                  </a:lnTo>
-                  <a:cubicBezTo>
-                    <a:pt x="10789" y="12719"/>
-                    <a:pt x="9270" y="12299"/>
-                    <a:pt x="7919" y="11609"/>
-                  </a:cubicBezTo>
-                  <a:close/>
-                </a:path>
-              </a:pathLst>
-            </a:custGeom>
-            <a:solidFill>
-              <a:schemeClr val="accent5"/>
-            </a:solidFill>
-            <a:ln>
-              <a:noFill/>
-            </a:ln>
-          </p:spPr>
-          <p:txBody>
-            <a:bodyPr anchorCtr="0" anchor="ctr" bIns="91425" lIns="91425" spcFirstLastPara="1" rIns="91425" wrap="square" tIns="91425">
-              <a:noAutofit/>
-            </a:bodyPr>
-            <a:lstStyle/>
-            <a:p>
-              <a:pPr indent="0" lvl="0" marL="0" rtl="0" algn="l">
-                <a:spcBef>
-                  <a:spcPts val="0"/>
-                </a:spcBef>
-                <a:spcAft>
-                  <a:spcPts val="0"/>
-                </a:spcAft>
-                <a:buNone/>
-              </a:pPr>
-              <a:r>
-                <a:t/>
-              </a:r>
-              <a:endParaRPr/>
-            </a:p>
-          </p:txBody>
-        </p:sp>
-        <p:sp>
-          <p:nvSpPr>
-            <p:cNvPr id="251" name="Google Shape;251;p29"/>
-            <p:cNvSpPr/>
-            <p:nvPr/>
-          </p:nvSpPr>
-          <p:spPr>
-            <a:xfrm rot="-201210">
-              <a:off x="1912168" y="3507591"/>
-              <a:ext cx="666658" cy="753381"/>
-            </a:xfrm>
-            <a:custGeom>
-              <a:rect b="b" l="l" r="r" t="t"/>
-              <a:pathLst>
-                <a:path extrusionOk="0" h="14690" w="12999">
-                  <a:moveTo>
-                    <a:pt x="2160" y="0"/>
-                  </a:moveTo>
-                  <a:lnTo>
-                    <a:pt x="2160" y="0"/>
-                  </a:lnTo>
-                  <a:cubicBezTo>
-                    <a:pt x="2090" y="80"/>
-                    <a:pt x="2030" y="160"/>
-                    <a:pt x="1960" y="240"/>
-                  </a:cubicBezTo>
-                  <a:lnTo>
-                    <a:pt x="2120" y="240"/>
-                  </a:lnTo>
-                  <a:cubicBezTo>
-                    <a:pt x="2130" y="160"/>
-                    <a:pt x="2150" y="80"/>
-                    <a:pt x="2160" y="0"/>
-                  </a:cubicBezTo>
-                  <a:close/>
-                  <a:moveTo>
-                    <a:pt x="0" y="5970"/>
-                  </a:moveTo>
-                  <a:cubicBezTo>
-                    <a:pt x="0" y="6160"/>
-                    <a:pt x="11" y="6360"/>
-                    <a:pt x="31" y="6560"/>
-                  </a:cubicBezTo>
-                  <a:lnTo>
-                    <a:pt x="2890" y="6560"/>
-                  </a:lnTo>
-                  <a:cubicBezTo>
-                    <a:pt x="2800" y="6360"/>
-                    <a:pt x="2720" y="6170"/>
-                    <a:pt x="2650" y="5970"/>
-                  </a:cubicBezTo>
-                  <a:close/>
-                  <a:moveTo>
-                    <a:pt x="7310" y="11519"/>
-                  </a:moveTo>
-                  <a:cubicBezTo>
-                    <a:pt x="6439" y="12009"/>
-                    <a:pt x="5440" y="12279"/>
-                    <a:pt x="4380" y="12279"/>
-                  </a:cubicBezTo>
-                  <a:lnTo>
-                    <a:pt x="2510" y="12279"/>
-                  </a:lnTo>
-                  <a:cubicBezTo>
-                    <a:pt x="2700" y="12489"/>
-                    <a:pt x="2900" y="12689"/>
-                    <a:pt x="3120" y="12879"/>
-                  </a:cubicBezTo>
-                  <a:lnTo>
-                    <a:pt x="4380" y="12879"/>
-                  </a:lnTo>
-                  <a:cubicBezTo>
-                    <a:pt x="5680" y="12879"/>
-                    <a:pt x="6890" y="12499"/>
-                    <a:pt x="7919" y="11849"/>
-                  </a:cubicBezTo>
-                  <a:cubicBezTo>
-                    <a:pt x="7710" y="11749"/>
-                    <a:pt x="7510" y="11639"/>
-                    <a:pt x="7310" y="11519"/>
-                  </a:cubicBezTo>
-                  <a:close/>
-                  <a:moveTo>
-                    <a:pt x="12409" y="13019"/>
-                  </a:moveTo>
-                  <a:lnTo>
-                    <a:pt x="12409" y="14689"/>
-                  </a:lnTo>
-                  <a:cubicBezTo>
-                    <a:pt x="12609" y="14619"/>
-                    <a:pt x="12799" y="14539"/>
-                    <a:pt x="12999" y="14449"/>
-                  </a:cubicBezTo>
-                  <a:lnTo>
-                    <a:pt x="12999" y="13029"/>
-                  </a:lnTo>
-                  <a:lnTo>
-                    <a:pt x="12859" y="13029"/>
-                  </a:lnTo>
-                  <a:cubicBezTo>
-                    <a:pt x="12709" y="13029"/>
-                    <a:pt x="12559" y="13029"/>
-                    <a:pt x="12409" y="13019"/>
-                  </a:cubicBezTo>
-                  <a:close/>
-                </a:path>
-              </a:pathLst>
-            </a:custGeom>
-            <a:solidFill>
-              <a:schemeClr val="lt1"/>
-            </a:solidFill>
-            <a:ln>
-              <a:noFill/>
-            </a:ln>
-          </p:spPr>
-          <p:txBody>
-            <a:bodyPr anchorCtr="0" anchor="ctr" bIns="91425" lIns="91425" spcFirstLastPara="1" rIns="91425" wrap="square" tIns="91425">
-              <a:noAutofit/>
-            </a:bodyPr>
-            <a:lstStyle/>
-            <a:p>
-              <a:pPr indent="0" lvl="0" marL="0" rtl="0" algn="l">
-                <a:spcBef>
-                  <a:spcPts val="0"/>
-                </a:spcBef>
-                <a:spcAft>
-                  <a:spcPts val="0"/>
-                </a:spcAft>
-                <a:buNone/>
-              </a:pPr>
-              <a:r>
-                <a:t/>
-              </a:r>
-              <a:endParaRPr/>
-            </a:p>
-          </p:txBody>
-        </p:sp>
-      </p:grpSp>
-      <p:grpSp>
-        <p:nvGrpSpPr>
-          <p:cNvPr id="252" name="Google Shape;252;p29"/>
-          <p:cNvGrpSpPr/>
-          <p:nvPr/>
-        </p:nvGrpSpPr>
-        <p:grpSpPr>
-          <a:xfrm rot="-1237668">
-            <a:off x="-315967" y="4363147"/>
-            <a:ext cx="1006409" cy="1006457"/>
-            <a:chOff x="1880684" y="3301028"/>
-            <a:chExt cx="1006396" cy="1006445"/>
-          </a:xfrm>
-        </p:grpSpPr>
-        <p:sp>
-          <p:nvSpPr>
-            <p:cNvPr id="253" name="Google Shape;253;p29"/>
-            <p:cNvSpPr/>
-            <p:nvPr/>
-          </p:nvSpPr>
-          <p:spPr>
-            <a:xfrm rot="-201210">
-              <a:off x="1907724" y="3328066"/>
-              <a:ext cx="952317" cy="952368"/>
-            </a:xfrm>
-            <a:custGeom>
-              <a:rect b="b" l="l" r="r" t="t"/>
-              <a:pathLst>
-                <a:path extrusionOk="0" h="18570" w="18569">
-                  <a:moveTo>
-                    <a:pt x="9290" y="1"/>
-                  </a:moveTo>
-                  <a:cubicBezTo>
-                    <a:pt x="6590" y="1"/>
-                    <a:pt x="4160" y="1151"/>
-                    <a:pt x="2470" y="2991"/>
-                  </a:cubicBezTo>
-                  <a:cubicBezTo>
-                    <a:pt x="2290" y="3180"/>
-                    <a:pt x="2120" y="3380"/>
-                    <a:pt x="1960" y="3580"/>
-                  </a:cubicBezTo>
-                  <a:cubicBezTo>
-                    <a:pt x="740" y="5151"/>
-                    <a:pt x="0" y="7130"/>
-                    <a:pt x="0" y="9280"/>
-                  </a:cubicBezTo>
-                  <a:lnTo>
-                    <a:pt x="0" y="9310"/>
-                  </a:lnTo>
-                  <a:cubicBezTo>
-                    <a:pt x="0" y="9500"/>
-                    <a:pt x="11" y="9700"/>
-                    <a:pt x="31" y="9900"/>
-                  </a:cubicBezTo>
-                  <a:cubicBezTo>
-                    <a:pt x="171" y="12110"/>
-                    <a:pt x="1090" y="14110"/>
-                    <a:pt x="2510" y="15619"/>
-                  </a:cubicBezTo>
-                  <a:cubicBezTo>
-                    <a:pt x="2700" y="15829"/>
-                    <a:pt x="2900" y="16029"/>
-                    <a:pt x="3120" y="16219"/>
-                  </a:cubicBezTo>
-                  <a:cubicBezTo>
-                    <a:pt x="4760" y="17679"/>
-                    <a:pt x="6919" y="18569"/>
-                    <a:pt x="9290" y="18569"/>
-                  </a:cubicBezTo>
-                  <a:cubicBezTo>
-                    <a:pt x="10379" y="18569"/>
-                    <a:pt x="11429" y="18379"/>
-                    <a:pt x="12409" y="18029"/>
-                  </a:cubicBezTo>
-                  <a:cubicBezTo>
-                    <a:pt x="12609" y="17959"/>
-                    <a:pt x="12799" y="17879"/>
-                    <a:pt x="12999" y="17789"/>
-                  </a:cubicBezTo>
-                  <a:cubicBezTo>
-                    <a:pt x="14549" y="17119"/>
-                    <a:pt x="15869" y="16029"/>
-                    <a:pt x="16838" y="14670"/>
-                  </a:cubicBezTo>
-                  <a:cubicBezTo>
-                    <a:pt x="16958" y="14510"/>
-                    <a:pt x="17069" y="14350"/>
-                    <a:pt x="17178" y="14179"/>
-                  </a:cubicBezTo>
-                  <a:cubicBezTo>
-                    <a:pt x="17958" y="12919"/>
-                    <a:pt x="18449" y="11459"/>
-                    <a:pt x="18549" y="9900"/>
-                  </a:cubicBezTo>
-                  <a:cubicBezTo>
-                    <a:pt x="18558" y="9700"/>
-                    <a:pt x="18569" y="9500"/>
-                    <a:pt x="18569" y="9310"/>
-                  </a:cubicBezTo>
-                  <a:lnTo>
-                    <a:pt x="18569" y="9280"/>
-                  </a:lnTo>
-                  <a:cubicBezTo>
-                    <a:pt x="18569" y="7670"/>
-                    <a:pt x="18158" y="6150"/>
-                    <a:pt x="17429" y="4831"/>
-                  </a:cubicBezTo>
-                  <a:cubicBezTo>
-                    <a:pt x="17329" y="4651"/>
-                    <a:pt x="17229" y="4480"/>
-                    <a:pt x="17118" y="4311"/>
-                  </a:cubicBezTo>
-                  <a:cubicBezTo>
-                    <a:pt x="16138" y="2760"/>
-                    <a:pt x="14699" y="1521"/>
-                    <a:pt x="12999" y="781"/>
-                  </a:cubicBezTo>
-                  <a:cubicBezTo>
-                    <a:pt x="12799" y="691"/>
-                    <a:pt x="12609" y="611"/>
-                    <a:pt x="12409" y="541"/>
-                  </a:cubicBezTo>
-                  <a:cubicBezTo>
-                    <a:pt x="11429" y="191"/>
-                    <a:pt x="10379" y="1"/>
-                    <a:pt x="9290" y="1"/>
-                  </a:cubicBezTo>
-                  <a:close/>
-                </a:path>
-              </a:pathLst>
-            </a:custGeom>
-            <a:solidFill>
-              <a:schemeClr val="dk2"/>
-            </a:solidFill>
-            <a:ln>
-              <a:noFill/>
-            </a:ln>
-          </p:spPr>
-          <p:txBody>
-            <a:bodyPr anchorCtr="0" anchor="ctr" bIns="91425" lIns="91425" spcFirstLastPara="1" rIns="91425" wrap="square" tIns="91425">
-              <a:noAutofit/>
-            </a:bodyPr>
-            <a:lstStyle/>
-            <a:p>
-              <a:pPr indent="0" lvl="0" marL="0" rtl="0" algn="l">
-                <a:spcBef>
-                  <a:spcPts val="0"/>
-                </a:spcBef>
-                <a:spcAft>
-                  <a:spcPts val="0"/>
-                </a:spcAft>
-                <a:buNone/>
-              </a:pPr>
-              <a:r>
-                <a:t/>
-              </a:r>
-              <a:endParaRPr/>
-            </a:p>
-          </p:txBody>
-        </p:sp>
-        <p:sp>
-          <p:nvSpPr>
-            <p:cNvPr id="254" name="Google Shape;254;p29"/>
-            <p:cNvSpPr/>
-            <p:nvPr/>
-          </p:nvSpPr>
-          <p:spPr>
-            <a:xfrm rot="-201210">
-              <a:off x="1907724" y="3355760"/>
-              <a:ext cx="952317" cy="896980"/>
-            </a:xfrm>
-            <a:custGeom>
-              <a:rect b="b" l="l" r="r" t="t"/>
-              <a:pathLst>
-                <a:path extrusionOk="0" h="17490" w="18569">
-                  <a:moveTo>
-                    <a:pt x="12409" y="1"/>
-                  </a:moveTo>
-                  <a:lnTo>
-                    <a:pt x="12409" y="8770"/>
-                  </a:lnTo>
-                  <a:lnTo>
-                    <a:pt x="10989" y="8770"/>
-                  </a:lnTo>
-                  <a:cubicBezTo>
-                    <a:pt x="10829" y="5250"/>
-                    <a:pt x="7930" y="2451"/>
-                    <a:pt x="4380" y="2451"/>
-                  </a:cubicBezTo>
-                  <a:lnTo>
-                    <a:pt x="2470" y="2451"/>
-                  </a:lnTo>
-                  <a:cubicBezTo>
-                    <a:pt x="2290" y="2640"/>
-                    <a:pt x="2120" y="2840"/>
-                    <a:pt x="1960" y="3040"/>
-                  </a:cubicBezTo>
-                  <a:lnTo>
-                    <a:pt x="4380" y="3040"/>
-                  </a:lnTo>
-                  <a:cubicBezTo>
-                    <a:pt x="7599" y="3040"/>
-                    <a:pt x="10239" y="5580"/>
-                    <a:pt x="10389" y="8770"/>
-                  </a:cubicBezTo>
-                  <a:lnTo>
-                    <a:pt x="0" y="8770"/>
-                  </a:lnTo>
-                  <a:cubicBezTo>
-                    <a:pt x="0" y="8960"/>
-                    <a:pt x="11" y="9160"/>
-                    <a:pt x="31" y="9360"/>
-                  </a:cubicBezTo>
-                  <a:lnTo>
-                    <a:pt x="10389" y="9360"/>
-                  </a:lnTo>
-                  <a:cubicBezTo>
-                    <a:pt x="10239" y="12539"/>
-                    <a:pt x="7599" y="15079"/>
-                    <a:pt x="4380" y="15079"/>
-                  </a:cubicBezTo>
-                  <a:lnTo>
-                    <a:pt x="2510" y="15079"/>
-                  </a:lnTo>
-                  <a:cubicBezTo>
-                    <a:pt x="2700" y="15289"/>
-                    <a:pt x="2900" y="15489"/>
-                    <a:pt x="3120" y="15679"/>
-                  </a:cubicBezTo>
-                  <a:lnTo>
-                    <a:pt x="4380" y="15679"/>
-                  </a:lnTo>
-                  <a:cubicBezTo>
-                    <a:pt x="7930" y="15679"/>
-                    <a:pt x="10829" y="12870"/>
-                    <a:pt x="10989" y="9360"/>
-                  </a:cubicBezTo>
-                  <a:lnTo>
-                    <a:pt x="12409" y="9360"/>
-                  </a:lnTo>
-                  <a:lnTo>
-                    <a:pt x="12409" y="17489"/>
-                  </a:lnTo>
-                  <a:cubicBezTo>
-                    <a:pt x="12609" y="17419"/>
-                    <a:pt x="12799" y="17339"/>
-                    <a:pt x="12999" y="17249"/>
-                  </a:cubicBezTo>
-                  <a:lnTo>
-                    <a:pt x="12999" y="9360"/>
-                  </a:lnTo>
-                  <a:lnTo>
-                    <a:pt x="14479" y="9360"/>
-                  </a:lnTo>
-                  <a:cubicBezTo>
-                    <a:pt x="14559" y="11270"/>
-                    <a:pt x="15469" y="12979"/>
-                    <a:pt x="16838" y="14130"/>
-                  </a:cubicBezTo>
-                  <a:cubicBezTo>
-                    <a:pt x="16958" y="13970"/>
-                    <a:pt x="17069" y="13810"/>
-                    <a:pt x="17178" y="13639"/>
-                  </a:cubicBezTo>
-                  <a:cubicBezTo>
-                    <a:pt x="15958" y="12590"/>
-                    <a:pt x="15158" y="11070"/>
-                    <a:pt x="15069" y="9360"/>
-                  </a:cubicBezTo>
-                  <a:lnTo>
-                    <a:pt x="18549" y="9360"/>
-                  </a:lnTo>
-                  <a:cubicBezTo>
-                    <a:pt x="18558" y="9160"/>
-                    <a:pt x="18569" y="8960"/>
-                    <a:pt x="18569" y="8770"/>
-                  </a:cubicBezTo>
-                  <a:lnTo>
-                    <a:pt x="15069" y="8770"/>
-                  </a:lnTo>
-                  <a:cubicBezTo>
-                    <a:pt x="15158" y="6940"/>
-                    <a:pt x="16069" y="5330"/>
-                    <a:pt x="17429" y="4291"/>
-                  </a:cubicBezTo>
-                  <a:cubicBezTo>
-                    <a:pt x="17329" y="4111"/>
-                    <a:pt x="17229" y="3940"/>
-                    <a:pt x="17118" y="3771"/>
-                  </a:cubicBezTo>
-                  <a:cubicBezTo>
-                    <a:pt x="15589" y="4920"/>
-                    <a:pt x="14569" y="6730"/>
-                    <a:pt x="14479" y="8770"/>
-                  </a:cubicBezTo>
-                  <a:lnTo>
-                    <a:pt x="12999" y="8770"/>
-                  </a:lnTo>
-                  <a:lnTo>
-                    <a:pt x="12999" y="241"/>
-                  </a:lnTo>
-                  <a:cubicBezTo>
-                    <a:pt x="12799" y="151"/>
-                    <a:pt x="12609" y="71"/>
-                    <a:pt x="12409" y="1"/>
-                  </a:cubicBezTo>
-                  <a:close/>
-                </a:path>
-              </a:pathLst>
-            </a:custGeom>
-            <a:solidFill>
-              <a:schemeClr val="lt1"/>
-            </a:solidFill>
-            <a:ln>
-              <a:noFill/>
-            </a:ln>
-          </p:spPr>
-          <p:txBody>
-            <a:bodyPr anchorCtr="0" anchor="ctr" bIns="91425" lIns="91425" spcFirstLastPara="1" rIns="91425" wrap="square" tIns="91425">
-              <a:noAutofit/>
-            </a:bodyPr>
-            <a:lstStyle/>
-            <a:p>
-              <a:pPr indent="0" lvl="0" marL="0" rtl="0" algn="l">
-                <a:spcBef>
-                  <a:spcPts val="0"/>
-                </a:spcBef>
-                <a:spcAft>
-                  <a:spcPts val="0"/>
-                </a:spcAft>
-                <a:buNone/>
-              </a:pPr>
-              <a:r>
-                <a:t/>
-              </a:r>
-              <a:endParaRPr/>
-            </a:p>
-          </p:txBody>
-        </p:sp>
-        <p:sp>
-          <p:nvSpPr>
-            <p:cNvPr id="255" name="Google Shape;255;p29"/>
-            <p:cNvSpPr/>
-            <p:nvPr/>
-          </p:nvSpPr>
-          <p:spPr>
-            <a:xfrm rot="-201210">
-              <a:off x="2600049" y="4227360"/>
-              <a:ext cx="2564" cy="1077"/>
-            </a:xfrm>
-            <a:custGeom>
-              <a:rect b="b" l="l" r="r" t="t"/>
-              <a:pathLst>
-                <a:path extrusionOk="0" h="21" w="50">
-                  <a:moveTo>
-                    <a:pt x="0" y="20"/>
-                  </a:moveTo>
-                  <a:lnTo>
-                    <a:pt x="0" y="20"/>
-                  </a:lnTo>
-                  <a:lnTo>
-                    <a:pt x="0" y="20"/>
-                  </a:lnTo>
-                  <a:close/>
-                  <a:moveTo>
-                    <a:pt x="10" y="10"/>
-                  </a:moveTo>
-                  <a:lnTo>
-                    <a:pt x="10" y="20"/>
-                  </a:lnTo>
-                  <a:lnTo>
-                    <a:pt x="10" y="10"/>
-                  </a:lnTo>
-                  <a:close/>
-                  <a:moveTo>
-                    <a:pt x="50" y="0"/>
-                  </a:moveTo>
-                  <a:lnTo>
-                    <a:pt x="50" y="0"/>
-                  </a:lnTo>
-                  <a:close/>
-                </a:path>
-              </a:pathLst>
-            </a:custGeom>
-            <a:solidFill>
-              <a:srgbClr val="EAEBEC"/>
-            </a:solidFill>
-            <a:ln>
-              <a:noFill/>
-            </a:ln>
-          </p:spPr>
-          <p:txBody>
-            <a:bodyPr anchorCtr="0" anchor="ctr" bIns="91425" lIns="91425" spcFirstLastPara="1" rIns="91425" wrap="square" tIns="91425">
-              <a:noAutofit/>
-            </a:bodyPr>
-            <a:lstStyle/>
-            <a:p>
-              <a:pPr indent="0" lvl="0" marL="0" rtl="0" algn="l">
-                <a:spcBef>
-                  <a:spcPts val="0"/>
-                </a:spcBef>
-                <a:spcAft>
-                  <a:spcPts val="0"/>
-                </a:spcAft>
-                <a:buNone/>
-              </a:pPr>
-              <a:r>
-                <a:t/>
-              </a:r>
-              <a:endParaRPr/>
-            </a:p>
-          </p:txBody>
-        </p:sp>
-        <p:sp>
-          <p:nvSpPr>
-            <p:cNvPr id="256" name="Google Shape;256;p29"/>
-            <p:cNvSpPr/>
-            <p:nvPr/>
-          </p:nvSpPr>
-          <p:spPr>
-            <a:xfrm rot="-201210">
-              <a:off x="1913220" y="3515815"/>
-              <a:ext cx="805128" cy="768767"/>
-            </a:xfrm>
-            <a:custGeom>
-              <a:rect b="b" l="l" r="r" t="t"/>
-              <a:pathLst>
-                <a:path extrusionOk="0" h="14990" w="15699">
-                  <a:moveTo>
-                    <a:pt x="1960" y="0"/>
-                  </a:moveTo>
-                  <a:cubicBezTo>
-                    <a:pt x="740" y="1571"/>
-                    <a:pt x="0" y="3550"/>
-                    <a:pt x="0" y="5700"/>
-                  </a:cubicBezTo>
-                  <a:lnTo>
-                    <a:pt x="0" y="5730"/>
-                  </a:lnTo>
-                  <a:lnTo>
-                    <a:pt x="2650" y="5730"/>
-                  </a:lnTo>
-                  <a:cubicBezTo>
-                    <a:pt x="2280" y="4750"/>
-                    <a:pt x="2050" y="3700"/>
-                    <a:pt x="1980" y="2610"/>
-                  </a:cubicBezTo>
-                  <a:cubicBezTo>
-                    <a:pt x="1960" y="2380"/>
-                    <a:pt x="1950" y="2140"/>
-                    <a:pt x="1950" y="1910"/>
-                  </a:cubicBezTo>
-                  <a:lnTo>
-                    <a:pt x="1950" y="1890"/>
-                  </a:lnTo>
-                  <a:cubicBezTo>
-                    <a:pt x="1950" y="1240"/>
-                    <a:pt x="2010" y="611"/>
-                    <a:pt x="2120" y="0"/>
-                  </a:cubicBezTo>
-                  <a:close/>
-                  <a:moveTo>
-                    <a:pt x="31" y="6320"/>
-                  </a:moveTo>
-                  <a:cubicBezTo>
-                    <a:pt x="171" y="8530"/>
-                    <a:pt x="1090" y="10530"/>
-                    <a:pt x="2510" y="12039"/>
-                  </a:cubicBezTo>
-                  <a:lnTo>
-                    <a:pt x="4380" y="12039"/>
-                  </a:lnTo>
-                  <a:cubicBezTo>
-                    <a:pt x="5440" y="12039"/>
-                    <a:pt x="6439" y="11769"/>
-                    <a:pt x="7310" y="11279"/>
-                  </a:cubicBezTo>
-                  <a:cubicBezTo>
-                    <a:pt x="6699" y="10919"/>
-                    <a:pt x="6130" y="10499"/>
-                    <a:pt x="5610" y="10030"/>
-                  </a:cubicBezTo>
-                  <a:cubicBezTo>
-                    <a:pt x="5360" y="9810"/>
-                    <a:pt x="5120" y="9579"/>
-                    <a:pt x="4890" y="9339"/>
-                  </a:cubicBezTo>
-                  <a:cubicBezTo>
-                    <a:pt x="4070" y="8459"/>
-                    <a:pt x="3390" y="7440"/>
-                    <a:pt x="2890" y="6320"/>
-                  </a:cubicBezTo>
-                  <a:close/>
-                  <a:moveTo>
-                    <a:pt x="15698" y="12419"/>
-                  </a:moveTo>
-                  <a:lnTo>
-                    <a:pt x="15698" y="12419"/>
-                  </a:lnTo>
-                  <a:cubicBezTo>
-                    <a:pt x="14829" y="12649"/>
-                    <a:pt x="13929" y="12779"/>
-                    <a:pt x="12999" y="12789"/>
-                  </a:cubicBezTo>
-                  <a:lnTo>
-                    <a:pt x="12999" y="14209"/>
-                  </a:lnTo>
-                  <a:lnTo>
-                    <a:pt x="13019" y="14209"/>
-                  </a:lnTo>
-                  <a:lnTo>
-                    <a:pt x="13019" y="14199"/>
-                  </a:lnTo>
-                  <a:cubicBezTo>
-                    <a:pt x="13039" y="14199"/>
-                    <a:pt x="13049" y="14189"/>
-                    <a:pt x="13059" y="14189"/>
-                  </a:cubicBezTo>
-                  <a:cubicBezTo>
-                    <a:pt x="14039" y="13749"/>
-                    <a:pt x="14929" y="13149"/>
-                    <a:pt x="15698" y="12419"/>
-                  </a:cubicBezTo>
-                  <a:close/>
-                  <a:moveTo>
-                    <a:pt x="7919" y="11609"/>
-                  </a:moveTo>
-                  <a:cubicBezTo>
-                    <a:pt x="6890" y="12259"/>
-                    <a:pt x="5680" y="12639"/>
-                    <a:pt x="4380" y="12639"/>
-                  </a:cubicBezTo>
-                  <a:lnTo>
-                    <a:pt x="3120" y="12639"/>
-                  </a:lnTo>
-                  <a:cubicBezTo>
-                    <a:pt x="4760" y="14099"/>
-                    <a:pt x="6919" y="14989"/>
-                    <a:pt x="9290" y="14989"/>
-                  </a:cubicBezTo>
-                  <a:cubicBezTo>
-                    <a:pt x="10379" y="14989"/>
-                    <a:pt x="11429" y="14799"/>
-                    <a:pt x="12409" y="14449"/>
-                  </a:cubicBezTo>
-                  <a:lnTo>
-                    <a:pt x="12409" y="12779"/>
-                  </a:lnTo>
-                  <a:cubicBezTo>
-                    <a:pt x="10789" y="12719"/>
-                    <a:pt x="9270" y="12299"/>
-                    <a:pt x="7919" y="11609"/>
-                  </a:cubicBezTo>
-                  <a:close/>
-                </a:path>
-              </a:pathLst>
-            </a:custGeom>
-            <a:solidFill>
-              <a:schemeClr val="accent5"/>
-            </a:solidFill>
-            <a:ln>
-              <a:noFill/>
-            </a:ln>
-          </p:spPr>
-          <p:txBody>
-            <a:bodyPr anchorCtr="0" anchor="ctr" bIns="91425" lIns="91425" spcFirstLastPara="1" rIns="91425" wrap="square" tIns="91425">
-              <a:noAutofit/>
-            </a:bodyPr>
-            <a:lstStyle/>
-            <a:p>
-              <a:pPr indent="0" lvl="0" marL="0" rtl="0" algn="l">
-                <a:spcBef>
-                  <a:spcPts val="0"/>
-                </a:spcBef>
-                <a:spcAft>
-                  <a:spcPts val="0"/>
-                </a:spcAft>
-                <a:buNone/>
-              </a:pPr>
-              <a:r>
-                <a:t/>
-              </a:r>
-              <a:endParaRPr/>
-            </a:p>
-          </p:txBody>
-        </p:sp>
-        <p:sp>
-          <p:nvSpPr>
-            <p:cNvPr id="257" name="Google Shape;257;p29"/>
-            <p:cNvSpPr/>
-            <p:nvPr/>
-          </p:nvSpPr>
-          <p:spPr>
-            <a:xfrm rot="-201210">
-              <a:off x="1912168" y="3507591"/>
-              <a:ext cx="666658" cy="753381"/>
-            </a:xfrm>
-            <a:custGeom>
-              <a:rect b="b" l="l" r="r" t="t"/>
-              <a:pathLst>
-                <a:path extrusionOk="0" h="14690" w="12999">
-                  <a:moveTo>
-                    <a:pt x="2160" y="0"/>
-                  </a:moveTo>
-                  <a:lnTo>
-                    <a:pt x="2160" y="0"/>
-                  </a:lnTo>
-                  <a:cubicBezTo>
-                    <a:pt x="2090" y="80"/>
-                    <a:pt x="2030" y="160"/>
-                    <a:pt x="1960" y="240"/>
-                  </a:cubicBezTo>
-                  <a:lnTo>
-                    <a:pt x="2120" y="240"/>
-                  </a:lnTo>
-                  <a:cubicBezTo>
-                    <a:pt x="2130" y="160"/>
-                    <a:pt x="2150" y="80"/>
-                    <a:pt x="2160" y="0"/>
-                  </a:cubicBezTo>
-                  <a:close/>
-                  <a:moveTo>
-                    <a:pt x="0" y="5970"/>
-                  </a:moveTo>
-                  <a:cubicBezTo>
-                    <a:pt x="0" y="6160"/>
-                    <a:pt x="11" y="6360"/>
-                    <a:pt x="31" y="6560"/>
-                  </a:cubicBezTo>
-                  <a:lnTo>
-                    <a:pt x="2890" y="6560"/>
-                  </a:lnTo>
-                  <a:cubicBezTo>
-                    <a:pt x="2800" y="6360"/>
-                    <a:pt x="2720" y="6170"/>
-                    <a:pt x="2650" y="5970"/>
-                  </a:cubicBezTo>
-                  <a:close/>
-                  <a:moveTo>
-                    <a:pt x="7310" y="11519"/>
-                  </a:moveTo>
-                  <a:cubicBezTo>
-                    <a:pt x="6439" y="12009"/>
-                    <a:pt x="5440" y="12279"/>
-                    <a:pt x="4380" y="12279"/>
-                  </a:cubicBezTo>
-                  <a:lnTo>
-                    <a:pt x="2510" y="12279"/>
-                  </a:lnTo>
-                  <a:cubicBezTo>
-                    <a:pt x="2700" y="12489"/>
-                    <a:pt x="2900" y="12689"/>
-                    <a:pt x="3120" y="12879"/>
-                  </a:cubicBezTo>
-                  <a:lnTo>
-                    <a:pt x="4380" y="12879"/>
-                  </a:lnTo>
-                  <a:cubicBezTo>
-                    <a:pt x="5680" y="12879"/>
-                    <a:pt x="6890" y="12499"/>
-                    <a:pt x="7919" y="11849"/>
-                  </a:cubicBezTo>
-                  <a:cubicBezTo>
-                    <a:pt x="7710" y="11749"/>
-                    <a:pt x="7510" y="11639"/>
-                    <a:pt x="7310" y="11519"/>
-                  </a:cubicBezTo>
-                  <a:close/>
-                  <a:moveTo>
-                    <a:pt x="12409" y="13019"/>
-                  </a:moveTo>
-                  <a:lnTo>
-                    <a:pt x="12409" y="14689"/>
-                  </a:lnTo>
-                  <a:cubicBezTo>
-                    <a:pt x="12609" y="14619"/>
-                    <a:pt x="12799" y="14539"/>
-                    <a:pt x="12999" y="14449"/>
-                  </a:cubicBezTo>
-                  <a:lnTo>
-                    <a:pt x="12999" y="13029"/>
-                  </a:lnTo>
-                  <a:lnTo>
-                    <a:pt x="12859" y="13029"/>
-                  </a:lnTo>
-                  <a:cubicBezTo>
-                    <a:pt x="12709" y="13029"/>
-                    <a:pt x="12559" y="13029"/>
-                    <a:pt x="12409" y="13019"/>
-                  </a:cubicBezTo>
-                  <a:close/>
-                </a:path>
-              </a:pathLst>
-            </a:custGeom>
-            <a:solidFill>
-              <a:schemeClr val="lt1"/>
-            </a:solidFill>
-            <a:ln>
-              <a:noFill/>
-            </a:ln>
-          </p:spPr>
-          <p:txBody>
-            <a:bodyPr anchorCtr="0" anchor="ctr" bIns="91425" lIns="91425" spcFirstLastPara="1" rIns="91425" wrap="square" tIns="91425">
-              <a:noAutofit/>
-            </a:bodyPr>
-            <a:lstStyle/>
-            <a:p>
-              <a:pPr indent="0" lvl="0" marL="0" rtl="0" algn="l">
-                <a:spcBef>
-                  <a:spcPts val="0"/>
-                </a:spcBef>
-                <a:spcAft>
-                  <a:spcPts val="0"/>
-                </a:spcAft>
-                <a:buNone/>
-              </a:pPr>
-              <a:r>
-                <a:t/>
-              </a:r>
-              <a:endParaRPr/>
-            </a:p>
-          </p:txBody>
-        </p:sp>
-      </p:grpSp>
-      <p:grpSp>
-        <p:nvGrpSpPr>
-          <p:cNvPr id="258" name="Google Shape;258;p29"/>
-          <p:cNvGrpSpPr/>
-          <p:nvPr/>
-        </p:nvGrpSpPr>
-        <p:grpSpPr>
-          <a:xfrm rot="-1452724">
-            <a:off x="8177209" y="3319118"/>
-            <a:ext cx="834369" cy="834369"/>
-            <a:chOff x="285991" y="3056457"/>
-            <a:chExt cx="834400" cy="834400"/>
-          </a:xfrm>
-        </p:grpSpPr>
-        <p:sp>
-          <p:nvSpPr>
-            <p:cNvPr id="259" name="Google Shape;259;p29"/>
-            <p:cNvSpPr/>
-            <p:nvPr/>
-          </p:nvSpPr>
-          <p:spPr>
-            <a:xfrm>
-              <a:off x="285991" y="3056457"/>
-              <a:ext cx="834400" cy="834400"/>
-            </a:xfrm>
-            <a:custGeom>
-              <a:rect b="b" l="l" r="r" t="t"/>
-              <a:pathLst>
-                <a:path extrusionOk="0" h="15459" w="15459">
-                  <a:moveTo>
-                    <a:pt x="7730" y="1"/>
-                  </a:moveTo>
-                  <a:cubicBezTo>
-                    <a:pt x="7030" y="1"/>
-                    <a:pt x="6340" y="90"/>
-                    <a:pt x="5690" y="270"/>
-                  </a:cubicBezTo>
-                  <a:cubicBezTo>
-                    <a:pt x="5510" y="321"/>
-                    <a:pt x="5330" y="370"/>
-                    <a:pt x="5150" y="441"/>
-                  </a:cubicBezTo>
-                  <a:cubicBezTo>
-                    <a:pt x="2730" y="1300"/>
-                    <a:pt x="860" y="3330"/>
-                    <a:pt x="231" y="5850"/>
-                  </a:cubicBezTo>
-                  <a:cubicBezTo>
-                    <a:pt x="160" y="6140"/>
-                    <a:pt x="100" y="6430"/>
-                    <a:pt x="71" y="6729"/>
-                  </a:cubicBezTo>
-                  <a:cubicBezTo>
-                    <a:pt x="20" y="7060"/>
-                    <a:pt x="0" y="7389"/>
-                    <a:pt x="0" y="7729"/>
-                  </a:cubicBezTo>
-                  <a:cubicBezTo>
-                    <a:pt x="0" y="8440"/>
-                    <a:pt x="100" y="9129"/>
-                    <a:pt x="280" y="9780"/>
-                  </a:cubicBezTo>
-                  <a:cubicBezTo>
-                    <a:pt x="331" y="9980"/>
-                    <a:pt x="400" y="10169"/>
-                    <a:pt x="471" y="10360"/>
-                  </a:cubicBezTo>
-                  <a:cubicBezTo>
-                    <a:pt x="751" y="11159"/>
-                    <a:pt x="1171" y="11899"/>
-                    <a:pt x="1691" y="12549"/>
-                  </a:cubicBezTo>
-                  <a:cubicBezTo>
-                    <a:pt x="1811" y="12689"/>
-                    <a:pt x="1931" y="12829"/>
-                    <a:pt x="2060" y="12969"/>
-                  </a:cubicBezTo>
-                  <a:cubicBezTo>
-                    <a:pt x="2220" y="13149"/>
-                    <a:pt x="2391" y="13319"/>
-                    <a:pt x="2571" y="13479"/>
-                  </a:cubicBezTo>
-                  <a:cubicBezTo>
-                    <a:pt x="2800" y="13679"/>
-                    <a:pt x="3030" y="13869"/>
-                    <a:pt x="3270" y="14039"/>
-                  </a:cubicBezTo>
-                  <a:cubicBezTo>
-                    <a:pt x="4530" y="14929"/>
-                    <a:pt x="6070" y="15459"/>
-                    <a:pt x="7730" y="15459"/>
-                  </a:cubicBezTo>
-                  <a:cubicBezTo>
-                    <a:pt x="9390" y="15459"/>
-                    <a:pt x="10930" y="14929"/>
-                    <a:pt x="12189" y="14039"/>
-                  </a:cubicBezTo>
-                  <a:cubicBezTo>
-                    <a:pt x="12439" y="13869"/>
-                    <a:pt x="12669" y="13679"/>
-                    <a:pt x="12899" y="13479"/>
-                  </a:cubicBezTo>
-                  <a:cubicBezTo>
-                    <a:pt x="13659" y="12799"/>
-                    <a:pt x="14279" y="11959"/>
-                    <a:pt x="14729" y="11019"/>
-                  </a:cubicBezTo>
-                  <a:cubicBezTo>
-                    <a:pt x="14809" y="10839"/>
-                    <a:pt x="14889" y="10649"/>
-                    <a:pt x="14969" y="10460"/>
-                  </a:cubicBezTo>
-                  <a:cubicBezTo>
-                    <a:pt x="15259" y="9700"/>
-                    <a:pt x="15429" y="8869"/>
-                    <a:pt x="15459" y="8009"/>
-                  </a:cubicBezTo>
-                  <a:lnTo>
-                    <a:pt x="15459" y="7729"/>
-                  </a:lnTo>
-                  <a:lnTo>
-                    <a:pt x="15459" y="7449"/>
-                  </a:lnTo>
-                  <a:cubicBezTo>
-                    <a:pt x="15379" y="5130"/>
-                    <a:pt x="14269" y="3070"/>
-                    <a:pt x="12589" y="1710"/>
-                  </a:cubicBezTo>
-                  <a:cubicBezTo>
-                    <a:pt x="12339" y="1510"/>
-                    <a:pt x="12069" y="1320"/>
-                    <a:pt x="11799" y="1150"/>
-                  </a:cubicBezTo>
-                  <a:cubicBezTo>
-                    <a:pt x="10910" y="601"/>
-                    <a:pt x="9899" y="221"/>
-                    <a:pt x="8819" y="70"/>
-                  </a:cubicBezTo>
-                  <a:cubicBezTo>
-                    <a:pt x="8610" y="41"/>
-                    <a:pt x="8410" y="21"/>
-                    <a:pt x="8199" y="10"/>
-                  </a:cubicBezTo>
-                  <a:cubicBezTo>
-                    <a:pt x="8050" y="1"/>
-                    <a:pt x="7890" y="1"/>
-                    <a:pt x="7730" y="1"/>
-                  </a:cubicBezTo>
-                  <a:close/>
-                </a:path>
-              </a:pathLst>
-            </a:custGeom>
-            <a:solidFill>
-              <a:schemeClr val="accent1"/>
-            </a:solidFill>
-            <a:ln>
-              <a:noFill/>
-            </a:ln>
-          </p:spPr>
-          <p:txBody>
-            <a:bodyPr anchorCtr="0" anchor="ctr" bIns="91425" lIns="91425" spcFirstLastPara="1" rIns="91425" wrap="square" tIns="91425">
-              <a:noAutofit/>
-            </a:bodyPr>
-            <a:lstStyle/>
-            <a:p>
-              <a:pPr indent="0" lvl="0" marL="0" rtl="0" algn="l">
-                <a:spcBef>
-                  <a:spcPts val="0"/>
-                </a:spcBef>
-                <a:spcAft>
-                  <a:spcPts val="0"/>
-                </a:spcAft>
-                <a:buNone/>
-              </a:pPr>
-              <a:r>
-                <a:t/>
-              </a:r>
-              <a:endParaRPr/>
-            </a:p>
-          </p:txBody>
-        </p:sp>
-        <p:sp>
-          <p:nvSpPr>
-            <p:cNvPr id="260" name="Google Shape;260;p29"/>
-            <p:cNvSpPr/>
-            <p:nvPr/>
-          </p:nvSpPr>
-          <p:spPr>
-            <a:xfrm>
-              <a:off x="285991" y="3169804"/>
-              <a:ext cx="703294" cy="721052"/>
-            </a:xfrm>
-            <a:custGeom>
-              <a:rect b="b" l="l" r="r" t="t"/>
-              <a:pathLst>
-                <a:path extrusionOk="0" h="13359" w="13030">
-                  <a:moveTo>
-                    <a:pt x="2431" y="0"/>
-                  </a:moveTo>
-                  <a:lnTo>
-                    <a:pt x="2431" y="0"/>
-                  </a:lnTo>
-                  <a:cubicBezTo>
-                    <a:pt x="1380" y="990"/>
-                    <a:pt x="611" y="2270"/>
-                    <a:pt x="240" y="3710"/>
-                  </a:cubicBezTo>
-                  <a:lnTo>
-                    <a:pt x="240" y="3720"/>
-                  </a:lnTo>
-                  <a:lnTo>
-                    <a:pt x="240" y="3730"/>
-                  </a:lnTo>
-                  <a:lnTo>
-                    <a:pt x="240" y="3740"/>
-                  </a:lnTo>
-                  <a:cubicBezTo>
-                    <a:pt x="231" y="3740"/>
-                    <a:pt x="231" y="3740"/>
-                    <a:pt x="231" y="3750"/>
-                  </a:cubicBezTo>
-                  <a:cubicBezTo>
-                    <a:pt x="160" y="4040"/>
-                    <a:pt x="100" y="4330"/>
-                    <a:pt x="71" y="4629"/>
-                  </a:cubicBezTo>
-                  <a:cubicBezTo>
-                    <a:pt x="20" y="4960"/>
-                    <a:pt x="0" y="5289"/>
-                    <a:pt x="0" y="5629"/>
-                  </a:cubicBezTo>
-                  <a:cubicBezTo>
-                    <a:pt x="0" y="6340"/>
-                    <a:pt x="100" y="7029"/>
-                    <a:pt x="280" y="7680"/>
-                  </a:cubicBezTo>
-                  <a:cubicBezTo>
-                    <a:pt x="331" y="7880"/>
-                    <a:pt x="400" y="8069"/>
-                    <a:pt x="471" y="8260"/>
-                  </a:cubicBezTo>
-                  <a:cubicBezTo>
-                    <a:pt x="751" y="9059"/>
-                    <a:pt x="1171" y="9799"/>
-                    <a:pt x="1691" y="10449"/>
-                  </a:cubicBezTo>
-                  <a:cubicBezTo>
-                    <a:pt x="1811" y="10589"/>
-                    <a:pt x="1931" y="10729"/>
-                    <a:pt x="2060" y="10869"/>
-                  </a:cubicBezTo>
-                  <a:cubicBezTo>
-                    <a:pt x="2220" y="11049"/>
-                    <a:pt x="2391" y="11219"/>
-                    <a:pt x="2571" y="11379"/>
-                  </a:cubicBezTo>
-                  <a:cubicBezTo>
-                    <a:pt x="2800" y="11579"/>
-                    <a:pt x="3030" y="11769"/>
-                    <a:pt x="3270" y="11939"/>
-                  </a:cubicBezTo>
-                  <a:cubicBezTo>
-                    <a:pt x="4530" y="12829"/>
-                    <a:pt x="6070" y="13359"/>
-                    <a:pt x="7730" y="13359"/>
-                  </a:cubicBezTo>
-                  <a:cubicBezTo>
-                    <a:pt x="9390" y="13359"/>
-                    <a:pt x="10930" y="12829"/>
-                    <a:pt x="12189" y="11939"/>
-                  </a:cubicBezTo>
-                  <a:cubicBezTo>
-                    <a:pt x="12439" y="11769"/>
-                    <a:pt x="12669" y="11579"/>
-                    <a:pt x="12899" y="11379"/>
-                  </a:cubicBezTo>
-                  <a:lnTo>
-                    <a:pt x="13029" y="11249"/>
-                  </a:lnTo>
-                  <a:lnTo>
-                    <a:pt x="13029" y="11249"/>
-                  </a:lnTo>
-                  <a:cubicBezTo>
-                    <a:pt x="12529" y="11339"/>
-                    <a:pt x="12009" y="11379"/>
-                    <a:pt x="11490" y="11379"/>
-                  </a:cubicBezTo>
-                  <a:cubicBezTo>
-                    <a:pt x="9490" y="11379"/>
-                    <a:pt x="7640" y="10749"/>
-                    <a:pt x="6130" y="9679"/>
-                  </a:cubicBezTo>
-                  <a:cubicBezTo>
-                    <a:pt x="5830" y="9469"/>
-                    <a:pt x="5550" y="9249"/>
-                    <a:pt x="5280" y="9009"/>
-                  </a:cubicBezTo>
-                  <a:cubicBezTo>
-                    <a:pt x="5070" y="8809"/>
-                    <a:pt x="4860" y="8609"/>
-                    <a:pt x="4660" y="8389"/>
-                  </a:cubicBezTo>
-                  <a:cubicBezTo>
-                    <a:pt x="4510" y="8229"/>
-                    <a:pt x="4360" y="8060"/>
-                    <a:pt x="4220" y="7880"/>
-                  </a:cubicBezTo>
-                  <a:cubicBezTo>
-                    <a:pt x="3600" y="7100"/>
-                    <a:pt x="3100" y="6220"/>
-                    <a:pt x="2750" y="5260"/>
-                  </a:cubicBezTo>
-                  <a:cubicBezTo>
-                    <a:pt x="2670" y="5029"/>
-                    <a:pt x="2591" y="4800"/>
-                    <a:pt x="2531" y="4560"/>
-                  </a:cubicBezTo>
-                  <a:cubicBezTo>
-                    <a:pt x="2311" y="3770"/>
-                    <a:pt x="2200" y="2950"/>
-                    <a:pt x="2200" y="2090"/>
-                  </a:cubicBezTo>
-                  <a:cubicBezTo>
-                    <a:pt x="2200" y="1690"/>
-                    <a:pt x="2220" y="1290"/>
-                    <a:pt x="2271" y="900"/>
-                  </a:cubicBezTo>
-                  <a:cubicBezTo>
-                    <a:pt x="2311" y="590"/>
-                    <a:pt x="2371" y="300"/>
-                    <a:pt x="2431" y="0"/>
+                  <a:cubicBezTo>
+                    <a:pt x="3400" y="5520"/>
+                    <a:pt x="2720" y="5810"/>
+                    <a:pt x="1980" y="5810"/>
+                  </a:cubicBezTo>
+                  <a:lnTo>
+                    <a:pt x="1251" y="5810"/>
+                  </a:lnTo>
+                  <a:cubicBezTo>
+                    <a:pt x="1960" y="6480"/>
+                    <a:pt x="2911" y="6890"/>
+                    <a:pt x="3960" y="6890"/>
+                  </a:cubicBezTo>
+                  <a:lnTo>
+                    <a:pt x="4031" y="6890"/>
+                  </a:lnTo>
+                  <a:lnTo>
+                    <a:pt x="4031" y="6880"/>
+                  </a:lnTo>
+                  <a:lnTo>
+                    <a:pt x="4040" y="6880"/>
+                  </a:lnTo>
+                  <a:cubicBezTo>
+                    <a:pt x="5120" y="6860"/>
+                    <a:pt x="6090" y="6410"/>
+                    <a:pt x="6790" y="5700"/>
+                  </a:cubicBezTo>
+                  <a:cubicBezTo>
+                    <a:pt x="6680" y="5700"/>
+                    <a:pt x="6560" y="5710"/>
+                    <a:pt x="6450" y="5710"/>
+                  </a:cubicBezTo>
+                  <a:cubicBezTo>
+                    <a:pt x="5520" y="5710"/>
+                    <a:pt x="4651" y="5470"/>
+                    <a:pt x="3900" y="5040"/>
                   </a:cubicBezTo>
                   <a:close/>
                 </a:path>
@@ -28645,34 +27160,411 @@
         </p:sp>
         <p:sp>
           <p:nvSpPr>
-            <p:cNvPr id="261" name="Google Shape;261;p29"/>
+            <p:cNvPr id="253" name="Google Shape;253;p29"/>
             <p:cNvSpPr/>
             <p:nvPr/>
           </p:nvSpPr>
           <p:spPr>
-            <a:xfrm>
-              <a:off x="424706" y="3783986"/>
-              <a:ext cx="557508" cy="30280"/>
+            <a:xfrm rot="-1532296">
+              <a:off x="-173949" y="2534127"/>
+              <a:ext cx="165704" cy="284123"/>
             </a:xfrm>
             <a:custGeom>
               <a:rect b="b" l="l" r="r" t="t"/>
               <a:pathLst>
-                <a:path extrusionOk="0" h="561" w="10329">
+                <a:path extrusionOk="0" h="5540" w="3231">
                   <a:moveTo>
-                    <a:pt x="1" y="0"/>
+                    <a:pt x="361" y="0"/>
                   </a:moveTo>
                   <a:cubicBezTo>
-                    <a:pt x="230" y="200"/>
-                    <a:pt x="460" y="390"/>
-                    <a:pt x="700" y="560"/>
-                  </a:cubicBezTo>
-                  <a:lnTo>
-                    <a:pt x="9619" y="560"/>
-                  </a:lnTo>
-                  <a:cubicBezTo>
-                    <a:pt x="9869" y="390"/>
-                    <a:pt x="10099" y="200"/>
-                    <a:pt x="10329" y="0"/>
+                    <a:pt x="231" y="140"/>
+                    <a:pt x="111" y="290"/>
+                    <a:pt x="1" y="450"/>
+                  </a:cubicBezTo>
+                  <a:cubicBezTo>
+                    <a:pt x="41" y="440"/>
+                    <a:pt x="71" y="440"/>
+                    <a:pt x="111" y="440"/>
+                  </a:cubicBezTo>
+                  <a:lnTo>
+                    <a:pt x="601" y="440"/>
+                  </a:lnTo>
+                  <a:lnTo>
+                    <a:pt x="601" y="260"/>
+                  </a:lnTo>
+                  <a:lnTo>
+                    <a:pt x="601" y="0"/>
+                  </a:lnTo>
+                  <a:close/>
+                  <a:moveTo>
+                    <a:pt x="2841" y="4520"/>
+                  </a:moveTo>
+                  <a:cubicBezTo>
+                    <a:pt x="2430" y="4879"/>
+                    <a:pt x="1890" y="5089"/>
+                    <a:pt x="1310" y="5089"/>
+                  </a:cubicBezTo>
+                  <a:lnTo>
+                    <a:pt x="171" y="5089"/>
+                  </a:lnTo>
+                  <a:cubicBezTo>
+                    <a:pt x="301" y="5249"/>
+                    <a:pt x="431" y="5399"/>
+                    <a:pt x="581" y="5539"/>
+                  </a:cubicBezTo>
+                  <a:lnTo>
+                    <a:pt x="1310" y="5539"/>
+                  </a:lnTo>
+                  <a:cubicBezTo>
+                    <a:pt x="2050" y="5539"/>
+                    <a:pt x="2730" y="5249"/>
+                    <a:pt x="3230" y="4769"/>
+                  </a:cubicBezTo>
+                  <a:cubicBezTo>
+                    <a:pt x="3090" y="4689"/>
+                    <a:pt x="2961" y="4609"/>
+                    <a:pt x="2841" y="4520"/>
+                  </a:cubicBezTo>
+                  <a:close/>
+                </a:path>
+              </a:pathLst>
+            </a:custGeom>
+            <a:solidFill>
+              <a:schemeClr val="accent1"/>
+            </a:solidFill>
+            <a:ln>
+              <a:noFill/>
+            </a:ln>
+          </p:spPr>
+          <p:txBody>
+            <a:bodyPr anchorCtr="0" anchor="ctr" bIns="91425" lIns="91425" spcFirstLastPara="1" rIns="91425" wrap="square" tIns="91425">
+              <a:noAutofit/>
+            </a:bodyPr>
+            <a:lstStyle/>
+            <a:p>
+              <a:pPr indent="0" lvl="0" marL="0" rtl="0" algn="l">
+                <a:spcBef>
+                  <a:spcPts val="0"/>
+                </a:spcBef>
+                <a:spcAft>
+                  <a:spcPts val="0"/>
+                </a:spcAft>
+                <a:buNone/>
+              </a:pPr>
+              <a:r>
+                <a:t/>
+              </a:r>
+              <a:endParaRPr/>
+            </a:p>
+          </p:txBody>
+        </p:sp>
+      </p:grpSp>
+      <p:grpSp>
+        <p:nvGrpSpPr>
+          <p:cNvPr id="254" name="Google Shape;254;p29"/>
+          <p:cNvGrpSpPr/>
+          <p:nvPr/>
+        </p:nvGrpSpPr>
+        <p:grpSpPr>
+          <a:xfrm rot="3239925">
+            <a:off x="5471212" y="3233103"/>
+            <a:ext cx="1006391" cy="1006439"/>
+            <a:chOff x="1880684" y="3301028"/>
+            <a:chExt cx="1006396" cy="1006445"/>
+          </a:xfrm>
+        </p:grpSpPr>
+        <p:sp>
+          <p:nvSpPr>
+            <p:cNvPr id="255" name="Google Shape;255;p29"/>
+            <p:cNvSpPr/>
+            <p:nvPr/>
+          </p:nvSpPr>
+          <p:spPr>
+            <a:xfrm rot="-201210">
+              <a:off x="1907724" y="3328066"/>
+              <a:ext cx="952317" cy="952368"/>
+            </a:xfrm>
+            <a:custGeom>
+              <a:rect b="b" l="l" r="r" t="t"/>
+              <a:pathLst>
+                <a:path extrusionOk="0" h="18570" w="18569">
+                  <a:moveTo>
+                    <a:pt x="9290" y="1"/>
+                  </a:moveTo>
+                  <a:cubicBezTo>
+                    <a:pt x="6590" y="1"/>
+                    <a:pt x="4160" y="1151"/>
+                    <a:pt x="2470" y="2991"/>
+                  </a:cubicBezTo>
+                  <a:cubicBezTo>
+                    <a:pt x="2290" y="3180"/>
+                    <a:pt x="2120" y="3380"/>
+                    <a:pt x="1960" y="3580"/>
+                  </a:cubicBezTo>
+                  <a:cubicBezTo>
+                    <a:pt x="740" y="5151"/>
+                    <a:pt x="0" y="7130"/>
+                    <a:pt x="0" y="9280"/>
+                  </a:cubicBezTo>
+                  <a:lnTo>
+                    <a:pt x="0" y="9310"/>
+                  </a:lnTo>
+                  <a:cubicBezTo>
+                    <a:pt x="0" y="9500"/>
+                    <a:pt x="11" y="9700"/>
+                    <a:pt x="31" y="9900"/>
+                  </a:cubicBezTo>
+                  <a:cubicBezTo>
+                    <a:pt x="171" y="12110"/>
+                    <a:pt x="1090" y="14110"/>
+                    <a:pt x="2510" y="15619"/>
+                  </a:cubicBezTo>
+                  <a:cubicBezTo>
+                    <a:pt x="2700" y="15829"/>
+                    <a:pt x="2900" y="16029"/>
+                    <a:pt x="3120" y="16219"/>
+                  </a:cubicBezTo>
+                  <a:cubicBezTo>
+                    <a:pt x="4760" y="17679"/>
+                    <a:pt x="6919" y="18569"/>
+                    <a:pt x="9290" y="18569"/>
+                  </a:cubicBezTo>
+                  <a:cubicBezTo>
+                    <a:pt x="10379" y="18569"/>
+                    <a:pt x="11429" y="18379"/>
+                    <a:pt x="12409" y="18029"/>
+                  </a:cubicBezTo>
+                  <a:cubicBezTo>
+                    <a:pt x="12609" y="17959"/>
+                    <a:pt x="12799" y="17879"/>
+                    <a:pt x="12999" y="17789"/>
+                  </a:cubicBezTo>
+                  <a:cubicBezTo>
+                    <a:pt x="14549" y="17119"/>
+                    <a:pt x="15869" y="16029"/>
+                    <a:pt x="16838" y="14670"/>
+                  </a:cubicBezTo>
+                  <a:cubicBezTo>
+                    <a:pt x="16958" y="14510"/>
+                    <a:pt x="17069" y="14350"/>
+                    <a:pt x="17178" y="14179"/>
+                  </a:cubicBezTo>
+                  <a:cubicBezTo>
+                    <a:pt x="17958" y="12919"/>
+                    <a:pt x="18449" y="11459"/>
+                    <a:pt x="18549" y="9900"/>
+                  </a:cubicBezTo>
+                  <a:cubicBezTo>
+                    <a:pt x="18558" y="9700"/>
+                    <a:pt x="18569" y="9500"/>
+                    <a:pt x="18569" y="9310"/>
+                  </a:cubicBezTo>
+                  <a:lnTo>
+                    <a:pt x="18569" y="9280"/>
+                  </a:lnTo>
+                  <a:cubicBezTo>
+                    <a:pt x="18569" y="7670"/>
+                    <a:pt x="18158" y="6150"/>
+                    <a:pt x="17429" y="4831"/>
+                  </a:cubicBezTo>
+                  <a:cubicBezTo>
+                    <a:pt x="17329" y="4651"/>
+                    <a:pt x="17229" y="4480"/>
+                    <a:pt x="17118" y="4311"/>
+                  </a:cubicBezTo>
+                  <a:cubicBezTo>
+                    <a:pt x="16138" y="2760"/>
+                    <a:pt x="14699" y="1521"/>
+                    <a:pt x="12999" y="781"/>
+                  </a:cubicBezTo>
+                  <a:cubicBezTo>
+                    <a:pt x="12799" y="691"/>
+                    <a:pt x="12609" y="611"/>
+                    <a:pt x="12409" y="541"/>
+                  </a:cubicBezTo>
+                  <a:cubicBezTo>
+                    <a:pt x="11429" y="191"/>
+                    <a:pt x="10379" y="1"/>
+                    <a:pt x="9290" y="1"/>
+                  </a:cubicBezTo>
+                  <a:close/>
+                </a:path>
+              </a:pathLst>
+            </a:custGeom>
+            <a:solidFill>
+              <a:schemeClr val="dk2"/>
+            </a:solidFill>
+            <a:ln>
+              <a:noFill/>
+            </a:ln>
+          </p:spPr>
+          <p:txBody>
+            <a:bodyPr anchorCtr="0" anchor="ctr" bIns="91425" lIns="91425" spcFirstLastPara="1" rIns="91425" wrap="square" tIns="91425">
+              <a:noAutofit/>
+            </a:bodyPr>
+            <a:lstStyle/>
+            <a:p>
+              <a:pPr indent="0" lvl="0" marL="0" rtl="0" algn="l">
+                <a:spcBef>
+                  <a:spcPts val="0"/>
+                </a:spcBef>
+                <a:spcAft>
+                  <a:spcPts val="0"/>
+                </a:spcAft>
+                <a:buNone/>
+              </a:pPr>
+              <a:r>
+                <a:t/>
+              </a:r>
+              <a:endParaRPr/>
+            </a:p>
+          </p:txBody>
+        </p:sp>
+        <p:sp>
+          <p:nvSpPr>
+            <p:cNvPr id="256" name="Google Shape;256;p29"/>
+            <p:cNvSpPr/>
+            <p:nvPr/>
+          </p:nvSpPr>
+          <p:spPr>
+            <a:xfrm rot="-201210">
+              <a:off x="1907724" y="3355760"/>
+              <a:ext cx="952317" cy="896980"/>
+            </a:xfrm>
+            <a:custGeom>
+              <a:rect b="b" l="l" r="r" t="t"/>
+              <a:pathLst>
+                <a:path extrusionOk="0" h="17490" w="18569">
+                  <a:moveTo>
+                    <a:pt x="12409" y="1"/>
+                  </a:moveTo>
+                  <a:lnTo>
+                    <a:pt x="12409" y="8770"/>
+                  </a:lnTo>
+                  <a:lnTo>
+                    <a:pt x="10989" y="8770"/>
+                  </a:lnTo>
+                  <a:cubicBezTo>
+                    <a:pt x="10829" y="5250"/>
+                    <a:pt x="7930" y="2451"/>
+                    <a:pt x="4380" y="2451"/>
+                  </a:cubicBezTo>
+                  <a:lnTo>
+                    <a:pt x="2470" y="2451"/>
+                  </a:lnTo>
+                  <a:cubicBezTo>
+                    <a:pt x="2290" y="2640"/>
+                    <a:pt x="2120" y="2840"/>
+                    <a:pt x="1960" y="3040"/>
+                  </a:cubicBezTo>
+                  <a:lnTo>
+                    <a:pt x="4380" y="3040"/>
+                  </a:lnTo>
+                  <a:cubicBezTo>
+                    <a:pt x="7599" y="3040"/>
+                    <a:pt x="10239" y="5580"/>
+                    <a:pt x="10389" y="8770"/>
+                  </a:cubicBezTo>
+                  <a:lnTo>
+                    <a:pt x="0" y="8770"/>
+                  </a:lnTo>
+                  <a:cubicBezTo>
+                    <a:pt x="0" y="8960"/>
+                    <a:pt x="11" y="9160"/>
+                    <a:pt x="31" y="9360"/>
+                  </a:cubicBezTo>
+                  <a:lnTo>
+                    <a:pt x="10389" y="9360"/>
+                  </a:lnTo>
+                  <a:cubicBezTo>
+                    <a:pt x="10239" y="12539"/>
+                    <a:pt x="7599" y="15079"/>
+                    <a:pt x="4380" y="15079"/>
+                  </a:cubicBezTo>
+                  <a:lnTo>
+                    <a:pt x="2510" y="15079"/>
+                  </a:lnTo>
+                  <a:cubicBezTo>
+                    <a:pt x="2700" y="15289"/>
+                    <a:pt x="2900" y="15489"/>
+                    <a:pt x="3120" y="15679"/>
+                  </a:cubicBezTo>
+                  <a:lnTo>
+                    <a:pt x="4380" y="15679"/>
+                  </a:lnTo>
+                  <a:cubicBezTo>
+                    <a:pt x="7930" y="15679"/>
+                    <a:pt x="10829" y="12870"/>
+                    <a:pt x="10989" y="9360"/>
+                  </a:cubicBezTo>
+                  <a:lnTo>
+                    <a:pt x="12409" y="9360"/>
+                  </a:lnTo>
+                  <a:lnTo>
+                    <a:pt x="12409" y="17489"/>
+                  </a:lnTo>
+                  <a:cubicBezTo>
+                    <a:pt x="12609" y="17419"/>
+                    <a:pt x="12799" y="17339"/>
+                    <a:pt x="12999" y="17249"/>
+                  </a:cubicBezTo>
+                  <a:lnTo>
+                    <a:pt x="12999" y="9360"/>
+                  </a:lnTo>
+                  <a:lnTo>
+                    <a:pt x="14479" y="9360"/>
+                  </a:lnTo>
+                  <a:cubicBezTo>
+                    <a:pt x="14559" y="11270"/>
+                    <a:pt x="15469" y="12979"/>
+                    <a:pt x="16838" y="14130"/>
+                  </a:cubicBezTo>
+                  <a:cubicBezTo>
+                    <a:pt x="16958" y="13970"/>
+                    <a:pt x="17069" y="13810"/>
+                    <a:pt x="17178" y="13639"/>
+                  </a:cubicBezTo>
+                  <a:cubicBezTo>
+                    <a:pt x="15958" y="12590"/>
+                    <a:pt x="15158" y="11070"/>
+                    <a:pt x="15069" y="9360"/>
+                  </a:cubicBezTo>
+                  <a:lnTo>
+                    <a:pt x="18549" y="9360"/>
+                  </a:lnTo>
+                  <a:cubicBezTo>
+                    <a:pt x="18558" y="9160"/>
+                    <a:pt x="18569" y="8960"/>
+                    <a:pt x="18569" y="8770"/>
+                  </a:cubicBezTo>
+                  <a:lnTo>
+                    <a:pt x="15069" y="8770"/>
+                  </a:lnTo>
+                  <a:cubicBezTo>
+                    <a:pt x="15158" y="6940"/>
+                    <a:pt x="16069" y="5330"/>
+                    <a:pt x="17429" y="4291"/>
+                  </a:cubicBezTo>
+                  <a:cubicBezTo>
+                    <a:pt x="17329" y="4111"/>
+                    <a:pt x="17229" y="3940"/>
+                    <a:pt x="17118" y="3771"/>
+                  </a:cubicBezTo>
+                  <a:cubicBezTo>
+                    <a:pt x="15589" y="4920"/>
+                    <a:pt x="14569" y="6730"/>
+                    <a:pt x="14479" y="8770"/>
+                  </a:cubicBezTo>
+                  <a:lnTo>
+                    <a:pt x="12999" y="8770"/>
+                  </a:lnTo>
+                  <a:lnTo>
+                    <a:pt x="12999" y="241"/>
+                  </a:lnTo>
+                  <a:cubicBezTo>
+                    <a:pt x="12799" y="151"/>
+                    <a:pt x="12609" y="71"/>
+                    <a:pt x="12409" y="1"/>
                   </a:cubicBezTo>
                   <a:close/>
                 </a:path>
@@ -28709,133 +27601,354 @@
         </p:sp>
         <p:sp>
           <p:nvSpPr>
-            <p:cNvPr id="262" name="Google Shape;262;p29"/>
+            <p:cNvPr id="257" name="Google Shape;257;p29"/>
             <p:cNvSpPr/>
             <p:nvPr/>
           </p:nvSpPr>
           <p:spPr>
-            <a:xfrm>
-              <a:off x="289769" y="3056996"/>
-              <a:ext cx="830621" cy="699462"/>
+            <a:xfrm rot="-201210">
+              <a:off x="2600049" y="4227360"/>
+              <a:ext cx="2564" cy="1077"/>
             </a:xfrm>
             <a:custGeom>
               <a:rect b="b" l="l" r="r" t="t"/>
               <a:pathLst>
-                <a:path extrusionOk="0" h="12959" w="15389">
+                <a:path extrusionOk="0" h="21" w="50">
                   <a:moveTo>
-                    <a:pt x="8129" y="0"/>
+                    <a:pt x="0" y="20"/>
                   </a:moveTo>
                   <a:lnTo>
-                    <a:pt x="10740" y="7439"/>
-                  </a:lnTo>
-                  <a:lnTo>
-                    <a:pt x="8129" y="7439"/>
-                  </a:lnTo>
-                  <a:cubicBezTo>
-                    <a:pt x="8129" y="7419"/>
-                    <a:pt x="8120" y="7410"/>
-                    <a:pt x="8120" y="7390"/>
-                  </a:cubicBezTo>
-                  <a:lnTo>
-                    <a:pt x="5620" y="260"/>
-                  </a:lnTo>
-                  <a:cubicBezTo>
-                    <a:pt x="5440" y="311"/>
-                    <a:pt x="5260" y="360"/>
-                    <a:pt x="5080" y="431"/>
-                  </a:cubicBezTo>
-                  <a:lnTo>
-                    <a:pt x="5410" y="1360"/>
-                  </a:lnTo>
-                  <a:lnTo>
-                    <a:pt x="161" y="5840"/>
-                  </a:lnTo>
-                  <a:cubicBezTo>
-                    <a:pt x="90" y="6130"/>
-                    <a:pt x="30" y="6420"/>
-                    <a:pt x="1" y="6719"/>
-                  </a:cubicBezTo>
-                  <a:lnTo>
-                    <a:pt x="5610" y="1930"/>
-                  </a:lnTo>
-                  <a:lnTo>
-                    <a:pt x="6480" y="4410"/>
-                  </a:lnTo>
-                  <a:lnTo>
-                    <a:pt x="210" y="9770"/>
-                  </a:lnTo>
-                  <a:cubicBezTo>
-                    <a:pt x="261" y="9970"/>
-                    <a:pt x="330" y="10159"/>
-                    <a:pt x="401" y="10350"/>
-                  </a:cubicBezTo>
-                  <a:lnTo>
-                    <a:pt x="6680" y="4980"/>
-                  </a:lnTo>
-                  <a:lnTo>
-                    <a:pt x="7550" y="7470"/>
-                  </a:lnTo>
-                  <a:lnTo>
-                    <a:pt x="1621" y="12539"/>
-                  </a:lnTo>
-                  <a:cubicBezTo>
-                    <a:pt x="1741" y="12679"/>
-                    <a:pt x="1861" y="12819"/>
-                    <a:pt x="1990" y="12959"/>
-                  </a:cubicBezTo>
-                  <a:lnTo>
-                    <a:pt x="4260" y="11009"/>
-                  </a:lnTo>
-                  <a:lnTo>
-                    <a:pt x="14659" y="11009"/>
-                  </a:lnTo>
-                  <a:cubicBezTo>
-                    <a:pt x="14739" y="10829"/>
-                    <a:pt x="14819" y="10639"/>
-                    <a:pt x="14899" y="10450"/>
-                  </a:cubicBezTo>
-                  <a:lnTo>
-                    <a:pt x="4920" y="10450"/>
-                  </a:lnTo>
-                  <a:lnTo>
-                    <a:pt x="7790" y="7999"/>
-                  </a:lnTo>
-                  <a:lnTo>
-                    <a:pt x="15389" y="7999"/>
-                  </a:lnTo>
-                  <a:lnTo>
-                    <a:pt x="15389" y="7719"/>
-                  </a:lnTo>
-                  <a:lnTo>
-                    <a:pt x="15389" y="7439"/>
-                  </a:lnTo>
-                  <a:lnTo>
-                    <a:pt x="14529" y="7439"/>
-                  </a:lnTo>
-                  <a:lnTo>
-                    <a:pt x="12519" y="1700"/>
-                  </a:lnTo>
-                  <a:cubicBezTo>
-                    <a:pt x="12269" y="1500"/>
-                    <a:pt x="11999" y="1310"/>
-                    <a:pt x="11729" y="1140"/>
-                  </a:cubicBezTo>
-                  <a:lnTo>
-                    <a:pt x="11729" y="1140"/>
-                  </a:lnTo>
-                  <a:lnTo>
-                    <a:pt x="13929" y="7439"/>
-                  </a:lnTo>
-                  <a:lnTo>
-                    <a:pt x="11329" y="7439"/>
-                  </a:lnTo>
-                  <a:lnTo>
-                    <a:pt x="8749" y="60"/>
-                  </a:lnTo>
-                  <a:cubicBezTo>
-                    <a:pt x="8540" y="31"/>
-                    <a:pt x="8340" y="11"/>
-                    <a:pt x="8129" y="0"/>
+                    <a:pt x="0" y="20"/>
+                  </a:lnTo>
+                  <a:lnTo>
+                    <a:pt x="0" y="20"/>
+                  </a:lnTo>
+                  <a:close/>
+                  <a:moveTo>
+                    <a:pt x="10" y="10"/>
+                  </a:moveTo>
+                  <a:lnTo>
+                    <a:pt x="10" y="20"/>
+                  </a:lnTo>
+                  <a:lnTo>
+                    <a:pt x="10" y="10"/>
+                  </a:lnTo>
+                  <a:close/>
+                  <a:moveTo>
+                    <a:pt x="50" y="0"/>
+                  </a:moveTo>
+                  <a:lnTo>
+                    <a:pt x="50" y="0"/>
+                  </a:lnTo>
+                  <a:close/>
+                </a:path>
+              </a:pathLst>
+            </a:custGeom>
+            <a:solidFill>
+              <a:srgbClr val="EAEBEC"/>
+            </a:solidFill>
+            <a:ln>
+              <a:noFill/>
+            </a:ln>
+          </p:spPr>
+          <p:txBody>
+            <a:bodyPr anchorCtr="0" anchor="ctr" bIns="91425" lIns="91425" spcFirstLastPara="1" rIns="91425" wrap="square" tIns="91425">
+              <a:noAutofit/>
+            </a:bodyPr>
+            <a:lstStyle/>
+            <a:p>
+              <a:pPr indent="0" lvl="0" marL="0" rtl="0" algn="l">
+                <a:spcBef>
+                  <a:spcPts val="0"/>
+                </a:spcBef>
+                <a:spcAft>
+                  <a:spcPts val="0"/>
+                </a:spcAft>
+                <a:buNone/>
+              </a:pPr>
+              <a:r>
+                <a:t/>
+              </a:r>
+              <a:endParaRPr/>
+            </a:p>
+          </p:txBody>
+        </p:sp>
+        <p:sp>
+          <p:nvSpPr>
+            <p:cNvPr id="258" name="Google Shape;258;p29"/>
+            <p:cNvSpPr/>
+            <p:nvPr/>
+          </p:nvSpPr>
+          <p:spPr>
+            <a:xfrm rot="-201210">
+              <a:off x="1913220" y="3515815"/>
+              <a:ext cx="805128" cy="768767"/>
+            </a:xfrm>
+            <a:custGeom>
+              <a:rect b="b" l="l" r="r" t="t"/>
+              <a:pathLst>
+                <a:path extrusionOk="0" h="14990" w="15699">
+                  <a:moveTo>
+                    <a:pt x="1960" y="0"/>
+                  </a:moveTo>
+                  <a:cubicBezTo>
+                    <a:pt x="740" y="1571"/>
+                    <a:pt x="0" y="3550"/>
+                    <a:pt x="0" y="5700"/>
+                  </a:cubicBezTo>
+                  <a:lnTo>
+                    <a:pt x="0" y="5730"/>
+                  </a:lnTo>
+                  <a:lnTo>
+                    <a:pt x="2650" y="5730"/>
+                  </a:lnTo>
+                  <a:cubicBezTo>
+                    <a:pt x="2280" y="4750"/>
+                    <a:pt x="2050" y="3700"/>
+                    <a:pt x="1980" y="2610"/>
+                  </a:cubicBezTo>
+                  <a:cubicBezTo>
+                    <a:pt x="1960" y="2380"/>
+                    <a:pt x="1950" y="2140"/>
+                    <a:pt x="1950" y="1910"/>
+                  </a:cubicBezTo>
+                  <a:lnTo>
+                    <a:pt x="1950" y="1890"/>
+                  </a:lnTo>
+                  <a:cubicBezTo>
+                    <a:pt x="1950" y="1240"/>
+                    <a:pt x="2010" y="611"/>
+                    <a:pt x="2120" y="0"/>
+                  </a:cubicBezTo>
+                  <a:close/>
+                  <a:moveTo>
+                    <a:pt x="31" y="6320"/>
+                  </a:moveTo>
+                  <a:cubicBezTo>
+                    <a:pt x="171" y="8530"/>
+                    <a:pt x="1090" y="10530"/>
+                    <a:pt x="2510" y="12039"/>
+                  </a:cubicBezTo>
+                  <a:lnTo>
+                    <a:pt x="4380" y="12039"/>
+                  </a:lnTo>
+                  <a:cubicBezTo>
+                    <a:pt x="5440" y="12039"/>
+                    <a:pt x="6439" y="11769"/>
+                    <a:pt x="7310" y="11279"/>
+                  </a:cubicBezTo>
+                  <a:cubicBezTo>
+                    <a:pt x="6699" y="10919"/>
+                    <a:pt x="6130" y="10499"/>
+                    <a:pt x="5610" y="10030"/>
+                  </a:cubicBezTo>
+                  <a:cubicBezTo>
+                    <a:pt x="5360" y="9810"/>
+                    <a:pt x="5120" y="9579"/>
+                    <a:pt x="4890" y="9339"/>
+                  </a:cubicBezTo>
+                  <a:cubicBezTo>
+                    <a:pt x="4070" y="8459"/>
+                    <a:pt x="3390" y="7440"/>
+                    <a:pt x="2890" y="6320"/>
+                  </a:cubicBezTo>
+                  <a:close/>
+                  <a:moveTo>
+                    <a:pt x="15698" y="12419"/>
+                  </a:moveTo>
+                  <a:lnTo>
+                    <a:pt x="15698" y="12419"/>
+                  </a:lnTo>
+                  <a:cubicBezTo>
+                    <a:pt x="14829" y="12649"/>
+                    <a:pt x="13929" y="12779"/>
+                    <a:pt x="12999" y="12789"/>
+                  </a:cubicBezTo>
+                  <a:lnTo>
+                    <a:pt x="12999" y="14209"/>
+                  </a:lnTo>
+                  <a:lnTo>
+                    <a:pt x="13019" y="14209"/>
+                  </a:lnTo>
+                  <a:lnTo>
+                    <a:pt x="13019" y="14199"/>
+                  </a:lnTo>
+                  <a:cubicBezTo>
+                    <a:pt x="13039" y="14199"/>
+                    <a:pt x="13049" y="14189"/>
+                    <a:pt x="13059" y="14189"/>
+                  </a:cubicBezTo>
+                  <a:cubicBezTo>
+                    <a:pt x="14039" y="13749"/>
+                    <a:pt x="14929" y="13149"/>
+                    <a:pt x="15698" y="12419"/>
+                  </a:cubicBezTo>
+                  <a:close/>
+                  <a:moveTo>
+                    <a:pt x="7919" y="11609"/>
+                  </a:moveTo>
+                  <a:cubicBezTo>
+                    <a:pt x="6890" y="12259"/>
+                    <a:pt x="5680" y="12639"/>
+                    <a:pt x="4380" y="12639"/>
+                  </a:cubicBezTo>
+                  <a:lnTo>
+                    <a:pt x="3120" y="12639"/>
+                  </a:lnTo>
+                  <a:cubicBezTo>
+                    <a:pt x="4760" y="14099"/>
+                    <a:pt x="6919" y="14989"/>
+                    <a:pt x="9290" y="14989"/>
+                  </a:cubicBezTo>
+                  <a:cubicBezTo>
+                    <a:pt x="10379" y="14989"/>
+                    <a:pt x="11429" y="14799"/>
+                    <a:pt x="12409" y="14449"/>
+                  </a:cubicBezTo>
+                  <a:lnTo>
+                    <a:pt x="12409" y="12779"/>
+                  </a:lnTo>
+                  <a:cubicBezTo>
+                    <a:pt x="10789" y="12719"/>
+                    <a:pt x="9270" y="12299"/>
+                    <a:pt x="7919" y="11609"/>
+                  </a:cubicBezTo>
+                  <a:close/>
+                </a:path>
+              </a:pathLst>
+            </a:custGeom>
+            <a:solidFill>
+              <a:schemeClr val="accent5"/>
+            </a:solidFill>
+            <a:ln>
+              <a:noFill/>
+            </a:ln>
+          </p:spPr>
+          <p:txBody>
+            <a:bodyPr anchorCtr="0" anchor="ctr" bIns="91425" lIns="91425" spcFirstLastPara="1" rIns="91425" wrap="square" tIns="91425">
+              <a:noAutofit/>
+            </a:bodyPr>
+            <a:lstStyle/>
+            <a:p>
+              <a:pPr indent="0" lvl="0" marL="0" rtl="0" algn="l">
+                <a:spcBef>
+                  <a:spcPts val="0"/>
+                </a:spcBef>
+                <a:spcAft>
+                  <a:spcPts val="0"/>
+                </a:spcAft>
+                <a:buNone/>
+              </a:pPr>
+              <a:r>
+                <a:t/>
+              </a:r>
+              <a:endParaRPr/>
+            </a:p>
+          </p:txBody>
+        </p:sp>
+        <p:sp>
+          <p:nvSpPr>
+            <p:cNvPr id="259" name="Google Shape;259;p29"/>
+            <p:cNvSpPr/>
+            <p:nvPr/>
+          </p:nvSpPr>
+          <p:spPr>
+            <a:xfrm rot="-201210">
+              <a:off x="1912168" y="3507591"/>
+              <a:ext cx="666658" cy="753381"/>
+            </a:xfrm>
+            <a:custGeom>
+              <a:rect b="b" l="l" r="r" t="t"/>
+              <a:pathLst>
+                <a:path extrusionOk="0" h="14690" w="12999">
+                  <a:moveTo>
+                    <a:pt x="2160" y="0"/>
+                  </a:moveTo>
+                  <a:lnTo>
+                    <a:pt x="2160" y="0"/>
+                  </a:lnTo>
+                  <a:cubicBezTo>
+                    <a:pt x="2090" y="80"/>
+                    <a:pt x="2030" y="160"/>
+                    <a:pt x="1960" y="240"/>
+                  </a:cubicBezTo>
+                  <a:lnTo>
+                    <a:pt x="2120" y="240"/>
+                  </a:lnTo>
+                  <a:cubicBezTo>
+                    <a:pt x="2130" y="160"/>
+                    <a:pt x="2150" y="80"/>
+                    <a:pt x="2160" y="0"/>
+                  </a:cubicBezTo>
+                  <a:close/>
+                  <a:moveTo>
+                    <a:pt x="0" y="5970"/>
+                  </a:moveTo>
+                  <a:cubicBezTo>
+                    <a:pt x="0" y="6160"/>
+                    <a:pt x="11" y="6360"/>
+                    <a:pt x="31" y="6560"/>
+                  </a:cubicBezTo>
+                  <a:lnTo>
+                    <a:pt x="2890" y="6560"/>
+                  </a:lnTo>
+                  <a:cubicBezTo>
+                    <a:pt x="2800" y="6360"/>
+                    <a:pt x="2720" y="6170"/>
+                    <a:pt x="2650" y="5970"/>
+                  </a:cubicBezTo>
+                  <a:close/>
+                  <a:moveTo>
+                    <a:pt x="7310" y="11519"/>
+                  </a:moveTo>
+                  <a:cubicBezTo>
+                    <a:pt x="6439" y="12009"/>
+                    <a:pt x="5440" y="12279"/>
+                    <a:pt x="4380" y="12279"/>
+                  </a:cubicBezTo>
+                  <a:lnTo>
+                    <a:pt x="2510" y="12279"/>
+                  </a:lnTo>
+                  <a:cubicBezTo>
+                    <a:pt x="2700" y="12489"/>
+                    <a:pt x="2900" y="12689"/>
+                    <a:pt x="3120" y="12879"/>
+                  </a:cubicBezTo>
+                  <a:lnTo>
+                    <a:pt x="4380" y="12879"/>
+                  </a:lnTo>
+                  <a:cubicBezTo>
+                    <a:pt x="5680" y="12879"/>
+                    <a:pt x="6890" y="12499"/>
+                    <a:pt x="7919" y="11849"/>
+                  </a:cubicBezTo>
+                  <a:cubicBezTo>
+                    <a:pt x="7710" y="11749"/>
+                    <a:pt x="7510" y="11639"/>
+                    <a:pt x="7310" y="11519"/>
+                  </a:cubicBezTo>
+                  <a:close/>
+                  <a:moveTo>
+                    <a:pt x="12409" y="13019"/>
+                  </a:moveTo>
+                  <a:lnTo>
+                    <a:pt x="12409" y="14689"/>
+                  </a:lnTo>
+                  <a:cubicBezTo>
+                    <a:pt x="12609" y="14619"/>
+                    <a:pt x="12799" y="14539"/>
+                    <a:pt x="12999" y="14449"/>
+                  </a:cubicBezTo>
+                  <a:lnTo>
+                    <a:pt x="12999" y="13029"/>
+                  </a:lnTo>
+                  <a:lnTo>
+                    <a:pt x="12859" y="13029"/>
+                  </a:lnTo>
+                  <a:cubicBezTo>
+                    <a:pt x="12709" y="13029"/>
+                    <a:pt x="12559" y="13029"/>
+                    <a:pt x="12409" y="13019"/>
                   </a:cubicBezTo>
                   <a:close/>
                 </a:path>
@@ -28873,21 +27986,746 @@
       </p:grpSp>
       <p:grpSp>
         <p:nvGrpSpPr>
-          <p:cNvPr id="263" name="Google Shape;263;p29"/>
+          <p:cNvPr id="260" name="Google Shape;260;p29"/>
           <p:cNvGrpSpPr/>
           <p:nvPr/>
         </p:nvGrpSpPr>
         <p:grpSpPr>
-          <a:xfrm rot="-3579022">
-            <a:off x="3908102" y="3589834"/>
-            <a:ext cx="834440" cy="834440"/>
+          <a:xfrm rot="-1237668">
+            <a:off x="-315967" y="4363147"/>
+            <a:ext cx="1006409" cy="1006457"/>
+            <a:chOff x="1880684" y="3301028"/>
+            <a:chExt cx="1006396" cy="1006445"/>
+          </a:xfrm>
+        </p:grpSpPr>
+        <p:sp>
+          <p:nvSpPr>
+            <p:cNvPr id="261" name="Google Shape;261;p29"/>
+            <p:cNvSpPr/>
+            <p:nvPr/>
+          </p:nvSpPr>
+          <p:spPr>
+            <a:xfrm rot="-201210">
+              <a:off x="1907724" y="3328066"/>
+              <a:ext cx="952317" cy="952368"/>
+            </a:xfrm>
+            <a:custGeom>
+              <a:rect b="b" l="l" r="r" t="t"/>
+              <a:pathLst>
+                <a:path extrusionOk="0" h="18570" w="18569">
+                  <a:moveTo>
+                    <a:pt x="9290" y="1"/>
+                  </a:moveTo>
+                  <a:cubicBezTo>
+                    <a:pt x="6590" y="1"/>
+                    <a:pt x="4160" y="1151"/>
+                    <a:pt x="2470" y="2991"/>
+                  </a:cubicBezTo>
+                  <a:cubicBezTo>
+                    <a:pt x="2290" y="3180"/>
+                    <a:pt x="2120" y="3380"/>
+                    <a:pt x="1960" y="3580"/>
+                  </a:cubicBezTo>
+                  <a:cubicBezTo>
+                    <a:pt x="740" y="5151"/>
+                    <a:pt x="0" y="7130"/>
+                    <a:pt x="0" y="9280"/>
+                  </a:cubicBezTo>
+                  <a:lnTo>
+                    <a:pt x="0" y="9310"/>
+                  </a:lnTo>
+                  <a:cubicBezTo>
+                    <a:pt x="0" y="9500"/>
+                    <a:pt x="11" y="9700"/>
+                    <a:pt x="31" y="9900"/>
+                  </a:cubicBezTo>
+                  <a:cubicBezTo>
+                    <a:pt x="171" y="12110"/>
+                    <a:pt x="1090" y="14110"/>
+                    <a:pt x="2510" y="15619"/>
+                  </a:cubicBezTo>
+                  <a:cubicBezTo>
+                    <a:pt x="2700" y="15829"/>
+                    <a:pt x="2900" y="16029"/>
+                    <a:pt x="3120" y="16219"/>
+                  </a:cubicBezTo>
+                  <a:cubicBezTo>
+                    <a:pt x="4760" y="17679"/>
+                    <a:pt x="6919" y="18569"/>
+                    <a:pt x="9290" y="18569"/>
+                  </a:cubicBezTo>
+                  <a:cubicBezTo>
+                    <a:pt x="10379" y="18569"/>
+                    <a:pt x="11429" y="18379"/>
+                    <a:pt x="12409" y="18029"/>
+                  </a:cubicBezTo>
+                  <a:cubicBezTo>
+                    <a:pt x="12609" y="17959"/>
+                    <a:pt x="12799" y="17879"/>
+                    <a:pt x="12999" y="17789"/>
+                  </a:cubicBezTo>
+                  <a:cubicBezTo>
+                    <a:pt x="14549" y="17119"/>
+                    <a:pt x="15869" y="16029"/>
+                    <a:pt x="16838" y="14670"/>
+                  </a:cubicBezTo>
+                  <a:cubicBezTo>
+                    <a:pt x="16958" y="14510"/>
+                    <a:pt x="17069" y="14350"/>
+                    <a:pt x="17178" y="14179"/>
+                  </a:cubicBezTo>
+                  <a:cubicBezTo>
+                    <a:pt x="17958" y="12919"/>
+                    <a:pt x="18449" y="11459"/>
+                    <a:pt x="18549" y="9900"/>
+                  </a:cubicBezTo>
+                  <a:cubicBezTo>
+                    <a:pt x="18558" y="9700"/>
+                    <a:pt x="18569" y="9500"/>
+                    <a:pt x="18569" y="9310"/>
+                  </a:cubicBezTo>
+                  <a:lnTo>
+                    <a:pt x="18569" y="9280"/>
+                  </a:lnTo>
+                  <a:cubicBezTo>
+                    <a:pt x="18569" y="7670"/>
+                    <a:pt x="18158" y="6150"/>
+                    <a:pt x="17429" y="4831"/>
+                  </a:cubicBezTo>
+                  <a:cubicBezTo>
+                    <a:pt x="17329" y="4651"/>
+                    <a:pt x="17229" y="4480"/>
+                    <a:pt x="17118" y="4311"/>
+                  </a:cubicBezTo>
+                  <a:cubicBezTo>
+                    <a:pt x="16138" y="2760"/>
+                    <a:pt x="14699" y="1521"/>
+                    <a:pt x="12999" y="781"/>
+                  </a:cubicBezTo>
+                  <a:cubicBezTo>
+                    <a:pt x="12799" y="691"/>
+                    <a:pt x="12609" y="611"/>
+                    <a:pt x="12409" y="541"/>
+                  </a:cubicBezTo>
+                  <a:cubicBezTo>
+                    <a:pt x="11429" y="191"/>
+                    <a:pt x="10379" y="1"/>
+                    <a:pt x="9290" y="1"/>
+                  </a:cubicBezTo>
+                  <a:close/>
+                </a:path>
+              </a:pathLst>
+            </a:custGeom>
+            <a:solidFill>
+              <a:schemeClr val="dk2"/>
+            </a:solidFill>
+            <a:ln>
+              <a:noFill/>
+            </a:ln>
+          </p:spPr>
+          <p:txBody>
+            <a:bodyPr anchorCtr="0" anchor="ctr" bIns="91425" lIns="91425" spcFirstLastPara="1" rIns="91425" wrap="square" tIns="91425">
+              <a:noAutofit/>
+            </a:bodyPr>
+            <a:lstStyle/>
+            <a:p>
+              <a:pPr indent="0" lvl="0" marL="0" rtl="0" algn="l">
+                <a:spcBef>
+                  <a:spcPts val="0"/>
+                </a:spcBef>
+                <a:spcAft>
+                  <a:spcPts val="0"/>
+                </a:spcAft>
+                <a:buNone/>
+              </a:pPr>
+              <a:r>
+                <a:t/>
+              </a:r>
+              <a:endParaRPr/>
+            </a:p>
+          </p:txBody>
+        </p:sp>
+        <p:sp>
+          <p:nvSpPr>
+            <p:cNvPr id="262" name="Google Shape;262;p29"/>
+            <p:cNvSpPr/>
+            <p:nvPr/>
+          </p:nvSpPr>
+          <p:spPr>
+            <a:xfrm rot="-201210">
+              <a:off x="1907724" y="3355760"/>
+              <a:ext cx="952317" cy="896980"/>
+            </a:xfrm>
+            <a:custGeom>
+              <a:rect b="b" l="l" r="r" t="t"/>
+              <a:pathLst>
+                <a:path extrusionOk="0" h="17490" w="18569">
+                  <a:moveTo>
+                    <a:pt x="12409" y="1"/>
+                  </a:moveTo>
+                  <a:lnTo>
+                    <a:pt x="12409" y="8770"/>
+                  </a:lnTo>
+                  <a:lnTo>
+                    <a:pt x="10989" y="8770"/>
+                  </a:lnTo>
+                  <a:cubicBezTo>
+                    <a:pt x="10829" y="5250"/>
+                    <a:pt x="7930" y="2451"/>
+                    <a:pt x="4380" y="2451"/>
+                  </a:cubicBezTo>
+                  <a:lnTo>
+                    <a:pt x="2470" y="2451"/>
+                  </a:lnTo>
+                  <a:cubicBezTo>
+                    <a:pt x="2290" y="2640"/>
+                    <a:pt x="2120" y="2840"/>
+                    <a:pt x="1960" y="3040"/>
+                  </a:cubicBezTo>
+                  <a:lnTo>
+                    <a:pt x="4380" y="3040"/>
+                  </a:lnTo>
+                  <a:cubicBezTo>
+                    <a:pt x="7599" y="3040"/>
+                    <a:pt x="10239" y="5580"/>
+                    <a:pt x="10389" y="8770"/>
+                  </a:cubicBezTo>
+                  <a:lnTo>
+                    <a:pt x="0" y="8770"/>
+                  </a:lnTo>
+                  <a:cubicBezTo>
+                    <a:pt x="0" y="8960"/>
+                    <a:pt x="11" y="9160"/>
+                    <a:pt x="31" y="9360"/>
+                  </a:cubicBezTo>
+                  <a:lnTo>
+                    <a:pt x="10389" y="9360"/>
+                  </a:lnTo>
+                  <a:cubicBezTo>
+                    <a:pt x="10239" y="12539"/>
+                    <a:pt x="7599" y="15079"/>
+                    <a:pt x="4380" y="15079"/>
+                  </a:cubicBezTo>
+                  <a:lnTo>
+                    <a:pt x="2510" y="15079"/>
+                  </a:lnTo>
+                  <a:cubicBezTo>
+                    <a:pt x="2700" y="15289"/>
+                    <a:pt x="2900" y="15489"/>
+                    <a:pt x="3120" y="15679"/>
+                  </a:cubicBezTo>
+                  <a:lnTo>
+                    <a:pt x="4380" y="15679"/>
+                  </a:lnTo>
+                  <a:cubicBezTo>
+                    <a:pt x="7930" y="15679"/>
+                    <a:pt x="10829" y="12870"/>
+                    <a:pt x="10989" y="9360"/>
+                  </a:cubicBezTo>
+                  <a:lnTo>
+                    <a:pt x="12409" y="9360"/>
+                  </a:lnTo>
+                  <a:lnTo>
+                    <a:pt x="12409" y="17489"/>
+                  </a:lnTo>
+                  <a:cubicBezTo>
+                    <a:pt x="12609" y="17419"/>
+                    <a:pt x="12799" y="17339"/>
+                    <a:pt x="12999" y="17249"/>
+                  </a:cubicBezTo>
+                  <a:lnTo>
+                    <a:pt x="12999" y="9360"/>
+                  </a:lnTo>
+                  <a:lnTo>
+                    <a:pt x="14479" y="9360"/>
+                  </a:lnTo>
+                  <a:cubicBezTo>
+                    <a:pt x="14559" y="11270"/>
+                    <a:pt x="15469" y="12979"/>
+                    <a:pt x="16838" y="14130"/>
+                  </a:cubicBezTo>
+                  <a:cubicBezTo>
+                    <a:pt x="16958" y="13970"/>
+                    <a:pt x="17069" y="13810"/>
+                    <a:pt x="17178" y="13639"/>
+                  </a:cubicBezTo>
+                  <a:cubicBezTo>
+                    <a:pt x="15958" y="12590"/>
+                    <a:pt x="15158" y="11070"/>
+                    <a:pt x="15069" y="9360"/>
+                  </a:cubicBezTo>
+                  <a:lnTo>
+                    <a:pt x="18549" y="9360"/>
+                  </a:lnTo>
+                  <a:cubicBezTo>
+                    <a:pt x="18558" y="9160"/>
+                    <a:pt x="18569" y="8960"/>
+                    <a:pt x="18569" y="8770"/>
+                  </a:cubicBezTo>
+                  <a:lnTo>
+                    <a:pt x="15069" y="8770"/>
+                  </a:lnTo>
+                  <a:cubicBezTo>
+                    <a:pt x="15158" y="6940"/>
+                    <a:pt x="16069" y="5330"/>
+                    <a:pt x="17429" y="4291"/>
+                  </a:cubicBezTo>
+                  <a:cubicBezTo>
+                    <a:pt x="17329" y="4111"/>
+                    <a:pt x="17229" y="3940"/>
+                    <a:pt x="17118" y="3771"/>
+                  </a:cubicBezTo>
+                  <a:cubicBezTo>
+                    <a:pt x="15589" y="4920"/>
+                    <a:pt x="14569" y="6730"/>
+                    <a:pt x="14479" y="8770"/>
+                  </a:cubicBezTo>
+                  <a:lnTo>
+                    <a:pt x="12999" y="8770"/>
+                  </a:lnTo>
+                  <a:lnTo>
+                    <a:pt x="12999" y="241"/>
+                  </a:lnTo>
+                  <a:cubicBezTo>
+                    <a:pt x="12799" y="151"/>
+                    <a:pt x="12609" y="71"/>
+                    <a:pt x="12409" y="1"/>
+                  </a:cubicBezTo>
+                  <a:close/>
+                </a:path>
+              </a:pathLst>
+            </a:custGeom>
+            <a:solidFill>
+              <a:schemeClr val="lt1"/>
+            </a:solidFill>
+            <a:ln>
+              <a:noFill/>
+            </a:ln>
+          </p:spPr>
+          <p:txBody>
+            <a:bodyPr anchorCtr="0" anchor="ctr" bIns="91425" lIns="91425" spcFirstLastPara="1" rIns="91425" wrap="square" tIns="91425">
+              <a:noAutofit/>
+            </a:bodyPr>
+            <a:lstStyle/>
+            <a:p>
+              <a:pPr indent="0" lvl="0" marL="0" rtl="0" algn="l">
+                <a:spcBef>
+                  <a:spcPts val="0"/>
+                </a:spcBef>
+                <a:spcAft>
+                  <a:spcPts val="0"/>
+                </a:spcAft>
+                <a:buNone/>
+              </a:pPr>
+              <a:r>
+                <a:t/>
+              </a:r>
+              <a:endParaRPr/>
+            </a:p>
+          </p:txBody>
+        </p:sp>
+        <p:sp>
+          <p:nvSpPr>
+            <p:cNvPr id="263" name="Google Shape;263;p29"/>
+            <p:cNvSpPr/>
+            <p:nvPr/>
+          </p:nvSpPr>
+          <p:spPr>
+            <a:xfrm rot="-201210">
+              <a:off x="2600049" y="4227360"/>
+              <a:ext cx="2564" cy="1077"/>
+            </a:xfrm>
+            <a:custGeom>
+              <a:rect b="b" l="l" r="r" t="t"/>
+              <a:pathLst>
+                <a:path extrusionOk="0" h="21" w="50">
+                  <a:moveTo>
+                    <a:pt x="0" y="20"/>
+                  </a:moveTo>
+                  <a:lnTo>
+                    <a:pt x="0" y="20"/>
+                  </a:lnTo>
+                  <a:lnTo>
+                    <a:pt x="0" y="20"/>
+                  </a:lnTo>
+                  <a:close/>
+                  <a:moveTo>
+                    <a:pt x="10" y="10"/>
+                  </a:moveTo>
+                  <a:lnTo>
+                    <a:pt x="10" y="20"/>
+                  </a:lnTo>
+                  <a:lnTo>
+                    <a:pt x="10" y="10"/>
+                  </a:lnTo>
+                  <a:close/>
+                  <a:moveTo>
+                    <a:pt x="50" y="0"/>
+                  </a:moveTo>
+                  <a:lnTo>
+                    <a:pt x="50" y="0"/>
+                  </a:lnTo>
+                  <a:close/>
+                </a:path>
+              </a:pathLst>
+            </a:custGeom>
+            <a:solidFill>
+              <a:srgbClr val="EAEBEC"/>
+            </a:solidFill>
+            <a:ln>
+              <a:noFill/>
+            </a:ln>
+          </p:spPr>
+          <p:txBody>
+            <a:bodyPr anchorCtr="0" anchor="ctr" bIns="91425" lIns="91425" spcFirstLastPara="1" rIns="91425" wrap="square" tIns="91425">
+              <a:noAutofit/>
+            </a:bodyPr>
+            <a:lstStyle/>
+            <a:p>
+              <a:pPr indent="0" lvl="0" marL="0" rtl="0" algn="l">
+                <a:spcBef>
+                  <a:spcPts val="0"/>
+                </a:spcBef>
+                <a:spcAft>
+                  <a:spcPts val="0"/>
+                </a:spcAft>
+                <a:buNone/>
+              </a:pPr>
+              <a:r>
+                <a:t/>
+              </a:r>
+              <a:endParaRPr/>
+            </a:p>
+          </p:txBody>
+        </p:sp>
+        <p:sp>
+          <p:nvSpPr>
+            <p:cNvPr id="264" name="Google Shape;264;p29"/>
+            <p:cNvSpPr/>
+            <p:nvPr/>
+          </p:nvSpPr>
+          <p:spPr>
+            <a:xfrm rot="-201210">
+              <a:off x="1913220" y="3515815"/>
+              <a:ext cx="805128" cy="768767"/>
+            </a:xfrm>
+            <a:custGeom>
+              <a:rect b="b" l="l" r="r" t="t"/>
+              <a:pathLst>
+                <a:path extrusionOk="0" h="14990" w="15699">
+                  <a:moveTo>
+                    <a:pt x="1960" y="0"/>
+                  </a:moveTo>
+                  <a:cubicBezTo>
+                    <a:pt x="740" y="1571"/>
+                    <a:pt x="0" y="3550"/>
+                    <a:pt x="0" y="5700"/>
+                  </a:cubicBezTo>
+                  <a:lnTo>
+                    <a:pt x="0" y="5730"/>
+                  </a:lnTo>
+                  <a:lnTo>
+                    <a:pt x="2650" y="5730"/>
+                  </a:lnTo>
+                  <a:cubicBezTo>
+                    <a:pt x="2280" y="4750"/>
+                    <a:pt x="2050" y="3700"/>
+                    <a:pt x="1980" y="2610"/>
+                  </a:cubicBezTo>
+                  <a:cubicBezTo>
+                    <a:pt x="1960" y="2380"/>
+                    <a:pt x="1950" y="2140"/>
+                    <a:pt x="1950" y="1910"/>
+                  </a:cubicBezTo>
+                  <a:lnTo>
+                    <a:pt x="1950" y="1890"/>
+                  </a:lnTo>
+                  <a:cubicBezTo>
+                    <a:pt x="1950" y="1240"/>
+                    <a:pt x="2010" y="611"/>
+                    <a:pt x="2120" y="0"/>
+                  </a:cubicBezTo>
+                  <a:close/>
+                  <a:moveTo>
+                    <a:pt x="31" y="6320"/>
+                  </a:moveTo>
+                  <a:cubicBezTo>
+                    <a:pt x="171" y="8530"/>
+                    <a:pt x="1090" y="10530"/>
+                    <a:pt x="2510" y="12039"/>
+                  </a:cubicBezTo>
+                  <a:lnTo>
+                    <a:pt x="4380" y="12039"/>
+                  </a:lnTo>
+                  <a:cubicBezTo>
+                    <a:pt x="5440" y="12039"/>
+                    <a:pt x="6439" y="11769"/>
+                    <a:pt x="7310" y="11279"/>
+                  </a:cubicBezTo>
+                  <a:cubicBezTo>
+                    <a:pt x="6699" y="10919"/>
+                    <a:pt x="6130" y="10499"/>
+                    <a:pt x="5610" y="10030"/>
+                  </a:cubicBezTo>
+                  <a:cubicBezTo>
+                    <a:pt x="5360" y="9810"/>
+                    <a:pt x="5120" y="9579"/>
+                    <a:pt x="4890" y="9339"/>
+                  </a:cubicBezTo>
+                  <a:cubicBezTo>
+                    <a:pt x="4070" y="8459"/>
+                    <a:pt x="3390" y="7440"/>
+                    <a:pt x="2890" y="6320"/>
+                  </a:cubicBezTo>
+                  <a:close/>
+                  <a:moveTo>
+                    <a:pt x="15698" y="12419"/>
+                  </a:moveTo>
+                  <a:lnTo>
+                    <a:pt x="15698" y="12419"/>
+                  </a:lnTo>
+                  <a:cubicBezTo>
+                    <a:pt x="14829" y="12649"/>
+                    <a:pt x="13929" y="12779"/>
+                    <a:pt x="12999" y="12789"/>
+                  </a:cubicBezTo>
+                  <a:lnTo>
+                    <a:pt x="12999" y="14209"/>
+                  </a:lnTo>
+                  <a:lnTo>
+                    <a:pt x="13019" y="14209"/>
+                  </a:lnTo>
+                  <a:lnTo>
+                    <a:pt x="13019" y="14199"/>
+                  </a:lnTo>
+                  <a:cubicBezTo>
+                    <a:pt x="13039" y="14199"/>
+                    <a:pt x="13049" y="14189"/>
+                    <a:pt x="13059" y="14189"/>
+                  </a:cubicBezTo>
+                  <a:cubicBezTo>
+                    <a:pt x="14039" y="13749"/>
+                    <a:pt x="14929" y="13149"/>
+                    <a:pt x="15698" y="12419"/>
+                  </a:cubicBezTo>
+                  <a:close/>
+                  <a:moveTo>
+                    <a:pt x="7919" y="11609"/>
+                  </a:moveTo>
+                  <a:cubicBezTo>
+                    <a:pt x="6890" y="12259"/>
+                    <a:pt x="5680" y="12639"/>
+                    <a:pt x="4380" y="12639"/>
+                  </a:cubicBezTo>
+                  <a:lnTo>
+                    <a:pt x="3120" y="12639"/>
+                  </a:lnTo>
+                  <a:cubicBezTo>
+                    <a:pt x="4760" y="14099"/>
+                    <a:pt x="6919" y="14989"/>
+                    <a:pt x="9290" y="14989"/>
+                  </a:cubicBezTo>
+                  <a:cubicBezTo>
+                    <a:pt x="10379" y="14989"/>
+                    <a:pt x="11429" y="14799"/>
+                    <a:pt x="12409" y="14449"/>
+                  </a:cubicBezTo>
+                  <a:lnTo>
+                    <a:pt x="12409" y="12779"/>
+                  </a:lnTo>
+                  <a:cubicBezTo>
+                    <a:pt x="10789" y="12719"/>
+                    <a:pt x="9270" y="12299"/>
+                    <a:pt x="7919" y="11609"/>
+                  </a:cubicBezTo>
+                  <a:close/>
+                </a:path>
+              </a:pathLst>
+            </a:custGeom>
+            <a:solidFill>
+              <a:schemeClr val="accent5"/>
+            </a:solidFill>
+            <a:ln>
+              <a:noFill/>
+            </a:ln>
+          </p:spPr>
+          <p:txBody>
+            <a:bodyPr anchorCtr="0" anchor="ctr" bIns="91425" lIns="91425" spcFirstLastPara="1" rIns="91425" wrap="square" tIns="91425">
+              <a:noAutofit/>
+            </a:bodyPr>
+            <a:lstStyle/>
+            <a:p>
+              <a:pPr indent="0" lvl="0" marL="0" rtl="0" algn="l">
+                <a:spcBef>
+                  <a:spcPts val="0"/>
+                </a:spcBef>
+                <a:spcAft>
+                  <a:spcPts val="0"/>
+                </a:spcAft>
+                <a:buNone/>
+              </a:pPr>
+              <a:r>
+                <a:t/>
+              </a:r>
+              <a:endParaRPr/>
+            </a:p>
+          </p:txBody>
+        </p:sp>
+        <p:sp>
+          <p:nvSpPr>
+            <p:cNvPr id="265" name="Google Shape;265;p29"/>
+            <p:cNvSpPr/>
+            <p:nvPr/>
+          </p:nvSpPr>
+          <p:spPr>
+            <a:xfrm rot="-201210">
+              <a:off x="1912168" y="3507591"/>
+              <a:ext cx="666658" cy="753381"/>
+            </a:xfrm>
+            <a:custGeom>
+              <a:rect b="b" l="l" r="r" t="t"/>
+              <a:pathLst>
+                <a:path extrusionOk="0" h="14690" w="12999">
+                  <a:moveTo>
+                    <a:pt x="2160" y="0"/>
+                  </a:moveTo>
+                  <a:lnTo>
+                    <a:pt x="2160" y="0"/>
+                  </a:lnTo>
+                  <a:cubicBezTo>
+                    <a:pt x="2090" y="80"/>
+                    <a:pt x="2030" y="160"/>
+                    <a:pt x="1960" y="240"/>
+                  </a:cubicBezTo>
+                  <a:lnTo>
+                    <a:pt x="2120" y="240"/>
+                  </a:lnTo>
+                  <a:cubicBezTo>
+                    <a:pt x="2130" y="160"/>
+                    <a:pt x="2150" y="80"/>
+                    <a:pt x="2160" y="0"/>
+                  </a:cubicBezTo>
+                  <a:close/>
+                  <a:moveTo>
+                    <a:pt x="0" y="5970"/>
+                  </a:moveTo>
+                  <a:cubicBezTo>
+                    <a:pt x="0" y="6160"/>
+                    <a:pt x="11" y="6360"/>
+                    <a:pt x="31" y="6560"/>
+                  </a:cubicBezTo>
+                  <a:lnTo>
+                    <a:pt x="2890" y="6560"/>
+                  </a:lnTo>
+                  <a:cubicBezTo>
+                    <a:pt x="2800" y="6360"/>
+                    <a:pt x="2720" y="6170"/>
+                    <a:pt x="2650" y="5970"/>
+                  </a:cubicBezTo>
+                  <a:close/>
+                  <a:moveTo>
+                    <a:pt x="7310" y="11519"/>
+                  </a:moveTo>
+                  <a:cubicBezTo>
+                    <a:pt x="6439" y="12009"/>
+                    <a:pt x="5440" y="12279"/>
+                    <a:pt x="4380" y="12279"/>
+                  </a:cubicBezTo>
+                  <a:lnTo>
+                    <a:pt x="2510" y="12279"/>
+                  </a:lnTo>
+                  <a:cubicBezTo>
+                    <a:pt x="2700" y="12489"/>
+                    <a:pt x="2900" y="12689"/>
+                    <a:pt x="3120" y="12879"/>
+                  </a:cubicBezTo>
+                  <a:lnTo>
+                    <a:pt x="4380" y="12879"/>
+                  </a:lnTo>
+                  <a:cubicBezTo>
+                    <a:pt x="5680" y="12879"/>
+                    <a:pt x="6890" y="12499"/>
+                    <a:pt x="7919" y="11849"/>
+                  </a:cubicBezTo>
+                  <a:cubicBezTo>
+                    <a:pt x="7710" y="11749"/>
+                    <a:pt x="7510" y="11639"/>
+                    <a:pt x="7310" y="11519"/>
+                  </a:cubicBezTo>
+                  <a:close/>
+                  <a:moveTo>
+                    <a:pt x="12409" y="13019"/>
+                  </a:moveTo>
+                  <a:lnTo>
+                    <a:pt x="12409" y="14689"/>
+                  </a:lnTo>
+                  <a:cubicBezTo>
+                    <a:pt x="12609" y="14619"/>
+                    <a:pt x="12799" y="14539"/>
+                    <a:pt x="12999" y="14449"/>
+                  </a:cubicBezTo>
+                  <a:lnTo>
+                    <a:pt x="12999" y="13029"/>
+                  </a:lnTo>
+                  <a:lnTo>
+                    <a:pt x="12859" y="13029"/>
+                  </a:lnTo>
+                  <a:cubicBezTo>
+                    <a:pt x="12709" y="13029"/>
+                    <a:pt x="12559" y="13029"/>
+                    <a:pt x="12409" y="13019"/>
+                  </a:cubicBezTo>
+                  <a:close/>
+                </a:path>
+              </a:pathLst>
+            </a:custGeom>
+            <a:solidFill>
+              <a:schemeClr val="lt1"/>
+            </a:solidFill>
+            <a:ln>
+              <a:noFill/>
+            </a:ln>
+          </p:spPr>
+          <p:txBody>
+            <a:bodyPr anchorCtr="0" anchor="ctr" bIns="91425" lIns="91425" spcFirstLastPara="1" rIns="91425" wrap="square" tIns="91425">
+              <a:noAutofit/>
+            </a:bodyPr>
+            <a:lstStyle/>
+            <a:p>
+              <a:pPr indent="0" lvl="0" marL="0" rtl="0" algn="l">
+                <a:spcBef>
+                  <a:spcPts val="0"/>
+                </a:spcBef>
+                <a:spcAft>
+                  <a:spcPts val="0"/>
+                </a:spcAft>
+                <a:buNone/>
+              </a:pPr>
+              <a:r>
+                <a:t/>
+              </a:r>
+              <a:endParaRPr/>
+            </a:p>
+          </p:txBody>
+        </p:sp>
+      </p:grpSp>
+      <p:grpSp>
+        <p:nvGrpSpPr>
+          <p:cNvPr id="266" name="Google Shape;266;p29"/>
+          <p:cNvGrpSpPr/>
+          <p:nvPr/>
+        </p:nvGrpSpPr>
+        <p:grpSpPr>
+          <a:xfrm rot="-1452724">
+            <a:off x="8177209" y="3319118"/>
+            <a:ext cx="834369" cy="834369"/>
             <a:chOff x="285991" y="3056457"/>
             <a:chExt cx="834400" cy="834400"/>
           </a:xfrm>
         </p:grpSpPr>
         <p:sp>
           <p:nvSpPr>
-            <p:cNvPr id="264" name="Google Shape;264;p29"/>
+            <p:cNvPr id="267" name="Google Shape;267;p29"/>
             <p:cNvSpPr/>
             <p:nvPr/>
           </p:nvSpPr>
@@ -29054,7 +28892,7 @@
         </p:sp>
         <p:sp>
           <p:nvSpPr>
-            <p:cNvPr id="265" name="Google Shape;265;p29"/>
+            <p:cNvPr id="268" name="Google Shape;268;p29"/>
             <p:cNvSpPr/>
             <p:nvPr/>
           </p:nvSpPr>
@@ -29240,7 +29078,7 @@
         </p:sp>
         <p:sp>
           <p:nvSpPr>
-            <p:cNvPr id="266" name="Google Shape;266;p29"/>
+            <p:cNvPr id="269" name="Google Shape;269;p29"/>
             <p:cNvSpPr/>
             <p:nvPr/>
           </p:nvSpPr>
@@ -29304,7 +29142,7 @@
         </p:sp>
         <p:sp>
           <p:nvSpPr>
-            <p:cNvPr id="267" name="Google Shape;267;p29"/>
+            <p:cNvPr id="270" name="Google Shape;270;p29"/>
             <p:cNvSpPr/>
             <p:nvPr/>
           </p:nvSpPr>
@@ -29468,7 +29306,7 @@
       </p:grpSp>
       <p:grpSp>
         <p:nvGrpSpPr>
-          <p:cNvPr id="268" name="Google Shape;268;p29"/>
+          <p:cNvPr id="271" name="Google Shape;271;p29"/>
           <p:cNvGrpSpPr/>
           <p:nvPr/>
         </p:nvGrpSpPr>
@@ -29482,7 +29320,7 @@
         </p:grpSpPr>
         <p:sp>
           <p:nvSpPr>
-            <p:cNvPr id="269" name="Google Shape;269;p29"/>
+            <p:cNvPr id="272" name="Google Shape;272;p29"/>
             <p:cNvSpPr/>
             <p:nvPr/>
           </p:nvSpPr>
@@ -29621,7 +29459,7 @@
         </p:sp>
         <p:sp>
           <p:nvSpPr>
-            <p:cNvPr id="270" name="Google Shape;270;p29"/>
+            <p:cNvPr id="273" name="Google Shape;273;p29"/>
             <p:cNvSpPr/>
             <p:nvPr/>
           </p:nvSpPr>
@@ -29822,7 +29660,7 @@
         </p:sp>
         <p:sp>
           <p:nvSpPr>
-            <p:cNvPr id="271" name="Google Shape;271;p29"/>
+            <p:cNvPr id="274" name="Google Shape;274;p29"/>
             <p:cNvSpPr/>
             <p:nvPr/>
           </p:nvSpPr>
@@ -29987,7 +29825,7 @@
         </p:sp>
         <p:sp>
           <p:nvSpPr>
-            <p:cNvPr id="272" name="Google Shape;272;p29"/>
+            <p:cNvPr id="275" name="Google Shape;275;p29"/>
             <p:cNvSpPr/>
             <p:nvPr/>
           </p:nvSpPr>
@@ -30189,7 +30027,7 @@
         </p:sp>
         <p:sp>
           <p:nvSpPr>
-            <p:cNvPr id="273" name="Google Shape;273;p29"/>
+            <p:cNvPr id="276" name="Google Shape;276;p29"/>
             <p:cNvSpPr/>
             <p:nvPr/>
           </p:nvSpPr>
@@ -30339,7 +30177,7 @@
       </p:grpSp>
       <p:sp>
         <p:nvSpPr>
-          <p:cNvPr id="274" name="Google Shape;274;p29"/>
+          <p:cNvPr id="277" name="Google Shape;277;p29"/>
           <p:cNvSpPr txBox="1"/>
           <p:nvPr>
             <p:ph idx="1" type="subTitle"/>
@@ -30347,8 +30185,8 @@
         </p:nvSpPr>
         <p:spPr>
           <a:xfrm>
-            <a:off x="1498050" y="1553450"/>
-            <a:ext cx="6147900" cy="1503000"/>
+            <a:off x="1498050" y="1650700"/>
+            <a:ext cx="6147900" cy="1405800"/>
           </a:xfrm>
           <a:prstGeom prst="rect">
             <a:avLst/>
@@ -30371,7 +30209,27 @@
             </a:pPr>
             <a:r>
               <a:rPr b="1" lang="en" sz="4200" u="sng"/>
-              <a:t>Is this fair compensation?</a:t>
+              <a:t>Are NIL athletes</a:t>
+            </a:r>
+            <a:r>
+              <a:rPr b="1" lang="en" sz="4200" u="sng"/>
+              <a:t> fairly compensated compared to regular influencers</a:t>
+            </a:r>
+            <a:endParaRPr b="1" sz="4200" u="sng"/>
+          </a:p>
+          <a:p>
+            <a:pPr indent="0" lvl="0" marL="0" rtl="0" algn="ctr">
+              <a:spcBef>
+                <a:spcPts val="0"/>
+              </a:spcBef>
+              <a:spcAft>
+                <a:spcPts val="0"/>
+              </a:spcAft>
+              <a:buNone/>
+            </a:pPr>
+            <a:r>
+              <a:rPr b="1" lang="en" sz="4200" u="sng"/>
+              <a:t>?</a:t>
             </a:r>
             <a:endParaRPr b="1" sz="4200" u="sng"/>
           </a:p>
@@ -30379,7 +30237,7 @@
       </p:sp>
       <p:grpSp>
         <p:nvGrpSpPr>
-          <p:cNvPr id="275" name="Google Shape;275;p29"/>
+          <p:cNvPr id="278" name="Google Shape;278;p29"/>
           <p:cNvGrpSpPr/>
           <p:nvPr/>
         </p:nvGrpSpPr>
@@ -30393,7 +30251,7 @@
         </p:grpSpPr>
         <p:sp>
           <p:nvSpPr>
-            <p:cNvPr id="276" name="Google Shape;276;p29"/>
+            <p:cNvPr id="279" name="Google Shape;279;p29"/>
             <p:cNvSpPr/>
             <p:nvPr/>
           </p:nvSpPr>
@@ -30540,7 +30398,7 @@
         </p:sp>
         <p:sp>
           <p:nvSpPr>
-            <p:cNvPr id="277" name="Google Shape;277;p29"/>
+            <p:cNvPr id="280" name="Google Shape;280;p29"/>
             <p:cNvSpPr/>
             <p:nvPr/>
           </p:nvSpPr>
@@ -30719,7 +30577,7 @@
         </p:sp>
         <p:sp>
           <p:nvSpPr>
-            <p:cNvPr id="278" name="Google Shape;278;p29"/>
+            <p:cNvPr id="281" name="Google Shape;281;p29"/>
             <p:cNvSpPr/>
             <p:nvPr/>
           </p:nvSpPr>
@@ -30793,7 +30651,7 @@
         </p:sp>
         <p:sp>
           <p:nvSpPr>
-            <p:cNvPr id="279" name="Google Shape;279;p29"/>
+            <p:cNvPr id="282" name="Google Shape;282;p29"/>
             <p:cNvSpPr/>
             <p:nvPr/>
           </p:nvSpPr>
@@ -30966,7 +30824,7 @@
         </p:sp>
         <p:sp>
           <p:nvSpPr>
-            <p:cNvPr id="280" name="Google Shape;280;p29"/>
+            <p:cNvPr id="283" name="Google Shape;283;p29"/>
             <p:cNvSpPr/>
             <p:nvPr/>
           </p:nvSpPr>
@@ -31104,7 +30962,7 @@
       </p:grpSp>
       <p:grpSp>
         <p:nvGrpSpPr>
-          <p:cNvPr id="281" name="Google Shape;281;p29"/>
+          <p:cNvPr id="284" name="Google Shape;284;p29"/>
           <p:cNvGrpSpPr/>
           <p:nvPr/>
         </p:nvGrpSpPr>
@@ -31118,7 +30976,7 @@
         </p:grpSpPr>
         <p:sp>
           <p:nvSpPr>
-            <p:cNvPr id="282" name="Google Shape;282;p29"/>
+            <p:cNvPr id="285" name="Google Shape;285;p29"/>
             <p:cNvSpPr/>
             <p:nvPr/>
           </p:nvSpPr>
@@ -31257,7 +31115,7 @@
         </p:sp>
         <p:sp>
           <p:nvSpPr>
-            <p:cNvPr id="283" name="Google Shape;283;p29"/>
+            <p:cNvPr id="286" name="Google Shape;286;p29"/>
             <p:cNvSpPr/>
             <p:nvPr/>
           </p:nvSpPr>
@@ -31458,7 +31316,7 @@
         </p:sp>
         <p:sp>
           <p:nvSpPr>
-            <p:cNvPr id="284" name="Google Shape;284;p29"/>
+            <p:cNvPr id="287" name="Google Shape;287;p29"/>
             <p:cNvSpPr/>
             <p:nvPr/>
           </p:nvSpPr>
@@ -31623,7 +31481,7 @@
         </p:sp>
         <p:sp>
           <p:nvSpPr>
-            <p:cNvPr id="285" name="Google Shape;285;p29"/>
+            <p:cNvPr id="288" name="Google Shape;288;p29"/>
             <p:cNvSpPr/>
             <p:nvPr/>
           </p:nvSpPr>
@@ -31825,7 +31683,7 @@
         </p:sp>
         <p:sp>
           <p:nvSpPr>
-            <p:cNvPr id="286" name="Google Shape;286;p29"/>
+            <p:cNvPr id="289" name="Google Shape;289;p29"/>
             <p:cNvSpPr/>
             <p:nvPr/>
           </p:nvSpPr>
@@ -31975,7 +31833,7 @@
       </p:grpSp>
       <p:grpSp>
         <p:nvGrpSpPr>
-          <p:cNvPr id="287" name="Google Shape;287;p29"/>
+          <p:cNvPr id="290" name="Google Shape;290;p29"/>
           <p:cNvGrpSpPr/>
           <p:nvPr/>
         </p:nvGrpSpPr>
@@ -31989,7 +31847,7 @@
         </p:grpSpPr>
         <p:sp>
           <p:nvSpPr>
-            <p:cNvPr id="288" name="Google Shape;288;p29"/>
+            <p:cNvPr id="291" name="Google Shape;291;p29"/>
             <p:cNvSpPr/>
             <p:nvPr/>
           </p:nvSpPr>
@@ -32156,7 +32014,7 @@
         </p:sp>
         <p:sp>
           <p:nvSpPr>
-            <p:cNvPr id="289" name="Google Shape;289;p29"/>
+            <p:cNvPr id="292" name="Google Shape;292;p29"/>
             <p:cNvSpPr/>
             <p:nvPr/>
           </p:nvSpPr>
@@ -32342,7 +32200,7 @@
         </p:sp>
         <p:sp>
           <p:nvSpPr>
-            <p:cNvPr id="290" name="Google Shape;290;p29"/>
+            <p:cNvPr id="293" name="Google Shape;293;p29"/>
             <p:cNvSpPr/>
             <p:nvPr/>
           </p:nvSpPr>
@@ -32370,295 +32228,6 @@
                     <a:pt x="9869" y="390"/>
                     <a:pt x="10099" y="200"/>
                     <a:pt x="10329" y="0"/>
-                  </a:cubicBezTo>
-                  <a:close/>
-                </a:path>
-              </a:pathLst>
-            </a:custGeom>
-            <a:solidFill>
-              <a:schemeClr val="lt1"/>
-            </a:solidFill>
-            <a:ln>
-              <a:noFill/>
-            </a:ln>
-          </p:spPr>
-          <p:txBody>
-            <a:bodyPr anchorCtr="0" anchor="ctr" bIns="91425" lIns="91425" spcFirstLastPara="1" rIns="91425" wrap="square" tIns="91425">
-              <a:noAutofit/>
-            </a:bodyPr>
-            <a:lstStyle/>
-            <a:p>
-              <a:pPr indent="0" lvl="0" marL="0" rtl="0" algn="l">
-                <a:spcBef>
-                  <a:spcPts val="0"/>
-                </a:spcBef>
-                <a:spcAft>
-                  <a:spcPts val="0"/>
-                </a:spcAft>
-                <a:buNone/>
-              </a:pPr>
-              <a:r>
-                <a:t/>
-              </a:r>
-              <a:endParaRPr/>
-            </a:p>
-          </p:txBody>
-        </p:sp>
-        <p:sp>
-          <p:nvSpPr>
-            <p:cNvPr id="291" name="Google Shape;291;p29"/>
-            <p:cNvSpPr/>
-            <p:nvPr/>
-          </p:nvSpPr>
-          <p:spPr>
-            <a:xfrm>
-              <a:off x="289769" y="3056996"/>
-              <a:ext cx="830621" cy="699462"/>
-            </a:xfrm>
-            <a:custGeom>
-              <a:rect b="b" l="l" r="r" t="t"/>
-              <a:pathLst>
-                <a:path extrusionOk="0" h="12959" w="15389">
-                  <a:moveTo>
-                    <a:pt x="8129" y="0"/>
-                  </a:moveTo>
-                  <a:lnTo>
-                    <a:pt x="10740" y="7439"/>
-                  </a:lnTo>
-                  <a:lnTo>
-                    <a:pt x="8129" y="7439"/>
-                  </a:lnTo>
-                  <a:cubicBezTo>
-                    <a:pt x="8129" y="7419"/>
-                    <a:pt x="8120" y="7410"/>
-                    <a:pt x="8120" y="7390"/>
-                  </a:cubicBezTo>
-                  <a:lnTo>
-                    <a:pt x="5620" y="260"/>
-                  </a:lnTo>
-                  <a:cubicBezTo>
-                    <a:pt x="5440" y="311"/>
-                    <a:pt x="5260" y="360"/>
-                    <a:pt x="5080" y="431"/>
-                  </a:cubicBezTo>
-                  <a:lnTo>
-                    <a:pt x="5410" y="1360"/>
-                  </a:lnTo>
-                  <a:lnTo>
-                    <a:pt x="161" y="5840"/>
-                  </a:lnTo>
-                  <a:cubicBezTo>
-                    <a:pt x="90" y="6130"/>
-                    <a:pt x="30" y="6420"/>
-                    <a:pt x="1" y="6719"/>
-                  </a:cubicBezTo>
-                  <a:lnTo>
-                    <a:pt x="5610" y="1930"/>
-                  </a:lnTo>
-                  <a:lnTo>
-                    <a:pt x="6480" y="4410"/>
-                  </a:lnTo>
-                  <a:lnTo>
-                    <a:pt x="210" y="9770"/>
-                  </a:lnTo>
-                  <a:cubicBezTo>
-                    <a:pt x="261" y="9970"/>
-                    <a:pt x="330" y="10159"/>
-                    <a:pt x="401" y="10350"/>
-                  </a:cubicBezTo>
-                  <a:lnTo>
-                    <a:pt x="6680" y="4980"/>
-                  </a:lnTo>
-                  <a:lnTo>
-                    <a:pt x="7550" y="7470"/>
-                  </a:lnTo>
-                  <a:lnTo>
-                    <a:pt x="1621" y="12539"/>
-                  </a:lnTo>
-                  <a:cubicBezTo>
-                    <a:pt x="1741" y="12679"/>
-                    <a:pt x="1861" y="12819"/>
-                    <a:pt x="1990" y="12959"/>
-                  </a:cubicBezTo>
-                  <a:lnTo>
-                    <a:pt x="4260" y="11009"/>
-                  </a:lnTo>
-                  <a:lnTo>
-                    <a:pt x="14659" y="11009"/>
-                  </a:lnTo>
-                  <a:cubicBezTo>
-                    <a:pt x="14739" y="10829"/>
-                    <a:pt x="14819" y="10639"/>
-                    <a:pt x="14899" y="10450"/>
-                  </a:cubicBezTo>
-                  <a:lnTo>
-                    <a:pt x="4920" y="10450"/>
-                  </a:lnTo>
-                  <a:lnTo>
-                    <a:pt x="7790" y="7999"/>
-                  </a:lnTo>
-                  <a:lnTo>
-                    <a:pt x="15389" y="7999"/>
-                  </a:lnTo>
-                  <a:lnTo>
-                    <a:pt x="15389" y="7719"/>
-                  </a:lnTo>
-                  <a:lnTo>
-                    <a:pt x="15389" y="7439"/>
-                  </a:lnTo>
-                  <a:lnTo>
-                    <a:pt x="14529" y="7439"/>
-                  </a:lnTo>
-                  <a:lnTo>
-                    <a:pt x="12519" y="1700"/>
-                  </a:lnTo>
-                  <a:cubicBezTo>
-                    <a:pt x="12269" y="1500"/>
-                    <a:pt x="11999" y="1310"/>
-                    <a:pt x="11729" y="1140"/>
-                  </a:cubicBezTo>
-                  <a:lnTo>
-                    <a:pt x="11729" y="1140"/>
-                  </a:lnTo>
-                  <a:lnTo>
-                    <a:pt x="13929" y="7439"/>
-                  </a:lnTo>
-                  <a:lnTo>
-                    <a:pt x="11329" y="7439"/>
-                  </a:lnTo>
-                  <a:lnTo>
-                    <a:pt x="8749" y="60"/>
-                  </a:lnTo>
-                  <a:cubicBezTo>
-                    <a:pt x="8540" y="31"/>
-                    <a:pt x="8340" y="11"/>
-                    <a:pt x="8129" y="0"/>
-                  </a:cubicBezTo>
-                  <a:close/>
-                </a:path>
-              </a:pathLst>
-            </a:custGeom>
-            <a:solidFill>
-              <a:schemeClr val="lt1"/>
-            </a:solidFill>
-            <a:ln>
-              <a:noFill/>
-            </a:ln>
-          </p:spPr>
-          <p:txBody>
-            <a:bodyPr anchorCtr="0" anchor="ctr" bIns="91425" lIns="91425" spcFirstLastPara="1" rIns="91425" wrap="square" tIns="91425">
-              <a:noAutofit/>
-            </a:bodyPr>
-            <a:lstStyle/>
-            <a:p>
-              <a:pPr indent="0" lvl="0" marL="0" rtl="0" algn="l">
-                <a:spcBef>
-                  <a:spcPts val="0"/>
-                </a:spcBef>
-                <a:spcAft>
-                  <a:spcPts val="0"/>
-                </a:spcAft>
-                <a:buNone/>
-              </a:pPr>
-              <a:r>
-                <a:t/>
-              </a:r>
-              <a:endParaRPr/>
-            </a:p>
-          </p:txBody>
-        </p:sp>
-      </p:grpSp>
-      <p:grpSp>
-        <p:nvGrpSpPr>
-          <p:cNvPr id="292" name="Google Shape;292;p29"/>
-          <p:cNvGrpSpPr/>
-          <p:nvPr/>
-        </p:nvGrpSpPr>
-        <p:grpSpPr>
-          <a:xfrm>
-            <a:off x="-287090" y="2362518"/>
-            <a:ext cx="542361" cy="542361"/>
-            <a:chOff x="-287090" y="2362518"/>
-            <a:chExt cx="542361" cy="542361"/>
-          </a:xfrm>
-        </p:grpSpPr>
-        <p:sp>
-          <p:nvSpPr>
-            <p:cNvPr id="293" name="Google Shape;293;p29"/>
-            <p:cNvSpPr/>
-            <p:nvPr/>
-          </p:nvSpPr>
-          <p:spPr>
-            <a:xfrm rot="-1532296">
-              <a:off x="-219282" y="2430325"/>
-              <a:ext cx="406747" cy="406747"/>
-            </a:xfrm>
-            <a:custGeom>
-              <a:rect b="b" l="l" r="r" t="t"/>
-              <a:pathLst>
-                <a:path extrusionOk="0" h="7931" w="7931">
-                  <a:moveTo>
-                    <a:pt x="3960" y="1"/>
-                  </a:moveTo>
-                  <a:cubicBezTo>
-                    <a:pt x="2800" y="1"/>
-                    <a:pt x="1751" y="511"/>
-                    <a:pt x="1031" y="1311"/>
-                  </a:cubicBezTo>
-                  <a:cubicBezTo>
-                    <a:pt x="901" y="1451"/>
-                    <a:pt x="781" y="1601"/>
-                    <a:pt x="671" y="1761"/>
-                  </a:cubicBezTo>
-                  <a:cubicBezTo>
-                    <a:pt x="251" y="2391"/>
-                    <a:pt x="1" y="3151"/>
-                    <a:pt x="1" y="3960"/>
-                  </a:cubicBezTo>
-                  <a:cubicBezTo>
-                    <a:pt x="1" y="4891"/>
-                    <a:pt x="321" y="5731"/>
-                    <a:pt x="841" y="6400"/>
-                  </a:cubicBezTo>
-                  <a:cubicBezTo>
-                    <a:pt x="971" y="6560"/>
-                    <a:pt x="1101" y="6710"/>
-                    <a:pt x="1251" y="6850"/>
-                  </a:cubicBezTo>
-                  <a:cubicBezTo>
-                    <a:pt x="1960" y="7520"/>
-                    <a:pt x="2911" y="7930"/>
-                    <a:pt x="3960" y="7930"/>
-                  </a:cubicBezTo>
-                  <a:cubicBezTo>
-                    <a:pt x="5250" y="7930"/>
-                    <a:pt x="6400" y="7310"/>
-                    <a:pt x="7120" y="6360"/>
-                  </a:cubicBezTo>
-                  <a:cubicBezTo>
-                    <a:pt x="7210" y="6240"/>
-                    <a:pt x="7290" y="6120"/>
-                    <a:pt x="7370" y="5991"/>
-                  </a:cubicBezTo>
-                  <a:cubicBezTo>
-                    <a:pt x="7720" y="5400"/>
-                    <a:pt x="7930" y="4700"/>
-                    <a:pt x="7930" y="3960"/>
-                  </a:cubicBezTo>
-                  <a:cubicBezTo>
-                    <a:pt x="7930" y="3291"/>
-                    <a:pt x="7760" y="2660"/>
-                    <a:pt x="7460" y="2111"/>
-                  </a:cubicBezTo>
-                  <a:cubicBezTo>
-                    <a:pt x="7390" y="1981"/>
-                    <a:pt x="7320" y="1851"/>
-                    <a:pt x="7230" y="1731"/>
-                  </a:cubicBezTo>
-                  <a:cubicBezTo>
-                    <a:pt x="6520" y="691"/>
-                    <a:pt x="5320" y="1"/>
-                    <a:pt x="3960" y="1"/>
                   </a:cubicBezTo>
                   <a:close/>
                 </a:path>
@@ -32700,6 +32269,295 @@
             <p:nvPr/>
           </p:nvSpPr>
           <p:spPr>
+            <a:xfrm>
+              <a:off x="289769" y="3056996"/>
+              <a:ext cx="830621" cy="699462"/>
+            </a:xfrm>
+            <a:custGeom>
+              <a:rect b="b" l="l" r="r" t="t"/>
+              <a:pathLst>
+                <a:path extrusionOk="0" h="12959" w="15389">
+                  <a:moveTo>
+                    <a:pt x="8129" y="0"/>
+                  </a:moveTo>
+                  <a:lnTo>
+                    <a:pt x="10740" y="7439"/>
+                  </a:lnTo>
+                  <a:lnTo>
+                    <a:pt x="8129" y="7439"/>
+                  </a:lnTo>
+                  <a:cubicBezTo>
+                    <a:pt x="8129" y="7419"/>
+                    <a:pt x="8120" y="7410"/>
+                    <a:pt x="8120" y="7390"/>
+                  </a:cubicBezTo>
+                  <a:lnTo>
+                    <a:pt x="5620" y="260"/>
+                  </a:lnTo>
+                  <a:cubicBezTo>
+                    <a:pt x="5440" y="311"/>
+                    <a:pt x="5260" y="360"/>
+                    <a:pt x="5080" y="431"/>
+                  </a:cubicBezTo>
+                  <a:lnTo>
+                    <a:pt x="5410" y="1360"/>
+                  </a:lnTo>
+                  <a:lnTo>
+                    <a:pt x="161" y="5840"/>
+                  </a:lnTo>
+                  <a:cubicBezTo>
+                    <a:pt x="90" y="6130"/>
+                    <a:pt x="30" y="6420"/>
+                    <a:pt x="1" y="6719"/>
+                  </a:cubicBezTo>
+                  <a:lnTo>
+                    <a:pt x="5610" y="1930"/>
+                  </a:lnTo>
+                  <a:lnTo>
+                    <a:pt x="6480" y="4410"/>
+                  </a:lnTo>
+                  <a:lnTo>
+                    <a:pt x="210" y="9770"/>
+                  </a:lnTo>
+                  <a:cubicBezTo>
+                    <a:pt x="261" y="9970"/>
+                    <a:pt x="330" y="10159"/>
+                    <a:pt x="401" y="10350"/>
+                  </a:cubicBezTo>
+                  <a:lnTo>
+                    <a:pt x="6680" y="4980"/>
+                  </a:lnTo>
+                  <a:lnTo>
+                    <a:pt x="7550" y="7470"/>
+                  </a:lnTo>
+                  <a:lnTo>
+                    <a:pt x="1621" y="12539"/>
+                  </a:lnTo>
+                  <a:cubicBezTo>
+                    <a:pt x="1741" y="12679"/>
+                    <a:pt x="1861" y="12819"/>
+                    <a:pt x="1990" y="12959"/>
+                  </a:cubicBezTo>
+                  <a:lnTo>
+                    <a:pt x="4260" y="11009"/>
+                  </a:lnTo>
+                  <a:lnTo>
+                    <a:pt x="14659" y="11009"/>
+                  </a:lnTo>
+                  <a:cubicBezTo>
+                    <a:pt x="14739" y="10829"/>
+                    <a:pt x="14819" y="10639"/>
+                    <a:pt x="14899" y="10450"/>
+                  </a:cubicBezTo>
+                  <a:lnTo>
+                    <a:pt x="4920" y="10450"/>
+                  </a:lnTo>
+                  <a:lnTo>
+                    <a:pt x="7790" y="7999"/>
+                  </a:lnTo>
+                  <a:lnTo>
+                    <a:pt x="15389" y="7999"/>
+                  </a:lnTo>
+                  <a:lnTo>
+                    <a:pt x="15389" y="7719"/>
+                  </a:lnTo>
+                  <a:lnTo>
+                    <a:pt x="15389" y="7439"/>
+                  </a:lnTo>
+                  <a:lnTo>
+                    <a:pt x="14529" y="7439"/>
+                  </a:lnTo>
+                  <a:lnTo>
+                    <a:pt x="12519" y="1700"/>
+                  </a:lnTo>
+                  <a:cubicBezTo>
+                    <a:pt x="12269" y="1500"/>
+                    <a:pt x="11999" y="1310"/>
+                    <a:pt x="11729" y="1140"/>
+                  </a:cubicBezTo>
+                  <a:lnTo>
+                    <a:pt x="11729" y="1140"/>
+                  </a:lnTo>
+                  <a:lnTo>
+                    <a:pt x="13929" y="7439"/>
+                  </a:lnTo>
+                  <a:lnTo>
+                    <a:pt x="11329" y="7439"/>
+                  </a:lnTo>
+                  <a:lnTo>
+                    <a:pt x="8749" y="60"/>
+                  </a:lnTo>
+                  <a:cubicBezTo>
+                    <a:pt x="8540" y="31"/>
+                    <a:pt x="8340" y="11"/>
+                    <a:pt x="8129" y="0"/>
+                  </a:cubicBezTo>
+                  <a:close/>
+                </a:path>
+              </a:pathLst>
+            </a:custGeom>
+            <a:solidFill>
+              <a:schemeClr val="lt1"/>
+            </a:solidFill>
+            <a:ln>
+              <a:noFill/>
+            </a:ln>
+          </p:spPr>
+          <p:txBody>
+            <a:bodyPr anchorCtr="0" anchor="ctr" bIns="91425" lIns="91425" spcFirstLastPara="1" rIns="91425" wrap="square" tIns="91425">
+              <a:noAutofit/>
+            </a:bodyPr>
+            <a:lstStyle/>
+            <a:p>
+              <a:pPr indent="0" lvl="0" marL="0" rtl="0" algn="l">
+                <a:spcBef>
+                  <a:spcPts val="0"/>
+                </a:spcBef>
+                <a:spcAft>
+                  <a:spcPts val="0"/>
+                </a:spcAft>
+                <a:buNone/>
+              </a:pPr>
+              <a:r>
+                <a:t/>
+              </a:r>
+              <a:endParaRPr/>
+            </a:p>
+          </p:txBody>
+        </p:sp>
+      </p:grpSp>
+      <p:grpSp>
+        <p:nvGrpSpPr>
+          <p:cNvPr id="295" name="Google Shape;295;p29"/>
+          <p:cNvGrpSpPr/>
+          <p:nvPr/>
+        </p:nvGrpSpPr>
+        <p:grpSpPr>
+          <a:xfrm>
+            <a:off x="-287090" y="2362518"/>
+            <a:ext cx="542361" cy="542361"/>
+            <a:chOff x="-287090" y="2362518"/>
+            <a:chExt cx="542361" cy="542361"/>
+          </a:xfrm>
+        </p:grpSpPr>
+        <p:sp>
+          <p:nvSpPr>
+            <p:cNvPr id="296" name="Google Shape;296;p29"/>
+            <p:cNvSpPr/>
+            <p:nvPr/>
+          </p:nvSpPr>
+          <p:spPr>
+            <a:xfrm rot="-1532296">
+              <a:off x="-219282" y="2430325"/>
+              <a:ext cx="406747" cy="406747"/>
+            </a:xfrm>
+            <a:custGeom>
+              <a:rect b="b" l="l" r="r" t="t"/>
+              <a:pathLst>
+                <a:path extrusionOk="0" h="7931" w="7931">
+                  <a:moveTo>
+                    <a:pt x="3960" y="1"/>
+                  </a:moveTo>
+                  <a:cubicBezTo>
+                    <a:pt x="2800" y="1"/>
+                    <a:pt x="1751" y="511"/>
+                    <a:pt x="1031" y="1311"/>
+                  </a:cubicBezTo>
+                  <a:cubicBezTo>
+                    <a:pt x="901" y="1451"/>
+                    <a:pt x="781" y="1601"/>
+                    <a:pt x="671" y="1761"/>
+                  </a:cubicBezTo>
+                  <a:cubicBezTo>
+                    <a:pt x="251" y="2391"/>
+                    <a:pt x="1" y="3151"/>
+                    <a:pt x="1" y="3960"/>
+                  </a:cubicBezTo>
+                  <a:cubicBezTo>
+                    <a:pt x="1" y="4891"/>
+                    <a:pt x="321" y="5731"/>
+                    <a:pt x="841" y="6400"/>
+                  </a:cubicBezTo>
+                  <a:cubicBezTo>
+                    <a:pt x="971" y="6560"/>
+                    <a:pt x="1101" y="6710"/>
+                    <a:pt x="1251" y="6850"/>
+                  </a:cubicBezTo>
+                  <a:cubicBezTo>
+                    <a:pt x="1960" y="7520"/>
+                    <a:pt x="2911" y="7930"/>
+                    <a:pt x="3960" y="7930"/>
+                  </a:cubicBezTo>
+                  <a:cubicBezTo>
+                    <a:pt x="5250" y="7930"/>
+                    <a:pt x="6400" y="7310"/>
+                    <a:pt x="7120" y="6360"/>
+                  </a:cubicBezTo>
+                  <a:cubicBezTo>
+                    <a:pt x="7210" y="6240"/>
+                    <a:pt x="7290" y="6120"/>
+                    <a:pt x="7370" y="5991"/>
+                  </a:cubicBezTo>
+                  <a:cubicBezTo>
+                    <a:pt x="7720" y="5400"/>
+                    <a:pt x="7930" y="4700"/>
+                    <a:pt x="7930" y="3960"/>
+                  </a:cubicBezTo>
+                  <a:cubicBezTo>
+                    <a:pt x="7930" y="3291"/>
+                    <a:pt x="7760" y="2660"/>
+                    <a:pt x="7460" y="2111"/>
+                  </a:cubicBezTo>
+                  <a:cubicBezTo>
+                    <a:pt x="7390" y="1981"/>
+                    <a:pt x="7320" y="1851"/>
+                    <a:pt x="7230" y="1731"/>
+                  </a:cubicBezTo>
+                  <a:cubicBezTo>
+                    <a:pt x="6520" y="691"/>
+                    <a:pt x="5320" y="1"/>
+                    <a:pt x="3960" y="1"/>
+                  </a:cubicBezTo>
+                  <a:close/>
+                </a:path>
+              </a:pathLst>
+            </a:custGeom>
+            <a:solidFill>
+              <a:schemeClr val="lt1"/>
+            </a:solidFill>
+            <a:ln>
+              <a:noFill/>
+            </a:ln>
+          </p:spPr>
+          <p:txBody>
+            <a:bodyPr anchorCtr="0" anchor="ctr" bIns="91425" lIns="91425" spcFirstLastPara="1" rIns="91425" wrap="square" tIns="91425">
+              <a:noAutofit/>
+            </a:bodyPr>
+            <a:lstStyle/>
+            <a:p>
+              <a:pPr indent="0" lvl="0" marL="0" rtl="0" algn="l">
+                <a:spcBef>
+                  <a:spcPts val="0"/>
+                </a:spcBef>
+                <a:spcAft>
+                  <a:spcPts val="0"/>
+                </a:spcAft>
+                <a:buNone/>
+              </a:pPr>
+              <a:r>
+                <a:t/>
+              </a:r>
+              <a:endParaRPr/>
+            </a:p>
+          </p:txBody>
+        </p:sp>
+        <p:sp>
+          <p:nvSpPr>
+            <p:cNvPr id="297" name="Google Shape;297;p29"/>
+            <p:cNvSpPr/>
+            <p:nvPr/>
+          </p:nvSpPr>
+          <p:spPr>
             <a:xfrm rot="-1532296">
               <a:off x="-176079" y="2524730"/>
               <a:ext cx="209297" cy="284123"/>
@@ -32790,7 +32648,7 @@
         </p:sp>
         <p:sp>
           <p:nvSpPr>
-            <p:cNvPr id="295" name="Google Shape;295;p29"/>
+            <p:cNvPr id="298" name="Google Shape;298;p29"/>
             <p:cNvSpPr/>
             <p:nvPr/>
           </p:nvSpPr>
@@ -32871,7 +32729,7 @@
         </p:sp>
         <p:sp>
           <p:nvSpPr>
-            <p:cNvPr id="296" name="Google Shape;296;p29"/>
+            <p:cNvPr id="299" name="Google Shape;299;p29"/>
             <p:cNvSpPr/>
             <p:nvPr/>
           </p:nvSpPr>
@@ -33057,7 +32915,7 @@
         </p:sp>
         <p:sp>
           <p:nvSpPr>
-            <p:cNvPr id="297" name="Google Shape;297;p29"/>
+            <p:cNvPr id="300" name="Google Shape;300;p29"/>
             <p:cNvSpPr/>
             <p:nvPr/>
           </p:nvSpPr>
@@ -33210,7 +33068,7 @@
         </p:sp>
         <p:sp>
           <p:nvSpPr>
-            <p:cNvPr id="298" name="Google Shape;298;p29"/>
+            <p:cNvPr id="301" name="Google Shape;301;p29"/>
             <p:cNvSpPr/>
             <p:nvPr/>
           </p:nvSpPr>
@@ -33311,7 +33169,7 @@
       </p:grpSp>
       <p:sp>
         <p:nvSpPr>
-          <p:cNvPr id="299" name="Google Shape;299;p29"/>
+          <p:cNvPr id="302" name="Google Shape;302;p29"/>
           <p:cNvSpPr/>
           <p:nvPr/>
         </p:nvSpPr>
@@ -33396,7 +33254,7 @@
   <p:cSld>
     <p:spTree>
       <p:nvGrpSpPr>
-        <p:cNvPr id="303" name="Shape 303"/>
+        <p:cNvPr id="306" name="Shape 306"/>
         <p:cNvGrpSpPr/>
         <p:nvPr/>
       </p:nvGrpSpPr>
@@ -33410,7 +33268,7 @@
       </p:grpSpPr>
       <p:sp>
         <p:nvSpPr>
-          <p:cNvPr id="304" name="Google Shape;304;p30"/>
+          <p:cNvPr id="307" name="Google Shape;307;p30"/>
           <p:cNvSpPr txBox="1"/>
           <p:nvPr>
             <p:ph type="title"/>
@@ -33418,7 +33276,7 @@
         </p:nvSpPr>
         <p:spPr>
           <a:xfrm>
-            <a:off x="624475" y="282825"/>
+            <a:off x="720000" y="540000"/>
             <a:ext cx="7704000" cy="572700"/>
           </a:xfrm>
           <a:prstGeom prst="rect">
@@ -33442,206 +33300,199 @@
             </a:pPr>
             <a:r>
               <a:rPr lang="en"/>
-              <a:t>Influencer Classification by Follower Count</a:t>
+              <a:t>Athletes are dominating engagement</a:t>
             </a:r>
             <a:endParaRPr/>
           </a:p>
         </p:txBody>
       </p:sp>
-      <p:pic>
-        <p:nvPicPr>
-          <p:cNvPr id="305" name="Google Shape;305;p30"/>
-          <p:cNvPicPr preferRelativeResize="0"/>
-          <p:nvPr/>
-        </p:nvPicPr>
-        <p:blipFill>
-          <a:blip r:embed="rId3">
-            <a:alphaModFix/>
-          </a:blip>
-          <a:stretch>
-            <a:fillRect/>
-          </a:stretch>
-        </p:blipFill>
+      <p:sp>
+        <p:nvSpPr>
+          <p:cNvPr id="308" name="Google Shape;308;p30"/>
+          <p:cNvSpPr txBox="1"/>
+          <p:nvPr>
+            <p:ph idx="1" type="subTitle"/>
+          </p:nvPr>
+        </p:nvSpPr>
         <p:spPr>
           <a:xfrm>
-            <a:off x="1338125" y="1083325"/>
-            <a:ext cx="3725999" cy="3725999"/>
+            <a:off x="652350" y="1581225"/>
+            <a:ext cx="7839300" cy="2934900"/>
           </a:xfrm>
           <a:prstGeom prst="rect">
             <a:avLst/>
           </a:prstGeom>
-          <a:noFill/>
-          <a:ln>
-            <a:noFill/>
-          </a:ln>
         </p:spPr>
-      </p:pic>
-      <p:cxnSp>
-        <p:nvCxnSpPr>
-          <p:cNvPr id="306" name="Google Shape;306;p30"/>
-          <p:cNvCxnSpPr/>
-          <p:nvPr/>
-        </p:nvCxnSpPr>
-        <p:spPr>
-          <a:xfrm>
-            <a:off x="3470950" y="1695675"/>
-            <a:ext cx="2311200" cy="2100"/>
-          </a:xfrm>
-          <a:prstGeom prst="straightConnector1">
-            <a:avLst/>
-          </a:prstGeom>
-          <a:noFill/>
-          <a:ln cap="flat" cmpd="sng" w="28575">
-            <a:solidFill>
-              <a:schemeClr val="dk2"/>
-            </a:solidFill>
-            <a:prstDash val="solid"/>
-            <a:round/>
-            <a:headEnd len="med" w="med" type="none"/>
-            <a:tailEnd len="med" w="med" type="none"/>
-          </a:ln>
-        </p:spPr>
-      </p:cxnSp>
-      <p:cxnSp>
-        <p:nvCxnSpPr>
-          <p:cNvPr id="307" name="Google Shape;307;p30"/>
-          <p:cNvCxnSpPr/>
-          <p:nvPr/>
-        </p:nvCxnSpPr>
-        <p:spPr>
-          <a:xfrm>
-            <a:off x="3772225" y="2217375"/>
-            <a:ext cx="2060400" cy="1500"/>
-          </a:xfrm>
-          <a:prstGeom prst="straightConnector1">
-            <a:avLst/>
-          </a:prstGeom>
-          <a:noFill/>
-          <a:ln cap="flat" cmpd="sng" w="28575">
-            <a:solidFill>
-              <a:schemeClr val="dk2"/>
-            </a:solidFill>
-            <a:prstDash val="solid"/>
-            <a:round/>
-            <a:headEnd len="med" w="med" type="none"/>
-            <a:tailEnd len="med" w="med" type="none"/>
-          </a:ln>
-        </p:spPr>
-      </p:cxnSp>
-      <p:cxnSp>
-        <p:nvCxnSpPr>
-          <p:cNvPr id="308" name="Google Shape;308;p30"/>
-          <p:cNvCxnSpPr/>
-          <p:nvPr/>
-        </p:nvCxnSpPr>
-        <p:spPr>
-          <a:xfrm>
-            <a:off x="4066125" y="2812550"/>
-            <a:ext cx="1732800" cy="3000"/>
-          </a:xfrm>
-          <a:prstGeom prst="straightConnector1">
-            <a:avLst/>
-          </a:prstGeom>
-          <a:noFill/>
-          <a:ln cap="flat" cmpd="sng" w="28575">
-            <a:solidFill>
-              <a:schemeClr val="dk2"/>
-            </a:solidFill>
-            <a:prstDash val="solid"/>
-            <a:round/>
-            <a:headEnd len="med" w="med" type="none"/>
-            <a:tailEnd len="med" w="med" type="none"/>
-          </a:ln>
-        </p:spPr>
-      </p:cxnSp>
-      <p:cxnSp>
-        <p:nvCxnSpPr>
-          <p:cNvPr id="309" name="Google Shape;309;p30"/>
-          <p:cNvCxnSpPr/>
-          <p:nvPr/>
-        </p:nvCxnSpPr>
-        <p:spPr>
-          <a:xfrm flipH="1" rot="10800000">
-            <a:off x="4374800" y="3412075"/>
-            <a:ext cx="1474800" cy="3000"/>
-          </a:xfrm>
-          <a:prstGeom prst="straightConnector1">
-            <a:avLst/>
-          </a:prstGeom>
-          <a:noFill/>
-          <a:ln cap="flat" cmpd="sng" w="28575">
-            <a:solidFill>
-              <a:schemeClr val="dk2"/>
-            </a:solidFill>
-            <a:prstDash val="solid"/>
-            <a:round/>
-            <a:headEnd len="med" w="med" type="none"/>
-            <a:tailEnd len="med" w="med" type="none"/>
-          </a:ln>
-        </p:spPr>
-      </p:cxnSp>
-      <p:cxnSp>
-        <p:nvCxnSpPr>
-          <p:cNvPr id="310" name="Google Shape;310;p30"/>
-          <p:cNvCxnSpPr/>
-          <p:nvPr/>
-        </p:nvCxnSpPr>
-        <p:spPr>
-          <a:xfrm flipH="1" rot="10800000">
-            <a:off x="4683350" y="3933325"/>
-            <a:ext cx="1182900" cy="10800"/>
-          </a:xfrm>
-          <a:prstGeom prst="straightConnector1">
-            <a:avLst/>
-          </a:prstGeom>
-          <a:noFill/>
-          <a:ln cap="flat" cmpd="sng" w="28575">
-            <a:solidFill>
-              <a:schemeClr val="dk2"/>
-            </a:solidFill>
-            <a:prstDash val="solid"/>
-            <a:round/>
-            <a:headEnd len="med" w="med" type="none"/>
-            <a:tailEnd len="med" w="med" type="none"/>
-          </a:ln>
-        </p:spPr>
-      </p:cxnSp>
-      <p:cxnSp>
-        <p:nvCxnSpPr>
-          <p:cNvPr id="311" name="Google Shape;311;p30"/>
-          <p:cNvCxnSpPr/>
-          <p:nvPr/>
-        </p:nvCxnSpPr>
-        <p:spPr>
-          <a:xfrm flipH="1" rot="10800000">
-            <a:off x="4925825" y="4471050"/>
-            <a:ext cx="948900" cy="16800"/>
-          </a:xfrm>
-          <a:prstGeom prst="straightConnector1">
-            <a:avLst/>
-          </a:prstGeom>
-          <a:noFill/>
-          <a:ln cap="flat" cmpd="sng" w="28575">
-            <a:solidFill>
-              <a:schemeClr val="dk2"/>
-            </a:solidFill>
-            <a:prstDash val="solid"/>
-            <a:round/>
-            <a:headEnd len="med" w="med" type="none"/>
-            <a:tailEnd len="med" w="med" type="none"/>
-          </a:ln>
-        </p:spPr>
-      </p:cxnSp>
+        <p:txBody>
+          <a:bodyPr anchorCtr="0" anchor="ctr" bIns="91425" lIns="91425" spcFirstLastPara="1" rIns="91425" wrap="square" tIns="91425">
+            <a:noAutofit/>
+          </a:bodyPr>
+          <a:lstStyle/>
+          <a:p>
+            <a:pPr indent="0" lvl="0" marL="0" rtl="0" algn="ctr">
+              <a:spcBef>
+                <a:spcPts val="0"/>
+              </a:spcBef>
+              <a:spcAft>
+                <a:spcPts val="0"/>
+              </a:spcAft>
+              <a:buNone/>
+            </a:pPr>
+            <a:r>
+              <a:rPr b="1" lang="en" sz="1800" u="sng"/>
+              <a:t>Engagement Rate</a:t>
+            </a:r>
+            <a:r>
+              <a:rPr lang="en" sz="1800"/>
+              <a:t> =  </a:t>
+            </a:r>
+            <a:r>
+              <a:rPr b="1" lang="en" sz="1800"/>
+              <a:t>Interactions (Likes, Comments, Shares)</a:t>
+            </a:r>
+            <a:r>
+              <a:rPr lang="en" sz="1800"/>
+              <a:t> </a:t>
+            </a:r>
+            <a:endParaRPr b="1" sz="1800"/>
+          </a:p>
+          <a:p>
+            <a:pPr indent="0" lvl="0" marL="0" rtl="0" algn="l">
+              <a:spcBef>
+                <a:spcPts val="0"/>
+              </a:spcBef>
+              <a:spcAft>
+                <a:spcPts val="0"/>
+              </a:spcAft>
+              <a:buNone/>
+            </a:pPr>
+            <a:r>
+              <a:t/>
+            </a:r>
+            <a:endParaRPr sz="1800"/>
+          </a:p>
+          <a:p>
+            <a:pPr indent="0" lvl="0" marL="0" rtl="0" algn="ctr">
+              <a:spcBef>
+                <a:spcPts val="0"/>
+              </a:spcBef>
+              <a:spcAft>
+                <a:spcPts val="0"/>
+              </a:spcAft>
+              <a:buNone/>
+            </a:pPr>
+            <a:r>
+              <a:t/>
+            </a:r>
+            <a:endParaRPr b="1" sz="2000" u="sng"/>
+          </a:p>
+          <a:p>
+            <a:pPr indent="0" lvl="0" marL="0" rtl="0" algn="l">
+              <a:spcBef>
+                <a:spcPts val="0"/>
+              </a:spcBef>
+              <a:spcAft>
+                <a:spcPts val="0"/>
+              </a:spcAft>
+              <a:buNone/>
+            </a:pPr>
+            <a:r>
+              <a:t/>
+            </a:r>
+            <a:endParaRPr b="1" sz="2000" u="sng"/>
+          </a:p>
+          <a:p>
+            <a:pPr indent="0" lvl="0" marL="0" rtl="0" algn="l">
+              <a:spcBef>
+                <a:spcPts val="0"/>
+              </a:spcBef>
+              <a:spcAft>
+                <a:spcPts val="0"/>
+              </a:spcAft>
+              <a:buNone/>
+            </a:pPr>
+            <a:r>
+              <a:t/>
+            </a:r>
+            <a:endParaRPr b="1" sz="2000" u="sng"/>
+          </a:p>
+          <a:p>
+            <a:pPr indent="0" lvl="0" marL="0" rtl="0" algn="l">
+              <a:spcBef>
+                <a:spcPts val="0"/>
+              </a:spcBef>
+              <a:spcAft>
+                <a:spcPts val="0"/>
+              </a:spcAft>
+              <a:buNone/>
+            </a:pPr>
+            <a:r>
+              <a:t/>
+            </a:r>
+            <a:endParaRPr b="1" sz="2000" u="sng"/>
+          </a:p>
+          <a:p>
+            <a:pPr indent="0" lvl="0" marL="0" rtl="0" algn="l">
+              <a:spcBef>
+                <a:spcPts val="0"/>
+              </a:spcBef>
+              <a:spcAft>
+                <a:spcPts val="0"/>
+              </a:spcAft>
+              <a:buNone/>
+            </a:pPr>
+            <a:r>
+              <a:t/>
+            </a:r>
+            <a:endParaRPr b="1" sz="2000" u="sng"/>
+          </a:p>
+          <a:p>
+            <a:pPr indent="0" lvl="0" marL="0" rtl="0" algn="l">
+              <a:spcBef>
+                <a:spcPts val="0"/>
+              </a:spcBef>
+              <a:spcAft>
+                <a:spcPts val="0"/>
+              </a:spcAft>
+              <a:buNone/>
+            </a:pPr>
+            <a:r>
+              <a:t/>
+            </a:r>
+            <a:endParaRPr b="1" sz="2000" u="sng"/>
+          </a:p>
+          <a:p>
+            <a:pPr indent="0" lvl="0" marL="0" rtl="0" algn="ctr">
+              <a:spcBef>
+                <a:spcPts val="0"/>
+              </a:spcBef>
+              <a:spcAft>
+                <a:spcPts val="0"/>
+              </a:spcAft>
+              <a:buNone/>
+            </a:pPr>
+            <a:r>
+              <a:rPr b="1" lang="en" sz="1800"/>
+              <a:t>More Engagement = More Payment per Post</a:t>
+            </a:r>
+            <a:r>
+              <a:rPr lang="en" sz="1800"/>
+              <a:t>… Right?</a:t>
+            </a:r>
+            <a:endParaRPr sz="1800"/>
+          </a:p>
+        </p:txBody>
+      </p:sp>
       <p:sp>
         <p:nvSpPr>
-          <p:cNvPr id="312" name="Google Shape;312;p30"/>
+          <p:cNvPr id="309" name="Google Shape;309;p30"/>
           <p:cNvSpPr txBox="1"/>
           <p:nvPr/>
         </p:nvSpPr>
         <p:spPr>
           <a:xfrm>
-            <a:off x="5925150" y="1403475"/>
-            <a:ext cx="1741200" cy="294300"/>
+            <a:off x="121100" y="4608575"/>
+            <a:ext cx="3620400" cy="336900"/>
           </a:xfrm>
           <a:prstGeom prst="rect">
             <a:avLst/>
@@ -33667,7 +33518,7 @@
               <a:buNone/>
             </a:pPr>
             <a:r>
-              <a:rPr lang="en" sz="1600">
+              <a:rPr lang="en" sz="1200">
                 <a:solidFill>
                   <a:schemeClr val="accent1"/>
                 </a:solidFill>
@@ -33676,9 +33527,9 @@
                 <a:cs typeface="Roboto Condensed"/>
                 <a:sym typeface="Roboto Condensed"/>
               </a:rPr>
-              <a:t>Mega (1 Million +)</a:t>
+              <a:t>Source: Sports Business Journal</a:t>
             </a:r>
-            <a:endParaRPr sz="1600">
+            <a:endParaRPr sz="1100">
               <a:solidFill>
                 <a:schemeClr val="accent1"/>
               </a:solidFill>
@@ -33692,14 +33543,242 @@
       </p:sp>
       <p:sp>
         <p:nvSpPr>
+          <p:cNvPr id="310" name="Google Shape;310;p30"/>
+          <p:cNvSpPr/>
+          <p:nvPr/>
+        </p:nvSpPr>
+        <p:spPr>
+          <a:xfrm>
+            <a:off x="4673950" y="2288050"/>
+            <a:ext cx="2411100" cy="1622100"/>
+          </a:xfrm>
+          <a:prstGeom prst="ellipse">
+            <a:avLst/>
+          </a:prstGeom>
+          <a:solidFill>
+            <a:schemeClr val="accent6"/>
+          </a:solidFill>
+          <a:ln cap="flat" cmpd="sng" w="9525">
+            <a:solidFill>
+              <a:schemeClr val="dk2"/>
+            </a:solidFill>
+            <a:prstDash val="solid"/>
+            <a:round/>
+            <a:headEnd len="sm" w="sm" type="none"/>
+            <a:tailEnd len="sm" w="sm" type="none"/>
+          </a:ln>
+        </p:spPr>
+        <p:txBody>
+          <a:bodyPr anchorCtr="0" anchor="ctr" bIns="91425" lIns="91425" spcFirstLastPara="1" rIns="91425" wrap="square" tIns="91425">
+            <a:noAutofit/>
+          </a:bodyPr>
+          <a:lstStyle/>
+          <a:p>
+            <a:pPr indent="0" lvl="0" marL="0" rtl="0" algn="ctr">
+              <a:lnSpc>
+                <a:spcPct val="115000"/>
+              </a:lnSpc>
+              <a:spcBef>
+                <a:spcPts val="0"/>
+              </a:spcBef>
+              <a:spcAft>
+                <a:spcPts val="0"/>
+              </a:spcAft>
+              <a:buNone/>
+            </a:pPr>
+            <a:r>
+              <a:rPr b="1" lang="en" sz="1700">
+                <a:solidFill>
+                  <a:schemeClr val="accent2"/>
+                </a:solidFill>
+                <a:latin typeface="Roboto Condensed"/>
+                <a:ea typeface="Roboto Condensed"/>
+                <a:cs typeface="Roboto Condensed"/>
+                <a:sym typeface="Roboto Condensed"/>
+              </a:rPr>
+              <a:t>Average among Student-Athletes </a:t>
+            </a:r>
+            <a:r>
+              <a:rPr b="1" lang="en" sz="2600" u="sng">
+                <a:solidFill>
+                  <a:schemeClr val="accent2"/>
+                </a:solidFill>
+                <a:latin typeface="Roboto Condensed"/>
+                <a:ea typeface="Roboto Condensed"/>
+                <a:cs typeface="Roboto Condensed"/>
+                <a:sym typeface="Roboto Condensed"/>
+              </a:rPr>
+              <a:t>5.5%</a:t>
+            </a:r>
+            <a:endParaRPr b="1" sz="2600" u="sng">
+              <a:solidFill>
+                <a:schemeClr val="accent2"/>
+              </a:solidFill>
+              <a:latin typeface="Roboto Condensed"/>
+              <a:ea typeface="Roboto Condensed"/>
+              <a:cs typeface="Roboto Condensed"/>
+              <a:sym typeface="Roboto Condensed"/>
+            </a:endParaRPr>
+          </a:p>
+          <a:p>
+            <a:pPr indent="0" lvl="0" marL="0" rtl="0" algn="ctr">
+              <a:spcBef>
+                <a:spcPts val="0"/>
+              </a:spcBef>
+              <a:spcAft>
+                <a:spcPts val="0"/>
+              </a:spcAft>
+              <a:buNone/>
+            </a:pPr>
+            <a:r>
+              <a:t/>
+            </a:r>
+            <a:endParaRPr>
+              <a:latin typeface="Roboto Condensed"/>
+              <a:ea typeface="Roboto Condensed"/>
+              <a:cs typeface="Roboto Condensed"/>
+              <a:sym typeface="Roboto Condensed"/>
+            </a:endParaRPr>
+          </a:p>
+        </p:txBody>
+      </p:sp>
+      <p:sp>
+        <p:nvSpPr>
+          <p:cNvPr id="311" name="Google Shape;311;p30"/>
+          <p:cNvSpPr/>
+          <p:nvPr/>
+        </p:nvSpPr>
+        <p:spPr>
+          <a:xfrm>
+            <a:off x="1899400" y="2288050"/>
+            <a:ext cx="2328900" cy="1622100"/>
+          </a:xfrm>
+          <a:prstGeom prst="ellipse">
+            <a:avLst/>
+          </a:prstGeom>
+          <a:solidFill>
+            <a:schemeClr val="accent6"/>
+          </a:solidFill>
+          <a:ln cap="flat" cmpd="sng" w="9525">
+            <a:solidFill>
+              <a:schemeClr val="dk2"/>
+            </a:solidFill>
+            <a:prstDash val="solid"/>
+            <a:round/>
+            <a:headEnd len="sm" w="sm" type="none"/>
+            <a:tailEnd len="sm" w="sm" type="none"/>
+          </a:ln>
+        </p:spPr>
+        <p:txBody>
+          <a:bodyPr anchorCtr="0" anchor="ctr" bIns="91425" lIns="91425" spcFirstLastPara="1" rIns="91425" wrap="square" tIns="91425">
+            <a:noAutofit/>
+          </a:bodyPr>
+          <a:lstStyle/>
+          <a:p>
+            <a:pPr indent="0" lvl="0" marL="0" rtl="0" algn="ctr">
+              <a:lnSpc>
+                <a:spcPct val="115000"/>
+              </a:lnSpc>
+              <a:spcBef>
+                <a:spcPts val="0"/>
+              </a:spcBef>
+              <a:spcAft>
+                <a:spcPts val="0"/>
+              </a:spcAft>
+              <a:buNone/>
+            </a:pPr>
+            <a:r>
+              <a:rPr b="1" lang="en" sz="1700">
+                <a:solidFill>
+                  <a:schemeClr val="accent2"/>
+                </a:solidFill>
+                <a:latin typeface="Roboto Condensed"/>
+                <a:ea typeface="Roboto Condensed"/>
+                <a:cs typeface="Roboto Condensed"/>
+                <a:sym typeface="Roboto Condensed"/>
+              </a:rPr>
+              <a:t>Average among Influencers </a:t>
+            </a:r>
+            <a:r>
+              <a:rPr b="1" lang="en" sz="2600" u="sng">
+                <a:solidFill>
+                  <a:schemeClr val="accent2"/>
+                </a:solidFill>
+                <a:latin typeface="Roboto Condensed"/>
+                <a:ea typeface="Roboto Condensed"/>
+                <a:cs typeface="Roboto Condensed"/>
+                <a:sym typeface="Roboto Condensed"/>
+              </a:rPr>
+              <a:t>1-3%</a:t>
+            </a:r>
+            <a:endParaRPr b="1" sz="2600" u="sng">
+              <a:solidFill>
+                <a:schemeClr val="accent2"/>
+              </a:solidFill>
+              <a:latin typeface="Roboto Condensed"/>
+              <a:ea typeface="Roboto Condensed"/>
+              <a:cs typeface="Roboto Condensed"/>
+              <a:sym typeface="Roboto Condensed"/>
+            </a:endParaRPr>
+          </a:p>
+          <a:p>
+            <a:pPr indent="0" lvl="0" marL="0" rtl="0" algn="ctr">
+              <a:spcBef>
+                <a:spcPts val="0"/>
+              </a:spcBef>
+              <a:spcAft>
+                <a:spcPts val="0"/>
+              </a:spcAft>
+              <a:buNone/>
+            </a:pPr>
+            <a:r>
+              <a:t/>
+            </a:r>
+            <a:endParaRPr>
+              <a:latin typeface="Roboto Condensed"/>
+              <a:ea typeface="Roboto Condensed"/>
+              <a:cs typeface="Roboto Condensed"/>
+              <a:sym typeface="Roboto Condensed"/>
+            </a:endParaRPr>
+          </a:p>
+        </p:txBody>
+      </p:sp>
+      <p:cxnSp>
+        <p:nvCxnSpPr>
+          <p:cNvPr id="312" name="Google Shape;312;p30"/>
+          <p:cNvCxnSpPr/>
+          <p:nvPr/>
+        </p:nvCxnSpPr>
+        <p:spPr>
+          <a:xfrm>
+            <a:off x="3697950" y="1823775"/>
+            <a:ext cx="3622200" cy="0"/>
+          </a:xfrm>
+          <a:prstGeom prst="straightConnector1">
+            <a:avLst/>
+          </a:prstGeom>
+          <a:noFill/>
+          <a:ln cap="flat" cmpd="sng" w="76200">
+            <a:solidFill>
+              <a:schemeClr val="dk2"/>
+            </a:solidFill>
+            <a:prstDash val="solid"/>
+            <a:round/>
+            <a:headEnd len="med" w="med" type="none"/>
+            <a:tailEnd len="med" w="med" type="none"/>
+          </a:ln>
+        </p:spPr>
+      </p:cxnSp>
+      <p:sp>
+        <p:nvSpPr>
           <p:cNvPr id="313" name="Google Shape;313;p30"/>
           <p:cNvSpPr txBox="1"/>
           <p:nvPr/>
         </p:nvSpPr>
         <p:spPr>
           <a:xfrm>
-            <a:off x="5925150" y="1984500"/>
-            <a:ext cx="2311200" cy="294300"/>
+            <a:off x="4605600" y="1806950"/>
+            <a:ext cx="1806900" cy="336900"/>
           </a:xfrm>
           <a:prstGeom prst="rect">
             <a:avLst/>
@@ -33715,7 +33794,7 @@
           </a:bodyPr>
           <a:lstStyle/>
           <a:p>
-            <a:pPr indent="0" lvl="0" marL="0" rtl="0" algn="l">
+            <a:pPr indent="0" lvl="0" marL="0" rtl="0" algn="ctr">
               <a:spcBef>
                 <a:spcPts val="0"/>
               </a:spcBef>
@@ -33725,7 +33804,7 @@
               <a:buNone/>
             </a:pPr>
             <a:r>
-              <a:rPr lang="en" sz="1600">
+              <a:rPr b="1" lang="en" sz="1600">
                 <a:solidFill>
                   <a:schemeClr val="accent1"/>
                 </a:solidFill>
@@ -33734,241 +33813,9 @@
                 <a:cs typeface="Roboto Condensed"/>
                 <a:sym typeface="Roboto Condensed"/>
               </a:rPr>
-              <a:t>Macro (500k - 1 Million)</a:t>
+              <a:t>Followers</a:t>
             </a:r>
-            <a:endParaRPr sz="1600">
-              <a:solidFill>
-                <a:schemeClr val="accent1"/>
-              </a:solidFill>
-              <a:latin typeface="Roboto Condensed"/>
-              <a:ea typeface="Roboto Condensed"/>
-              <a:cs typeface="Roboto Condensed"/>
-              <a:sym typeface="Roboto Condensed"/>
-            </a:endParaRPr>
-          </a:p>
-        </p:txBody>
-      </p:sp>
-      <p:sp>
-        <p:nvSpPr>
-          <p:cNvPr id="314" name="Google Shape;314;p30"/>
-          <p:cNvSpPr txBox="1"/>
-          <p:nvPr/>
-        </p:nvSpPr>
-        <p:spPr>
-          <a:xfrm>
-            <a:off x="5925150" y="2565525"/>
-            <a:ext cx="2025300" cy="294300"/>
-          </a:xfrm>
-          <a:prstGeom prst="rect">
-            <a:avLst/>
-          </a:prstGeom>
-          <a:noFill/>
-          <a:ln>
-            <a:noFill/>
-          </a:ln>
-        </p:spPr>
-        <p:txBody>
-          <a:bodyPr anchorCtr="0" anchor="t" bIns="91425" lIns="91425" spcFirstLastPara="1" rIns="91425" wrap="square" tIns="91425">
-            <a:noAutofit/>
-          </a:bodyPr>
-          <a:lstStyle/>
-          <a:p>
-            <a:pPr indent="0" lvl="0" marL="0" rtl="0" algn="l">
-              <a:spcBef>
-                <a:spcPts val="0"/>
-              </a:spcBef>
-              <a:spcAft>
-                <a:spcPts val="0"/>
-              </a:spcAft>
-              <a:buNone/>
-            </a:pPr>
-            <a:r>
-              <a:rPr lang="en" sz="1600">
-                <a:solidFill>
-                  <a:schemeClr val="accent1"/>
-                </a:solidFill>
-                <a:latin typeface="Roboto Condensed"/>
-                <a:ea typeface="Roboto Condensed"/>
-                <a:cs typeface="Roboto Condensed"/>
-                <a:sym typeface="Roboto Condensed"/>
-              </a:rPr>
-              <a:t>Mid-tier (50k - 500k)</a:t>
-            </a:r>
-            <a:endParaRPr sz="1600">
-              <a:solidFill>
-                <a:schemeClr val="accent1"/>
-              </a:solidFill>
-              <a:latin typeface="Roboto Condensed"/>
-              <a:ea typeface="Roboto Condensed"/>
-              <a:cs typeface="Roboto Condensed"/>
-              <a:sym typeface="Roboto Condensed"/>
-            </a:endParaRPr>
-          </a:p>
-        </p:txBody>
-      </p:sp>
-      <p:sp>
-        <p:nvSpPr>
-          <p:cNvPr id="315" name="Google Shape;315;p30"/>
-          <p:cNvSpPr txBox="1"/>
-          <p:nvPr/>
-        </p:nvSpPr>
-        <p:spPr>
-          <a:xfrm>
-            <a:off x="5925150" y="3146550"/>
-            <a:ext cx="2025300" cy="294300"/>
-          </a:xfrm>
-          <a:prstGeom prst="rect">
-            <a:avLst/>
-          </a:prstGeom>
-          <a:noFill/>
-          <a:ln>
-            <a:noFill/>
-          </a:ln>
-        </p:spPr>
-        <p:txBody>
-          <a:bodyPr anchorCtr="0" anchor="t" bIns="91425" lIns="91425" spcFirstLastPara="1" rIns="91425" wrap="square" tIns="91425">
-            <a:noAutofit/>
-          </a:bodyPr>
-          <a:lstStyle/>
-          <a:p>
-            <a:pPr indent="0" lvl="0" marL="0" rtl="0" algn="l">
-              <a:spcBef>
-                <a:spcPts val="0"/>
-              </a:spcBef>
-              <a:spcAft>
-                <a:spcPts val="0"/>
-              </a:spcAft>
-              <a:buNone/>
-            </a:pPr>
-            <a:r>
-              <a:rPr lang="en" sz="1600">
-                <a:solidFill>
-                  <a:schemeClr val="accent1"/>
-                </a:solidFill>
-                <a:latin typeface="Roboto Condensed"/>
-                <a:ea typeface="Roboto Condensed"/>
-                <a:cs typeface="Roboto Condensed"/>
-                <a:sym typeface="Roboto Condensed"/>
-              </a:rPr>
-              <a:t>Micro (10k - 50k)</a:t>
-            </a:r>
-            <a:endParaRPr sz="1600">
-              <a:solidFill>
-                <a:schemeClr val="accent1"/>
-              </a:solidFill>
-              <a:latin typeface="Roboto Condensed"/>
-              <a:ea typeface="Roboto Condensed"/>
-              <a:cs typeface="Roboto Condensed"/>
-              <a:sym typeface="Roboto Condensed"/>
-            </a:endParaRPr>
-          </a:p>
-        </p:txBody>
-      </p:sp>
-      <p:sp>
-        <p:nvSpPr>
-          <p:cNvPr id="316" name="Google Shape;316;p30"/>
-          <p:cNvSpPr txBox="1"/>
-          <p:nvPr/>
-        </p:nvSpPr>
-        <p:spPr>
-          <a:xfrm>
-            <a:off x="5925150" y="3649825"/>
-            <a:ext cx="2025300" cy="294300"/>
-          </a:xfrm>
-          <a:prstGeom prst="rect">
-            <a:avLst/>
-          </a:prstGeom>
-          <a:noFill/>
-          <a:ln>
-            <a:noFill/>
-          </a:ln>
-        </p:spPr>
-        <p:txBody>
-          <a:bodyPr anchorCtr="0" anchor="t" bIns="91425" lIns="91425" spcFirstLastPara="1" rIns="91425" wrap="square" tIns="91425">
-            <a:noAutofit/>
-          </a:bodyPr>
-          <a:lstStyle/>
-          <a:p>
-            <a:pPr indent="0" lvl="0" marL="0" rtl="0" algn="l">
-              <a:spcBef>
-                <a:spcPts val="0"/>
-              </a:spcBef>
-              <a:spcAft>
-                <a:spcPts val="0"/>
-              </a:spcAft>
-              <a:buNone/>
-            </a:pPr>
-            <a:r>
-              <a:rPr lang="en" sz="1600">
-                <a:solidFill>
-                  <a:schemeClr val="accent1"/>
-                </a:solidFill>
-                <a:latin typeface="Roboto Condensed"/>
-                <a:ea typeface="Roboto Condensed"/>
-                <a:cs typeface="Roboto Condensed"/>
-                <a:sym typeface="Roboto Condensed"/>
-              </a:rPr>
-              <a:t>Nano (1k - 10k)</a:t>
-            </a:r>
-            <a:endParaRPr sz="1600">
-              <a:solidFill>
-                <a:schemeClr val="accent1"/>
-              </a:solidFill>
-              <a:latin typeface="Roboto Condensed"/>
-              <a:ea typeface="Roboto Condensed"/>
-              <a:cs typeface="Roboto Condensed"/>
-              <a:sym typeface="Roboto Condensed"/>
-            </a:endParaRPr>
-          </a:p>
-        </p:txBody>
-      </p:sp>
-      <p:sp>
-        <p:nvSpPr>
-          <p:cNvPr id="317" name="Google Shape;317;p30"/>
-          <p:cNvSpPr txBox="1"/>
-          <p:nvPr/>
-        </p:nvSpPr>
-        <p:spPr>
-          <a:xfrm>
-            <a:off x="5925150" y="4220325"/>
-            <a:ext cx="3000000" cy="431100"/>
-          </a:xfrm>
-          <a:prstGeom prst="rect">
-            <a:avLst/>
-          </a:prstGeom>
-          <a:noFill/>
-          <a:ln>
-            <a:noFill/>
-          </a:ln>
-        </p:spPr>
-        <p:txBody>
-          <a:bodyPr anchorCtr="0" anchor="t" bIns="91425" lIns="91425" spcFirstLastPara="1" rIns="91425" wrap="square" tIns="91425">
-            <a:spAutoFit/>
-          </a:bodyPr>
-          <a:lstStyle/>
-          <a:p>
-            <a:pPr indent="0" lvl="0" marL="0" rtl="0" algn="l">
-              <a:spcBef>
-                <a:spcPts val="0"/>
-              </a:spcBef>
-              <a:spcAft>
-                <a:spcPts val="0"/>
-              </a:spcAft>
-              <a:buNone/>
-            </a:pPr>
-            <a:r>
-              <a:rPr lang="en" sz="1600">
-                <a:solidFill>
-                  <a:schemeClr val="accent1"/>
-                </a:solidFill>
-                <a:latin typeface="Roboto Condensed"/>
-                <a:ea typeface="Roboto Condensed"/>
-                <a:cs typeface="Roboto Condensed"/>
-                <a:sym typeface="Roboto Condensed"/>
-              </a:rPr>
-              <a:t>Other (&lt;1k)</a:t>
-            </a:r>
-            <a:endParaRPr sz="1600">
+            <a:endParaRPr b="1" sz="1600">
               <a:solidFill>
                 <a:schemeClr val="accent1"/>
               </a:solidFill>
@@ -33993,7 +33840,7 @@
   <p:cSld>
     <p:spTree>
       <p:nvGrpSpPr>
-        <p:cNvPr id="321" name="Shape 321"/>
+        <p:cNvPr id="317" name="Shape 317"/>
         <p:cNvGrpSpPr/>
         <p:nvPr/>
       </p:nvGrpSpPr>
@@ -34007,7 +33854,7 @@
       </p:grpSpPr>
       <p:sp>
         <p:nvSpPr>
-          <p:cNvPr id="322" name="Google Shape;322;p31"/>
+          <p:cNvPr id="318" name="Google Shape;318;p31"/>
           <p:cNvSpPr txBox="1"/>
           <p:nvPr>
             <p:ph type="title"/>
@@ -34039,50 +33886,22 @@
             </a:pPr>
             <a:r>
               <a:rPr lang="en"/>
-              <a:t>How much are influencers charging for instagram posts?</a:t>
+              <a:t>NIL athletes are underpaid by 76%</a:t>
             </a:r>
             <a:endParaRPr/>
           </a:p>
         </p:txBody>
       </p:sp>
-      <p:pic>
-        <p:nvPicPr>
-          <p:cNvPr id="323" name="Google Shape;323;p31"/>
-          <p:cNvPicPr preferRelativeResize="0"/>
-          <p:nvPr/>
-        </p:nvPicPr>
-        <p:blipFill>
-          <a:blip r:embed="rId3">
-            <a:alphaModFix/>
-          </a:blip>
-          <a:stretch>
-            <a:fillRect/>
-          </a:stretch>
-        </p:blipFill>
-        <p:spPr>
-          <a:xfrm>
-            <a:off x="597275" y="1510850"/>
-            <a:ext cx="7949451" cy="3197550"/>
-          </a:xfrm>
-          <a:prstGeom prst="rect">
-            <a:avLst/>
-          </a:prstGeom>
-          <a:noFill/>
-          <a:ln>
-            <a:noFill/>
-          </a:ln>
-        </p:spPr>
-      </p:pic>
       <p:sp>
         <p:nvSpPr>
-          <p:cNvPr id="324" name="Google Shape;324;p31"/>
+          <p:cNvPr id="319" name="Google Shape;319;p31"/>
           <p:cNvSpPr txBox="1"/>
           <p:nvPr/>
         </p:nvSpPr>
         <p:spPr>
           <a:xfrm>
-            <a:off x="7068100" y="4820400"/>
-            <a:ext cx="3714600" cy="323100"/>
+            <a:off x="7122250" y="0"/>
+            <a:ext cx="2492100" cy="323100"/>
           </a:xfrm>
           <a:prstGeom prst="rect">
             <a:avLst/>
@@ -34131,6 +33950,34 @@
           </a:p>
         </p:txBody>
       </p:sp>
+      <p:pic>
+        <p:nvPicPr>
+          <p:cNvPr id="320" name="Google Shape;320;p31"/>
+          <p:cNvPicPr preferRelativeResize="0"/>
+          <p:nvPr/>
+        </p:nvPicPr>
+        <p:blipFill>
+          <a:blip r:embed="rId3">
+            <a:alphaModFix/>
+          </a:blip>
+          <a:stretch>
+            <a:fillRect/>
+          </a:stretch>
+        </p:blipFill>
+        <p:spPr>
+          <a:xfrm>
+            <a:off x="1681325" y="890525"/>
+            <a:ext cx="5781350" cy="4118375"/>
+          </a:xfrm>
+          <a:prstGeom prst="rect">
+            <a:avLst/>
+          </a:prstGeom>
+          <a:noFill/>
+          <a:ln>
+            <a:noFill/>
+          </a:ln>
+        </p:spPr>
+      </p:pic>
     </p:spTree>
   </p:cSld>
   <p:clrMapOvr>
@@ -34144,7 +33991,7 @@
   <p:cSld>
     <p:spTree>
       <p:nvGrpSpPr>
-        <p:cNvPr id="328" name="Shape 328"/>
+        <p:cNvPr id="324" name="Shape 324"/>
         <p:cNvGrpSpPr/>
         <p:nvPr/>
       </p:nvGrpSpPr>
@@ -34158,480 +34005,7 @@
       </p:grpSpPr>
       <p:sp>
         <p:nvSpPr>
-          <p:cNvPr id="329" name="Google Shape;329;p32"/>
-          <p:cNvSpPr txBox="1"/>
-          <p:nvPr>
-            <p:ph type="title"/>
-          </p:nvPr>
-        </p:nvSpPr>
-        <p:spPr>
-          <a:xfrm>
-            <a:off x="624475" y="282825"/>
-            <a:ext cx="7704000" cy="572700"/>
-          </a:xfrm>
-          <a:prstGeom prst="rect">
-            <a:avLst/>
-          </a:prstGeom>
-        </p:spPr>
-        <p:txBody>
-          <a:bodyPr anchorCtr="0" anchor="t" bIns="91425" lIns="91425" spcFirstLastPara="1" rIns="91425" wrap="square" tIns="91425">
-            <a:noAutofit/>
-          </a:bodyPr>
-          <a:lstStyle/>
-          <a:p>
-            <a:pPr indent="0" lvl="0" marL="0" rtl="0" algn="ctr">
-              <a:spcBef>
-                <a:spcPts val="0"/>
-              </a:spcBef>
-              <a:spcAft>
-                <a:spcPts val="0"/>
-              </a:spcAft>
-              <a:buNone/>
-            </a:pPr>
-            <a:r>
-              <a:rPr lang="en"/>
-              <a:t>NIL </a:t>
-            </a:r>
-            <a:r>
-              <a:rPr lang="en"/>
-              <a:t>Athletes</a:t>
-            </a:r>
-            <a:r>
-              <a:rPr lang="en"/>
-              <a:t> vs Regular Influencers</a:t>
-            </a:r>
-            <a:endParaRPr/>
-          </a:p>
-        </p:txBody>
-      </p:sp>
-      <p:pic>
-        <p:nvPicPr>
-          <p:cNvPr id="330" name="Google Shape;330;p32"/>
-          <p:cNvPicPr preferRelativeResize="0"/>
-          <p:nvPr/>
-        </p:nvPicPr>
-        <p:blipFill>
-          <a:blip r:embed="rId3">
-            <a:alphaModFix/>
-          </a:blip>
-          <a:stretch>
-            <a:fillRect/>
-          </a:stretch>
-        </p:blipFill>
-        <p:spPr>
-          <a:xfrm>
-            <a:off x="1100588" y="964775"/>
-            <a:ext cx="6942827" cy="3983176"/>
-          </a:xfrm>
-          <a:prstGeom prst="rect">
-            <a:avLst/>
-          </a:prstGeom>
-          <a:noFill/>
-          <a:ln>
-            <a:noFill/>
-          </a:ln>
-        </p:spPr>
-      </p:pic>
-      <p:sp>
-        <p:nvSpPr>
-          <p:cNvPr id="331" name="Google Shape;331;p32"/>
-          <p:cNvSpPr txBox="1"/>
-          <p:nvPr/>
-        </p:nvSpPr>
-        <p:spPr>
-          <a:xfrm>
-            <a:off x="6055775" y="1773950"/>
-            <a:ext cx="690300" cy="244800"/>
-          </a:xfrm>
-          <a:prstGeom prst="rect">
-            <a:avLst/>
-          </a:prstGeom>
-          <a:noFill/>
-          <a:ln>
-            <a:noFill/>
-          </a:ln>
-        </p:spPr>
-        <p:txBody>
-          <a:bodyPr anchorCtr="0" anchor="t" bIns="91425" lIns="91425" spcFirstLastPara="1" rIns="91425" wrap="square" tIns="91425">
-            <a:noAutofit/>
-          </a:bodyPr>
-          <a:lstStyle/>
-          <a:p>
-            <a:pPr indent="0" lvl="0" marL="0" rtl="0" algn="l">
-              <a:spcBef>
-                <a:spcPts val="0"/>
-              </a:spcBef>
-              <a:spcAft>
-                <a:spcPts val="0"/>
-              </a:spcAft>
-              <a:buNone/>
-            </a:pPr>
-            <a:r>
-              <a:rPr lang="en" sz="600">
-                <a:solidFill>
-                  <a:schemeClr val="accent2"/>
-                </a:solidFill>
-                <a:latin typeface="Roboto Condensed"/>
-                <a:ea typeface="Roboto Condensed"/>
-                <a:cs typeface="Roboto Condensed"/>
-                <a:sym typeface="Roboto Condensed"/>
-              </a:rPr>
-              <a:t>Mega Influencer</a:t>
-            </a:r>
-            <a:endParaRPr sz="600">
-              <a:solidFill>
-                <a:schemeClr val="accent2"/>
-              </a:solidFill>
-              <a:latin typeface="Roboto Condensed"/>
-              <a:ea typeface="Roboto Condensed"/>
-              <a:cs typeface="Roboto Condensed"/>
-              <a:sym typeface="Roboto Condensed"/>
-            </a:endParaRPr>
-          </a:p>
-        </p:txBody>
-      </p:sp>
-      <p:sp>
-        <p:nvSpPr>
-          <p:cNvPr id="332" name="Google Shape;332;p32"/>
-          <p:cNvSpPr txBox="1"/>
-          <p:nvPr/>
-        </p:nvSpPr>
-        <p:spPr>
-          <a:xfrm>
-            <a:off x="7169400" y="4014875"/>
-            <a:ext cx="774000" cy="244800"/>
-          </a:xfrm>
-          <a:prstGeom prst="rect">
-            <a:avLst/>
-          </a:prstGeom>
-          <a:noFill/>
-          <a:ln>
-            <a:noFill/>
-          </a:ln>
-        </p:spPr>
-        <p:txBody>
-          <a:bodyPr anchorCtr="0" anchor="t" bIns="91425" lIns="91425" spcFirstLastPara="1" rIns="91425" wrap="square" tIns="91425">
-            <a:noAutofit/>
-          </a:bodyPr>
-          <a:lstStyle/>
-          <a:p>
-            <a:pPr indent="0" lvl="0" marL="0" rtl="0" algn="l">
-              <a:spcBef>
-                <a:spcPts val="0"/>
-              </a:spcBef>
-              <a:spcAft>
-                <a:spcPts val="0"/>
-              </a:spcAft>
-              <a:buNone/>
-            </a:pPr>
-            <a:r>
-              <a:rPr lang="en" sz="600">
-                <a:solidFill>
-                  <a:schemeClr val="accent2"/>
-                </a:solidFill>
-                <a:latin typeface="Roboto Condensed"/>
-                <a:ea typeface="Roboto Condensed"/>
-                <a:cs typeface="Roboto Condensed"/>
-                <a:sym typeface="Roboto Condensed"/>
-              </a:rPr>
-              <a:t>Mid-Tier </a:t>
-            </a:r>
-            <a:r>
-              <a:rPr lang="en" sz="600">
-                <a:solidFill>
-                  <a:schemeClr val="accent2"/>
-                </a:solidFill>
-                <a:latin typeface="Roboto Condensed"/>
-                <a:ea typeface="Roboto Condensed"/>
-                <a:cs typeface="Roboto Condensed"/>
-                <a:sym typeface="Roboto Condensed"/>
-              </a:rPr>
-              <a:t> Influencer</a:t>
-            </a:r>
-            <a:endParaRPr sz="600">
-              <a:solidFill>
-                <a:schemeClr val="accent2"/>
-              </a:solidFill>
-              <a:latin typeface="Roboto Condensed"/>
-              <a:ea typeface="Roboto Condensed"/>
-              <a:cs typeface="Roboto Condensed"/>
-              <a:sym typeface="Roboto Condensed"/>
-            </a:endParaRPr>
-          </a:p>
-        </p:txBody>
-      </p:sp>
-      <p:sp>
-        <p:nvSpPr>
-          <p:cNvPr id="333" name="Google Shape;333;p32"/>
-          <p:cNvSpPr txBox="1"/>
-          <p:nvPr/>
-        </p:nvSpPr>
-        <p:spPr>
-          <a:xfrm>
-            <a:off x="4901225" y="4053675"/>
-            <a:ext cx="774000" cy="244800"/>
-          </a:xfrm>
-          <a:prstGeom prst="rect">
-            <a:avLst/>
-          </a:prstGeom>
-          <a:noFill/>
-          <a:ln>
-            <a:noFill/>
-          </a:ln>
-        </p:spPr>
-        <p:txBody>
-          <a:bodyPr anchorCtr="0" anchor="t" bIns="91425" lIns="91425" spcFirstLastPara="1" rIns="91425" wrap="square" tIns="91425">
-            <a:noAutofit/>
-          </a:bodyPr>
-          <a:lstStyle/>
-          <a:p>
-            <a:pPr indent="0" lvl="0" marL="0" rtl="0" algn="l">
-              <a:spcBef>
-                <a:spcPts val="0"/>
-              </a:spcBef>
-              <a:spcAft>
-                <a:spcPts val="0"/>
-              </a:spcAft>
-              <a:buNone/>
-            </a:pPr>
-            <a:r>
-              <a:rPr lang="en" sz="600">
-                <a:solidFill>
-                  <a:schemeClr val="accent2"/>
-                </a:solidFill>
-                <a:latin typeface="Roboto Condensed"/>
-                <a:ea typeface="Roboto Condensed"/>
-                <a:cs typeface="Roboto Condensed"/>
-                <a:sym typeface="Roboto Condensed"/>
-              </a:rPr>
-              <a:t>Macro  Influencer</a:t>
-            </a:r>
-            <a:endParaRPr sz="600">
-              <a:solidFill>
-                <a:schemeClr val="accent2"/>
-              </a:solidFill>
-              <a:latin typeface="Roboto Condensed"/>
-              <a:ea typeface="Roboto Condensed"/>
-              <a:cs typeface="Roboto Condensed"/>
-              <a:sym typeface="Roboto Condensed"/>
-            </a:endParaRPr>
-          </a:p>
-        </p:txBody>
-      </p:sp>
-      <p:sp>
-        <p:nvSpPr>
-          <p:cNvPr id="334" name="Google Shape;334;p32"/>
-          <p:cNvSpPr txBox="1"/>
-          <p:nvPr/>
-        </p:nvSpPr>
-        <p:spPr>
-          <a:xfrm>
-            <a:off x="3798000" y="4053675"/>
-            <a:ext cx="774000" cy="244800"/>
-          </a:xfrm>
-          <a:prstGeom prst="rect">
-            <a:avLst/>
-          </a:prstGeom>
-          <a:noFill/>
-          <a:ln>
-            <a:noFill/>
-          </a:ln>
-        </p:spPr>
-        <p:txBody>
-          <a:bodyPr anchorCtr="0" anchor="t" bIns="91425" lIns="91425" spcFirstLastPara="1" rIns="91425" wrap="square" tIns="91425">
-            <a:noAutofit/>
-          </a:bodyPr>
-          <a:lstStyle/>
-          <a:p>
-            <a:pPr indent="0" lvl="0" marL="0" rtl="0" algn="l">
-              <a:spcBef>
-                <a:spcPts val="0"/>
-              </a:spcBef>
-              <a:spcAft>
-                <a:spcPts val="0"/>
-              </a:spcAft>
-              <a:buNone/>
-            </a:pPr>
-            <a:r>
-              <a:rPr lang="en" sz="600">
-                <a:solidFill>
-                  <a:schemeClr val="accent2"/>
-                </a:solidFill>
-                <a:latin typeface="Roboto Condensed"/>
-                <a:ea typeface="Roboto Condensed"/>
-                <a:cs typeface="Roboto Condensed"/>
-                <a:sym typeface="Roboto Condensed"/>
-              </a:rPr>
-              <a:t>Macro  Influencer</a:t>
-            </a:r>
-            <a:endParaRPr sz="600">
-              <a:solidFill>
-                <a:schemeClr val="accent2"/>
-              </a:solidFill>
-              <a:latin typeface="Roboto Condensed"/>
-              <a:ea typeface="Roboto Condensed"/>
-              <a:cs typeface="Roboto Condensed"/>
-              <a:sym typeface="Roboto Condensed"/>
-            </a:endParaRPr>
-          </a:p>
-        </p:txBody>
-      </p:sp>
-      <p:sp>
-        <p:nvSpPr>
-          <p:cNvPr id="335" name="Google Shape;335;p32"/>
-          <p:cNvSpPr txBox="1"/>
-          <p:nvPr/>
-        </p:nvSpPr>
-        <p:spPr>
-          <a:xfrm>
-            <a:off x="2747200" y="4053675"/>
-            <a:ext cx="774000" cy="244800"/>
-          </a:xfrm>
-          <a:prstGeom prst="rect">
-            <a:avLst/>
-          </a:prstGeom>
-          <a:noFill/>
-          <a:ln>
-            <a:noFill/>
-          </a:ln>
-        </p:spPr>
-        <p:txBody>
-          <a:bodyPr anchorCtr="0" anchor="t" bIns="91425" lIns="91425" spcFirstLastPara="1" rIns="91425" wrap="square" tIns="91425">
-            <a:noAutofit/>
-          </a:bodyPr>
-          <a:lstStyle/>
-          <a:p>
-            <a:pPr indent="0" lvl="0" marL="0" rtl="0" algn="l">
-              <a:spcBef>
-                <a:spcPts val="0"/>
-              </a:spcBef>
-              <a:spcAft>
-                <a:spcPts val="0"/>
-              </a:spcAft>
-              <a:buNone/>
-            </a:pPr>
-            <a:r>
-              <a:rPr lang="en" sz="600">
-                <a:solidFill>
-                  <a:schemeClr val="accent2"/>
-                </a:solidFill>
-                <a:latin typeface="Roboto Condensed"/>
-                <a:ea typeface="Roboto Condensed"/>
-                <a:cs typeface="Roboto Condensed"/>
-                <a:sym typeface="Roboto Condensed"/>
-              </a:rPr>
-              <a:t>Micro  Influencer</a:t>
-            </a:r>
-            <a:endParaRPr sz="600">
-              <a:solidFill>
-                <a:schemeClr val="accent2"/>
-              </a:solidFill>
-              <a:latin typeface="Roboto Condensed"/>
-              <a:ea typeface="Roboto Condensed"/>
-              <a:cs typeface="Roboto Condensed"/>
-              <a:sym typeface="Roboto Condensed"/>
-            </a:endParaRPr>
-          </a:p>
-        </p:txBody>
-      </p:sp>
-      <p:sp>
-        <p:nvSpPr>
-          <p:cNvPr id="336" name="Google Shape;336;p32"/>
-          <p:cNvSpPr txBox="1"/>
-          <p:nvPr/>
-        </p:nvSpPr>
-        <p:spPr>
-          <a:xfrm>
-            <a:off x="1696400" y="4053675"/>
-            <a:ext cx="774000" cy="244800"/>
-          </a:xfrm>
-          <a:prstGeom prst="rect">
-            <a:avLst/>
-          </a:prstGeom>
-          <a:noFill/>
-          <a:ln>
-            <a:noFill/>
-          </a:ln>
-        </p:spPr>
-        <p:txBody>
-          <a:bodyPr anchorCtr="0" anchor="t" bIns="91425" lIns="91425" spcFirstLastPara="1" rIns="91425" wrap="square" tIns="91425">
-            <a:noAutofit/>
-          </a:bodyPr>
-          <a:lstStyle/>
-          <a:p>
-            <a:pPr indent="0" lvl="0" marL="0" rtl="0" algn="l">
-              <a:spcBef>
-                <a:spcPts val="0"/>
-              </a:spcBef>
-              <a:spcAft>
-                <a:spcPts val="0"/>
-              </a:spcAft>
-              <a:buNone/>
-            </a:pPr>
-            <a:r>
-              <a:rPr lang="en" sz="600">
-                <a:solidFill>
-                  <a:schemeClr val="accent2"/>
-                </a:solidFill>
-                <a:latin typeface="Roboto Condensed"/>
-                <a:ea typeface="Roboto Condensed"/>
-                <a:cs typeface="Roboto Condensed"/>
-                <a:sym typeface="Roboto Condensed"/>
-              </a:rPr>
-              <a:t>Nano </a:t>
-            </a:r>
-            <a:r>
-              <a:rPr lang="en" sz="600">
-                <a:solidFill>
-                  <a:schemeClr val="accent2"/>
-                </a:solidFill>
-                <a:latin typeface="Roboto Condensed"/>
-                <a:ea typeface="Roboto Condensed"/>
-                <a:cs typeface="Roboto Condensed"/>
-                <a:sym typeface="Roboto Condensed"/>
-              </a:rPr>
-              <a:t> Influencer</a:t>
-            </a:r>
-            <a:endParaRPr sz="600">
-              <a:solidFill>
-                <a:schemeClr val="accent2"/>
-              </a:solidFill>
-              <a:latin typeface="Roboto Condensed"/>
-              <a:ea typeface="Roboto Condensed"/>
-              <a:cs typeface="Roboto Condensed"/>
-              <a:sym typeface="Roboto Condensed"/>
-            </a:endParaRPr>
-          </a:p>
-        </p:txBody>
-      </p:sp>
-    </p:spTree>
-  </p:cSld>
-  <p:clrMapOvr>
-    <a:masterClrMapping/>
-  </p:clrMapOvr>
-</p:sld>
-</file>
-
-<file path=ppt/slides/slide9.xml><?xml version="1.0" encoding="utf-8"?>
-<p:sld xmlns:a="http://schemas.openxmlformats.org/drawingml/2006/main" xmlns:r="http://schemas.openxmlformats.org/officeDocument/2006/relationships" xmlns:mc="http://schemas.openxmlformats.org/markup-compatibility/2006" xmlns:mv="urn:schemas-microsoft-com:mac:vml" xmlns:p="http://schemas.openxmlformats.org/presentationml/2006/main" xmlns:c="http://schemas.openxmlformats.org/drawingml/2006/chart" xmlns:dgm="http://schemas.openxmlformats.org/drawingml/2006/diagram" xmlns:o="urn:schemas-microsoft-com:office:office" xmlns:v="urn:schemas-microsoft-com:vml" xmlns:pvml="urn:schemas-microsoft-com:office:powerpoint" xmlns:com="http://schemas.openxmlformats.org/drawingml/2006/compatibility" xmlns:p14="http://schemas.microsoft.com/office/powerpoint/2010/main" xmlns:p15="http://schemas.microsoft.com/office/powerpoint/2012/main" xmlns:ahyp="http://schemas.microsoft.com/office/drawing/2018/hyperlinkcolor">
-  <p:cSld>
-    <p:spTree>
-      <p:nvGrpSpPr>
-        <p:cNvPr id="340" name="Shape 340"/>
-        <p:cNvGrpSpPr/>
-        <p:nvPr/>
-      </p:nvGrpSpPr>
-      <p:grpSpPr>
-        <a:xfrm>
-          <a:off x="0" y="0"/>
-          <a:ext cx="0" cy="0"/>
-          <a:chOff x="0" y="0"/>
-          <a:chExt cx="0" cy="0"/>
-        </a:xfrm>
-      </p:grpSpPr>
-      <p:sp>
-        <p:nvSpPr>
-          <p:cNvPr id="341" name="Google Shape;341;p33"/>
+          <p:cNvPr id="325" name="Google Shape;325;p32"/>
           <p:cNvSpPr txBox="1"/>
           <p:nvPr>
             <p:ph type="title"/>
@@ -34671,7 +34045,7 @@
       </p:sp>
       <p:pic>
         <p:nvPicPr>
-          <p:cNvPr id="342" name="Google Shape;342;p33"/>
+          <p:cNvPr id="326" name="Google Shape;326;p32"/>
           <p:cNvPicPr preferRelativeResize="0"/>
           <p:nvPr/>
         </p:nvPicPr>
@@ -34685,8 +34059,61 @@
         </p:blipFill>
         <p:spPr>
           <a:xfrm>
-            <a:off x="1618976" y="1508476"/>
-            <a:ext cx="5906051" cy="3498949"/>
+            <a:off x="2105025" y="1625175"/>
+            <a:ext cx="4933950" cy="3133725"/>
+          </a:xfrm>
+          <a:prstGeom prst="rect">
+            <a:avLst/>
+          </a:prstGeom>
+          <a:noFill/>
+          <a:ln>
+            <a:noFill/>
+          </a:ln>
+        </p:spPr>
+      </p:pic>
+    </p:spTree>
+  </p:cSld>
+  <p:clrMapOvr>
+    <a:masterClrMapping/>
+  </p:clrMapOvr>
+</p:sld>
+</file>
+
+<file path=ppt/slides/slide9.xml><?xml version="1.0" encoding="utf-8"?>
+<p:sld xmlns:a="http://schemas.openxmlformats.org/drawingml/2006/main" xmlns:r="http://schemas.openxmlformats.org/officeDocument/2006/relationships" xmlns:mc="http://schemas.openxmlformats.org/markup-compatibility/2006" xmlns:mv="urn:schemas-microsoft-com:mac:vml" xmlns:p="http://schemas.openxmlformats.org/presentationml/2006/main" xmlns:c="http://schemas.openxmlformats.org/drawingml/2006/chart" xmlns:dgm="http://schemas.openxmlformats.org/drawingml/2006/diagram" xmlns:o="urn:schemas-microsoft-com:office:office" xmlns:v="urn:schemas-microsoft-com:vml" xmlns:pvml="urn:schemas-microsoft-com:office:powerpoint" xmlns:com="http://schemas.openxmlformats.org/drawingml/2006/compatibility" xmlns:p14="http://schemas.microsoft.com/office/powerpoint/2010/main" xmlns:p15="http://schemas.microsoft.com/office/powerpoint/2012/main" xmlns:ahyp="http://schemas.microsoft.com/office/drawing/2018/hyperlinkcolor">
+  <p:cSld>
+    <p:spTree>
+      <p:nvGrpSpPr>
+        <p:cNvPr id="330" name="Shape 330"/>
+        <p:cNvGrpSpPr/>
+        <p:nvPr/>
+      </p:nvGrpSpPr>
+      <p:grpSpPr>
+        <a:xfrm>
+          <a:off x="0" y="0"/>
+          <a:ext cx="0" cy="0"/>
+          <a:chOff x="0" y="0"/>
+          <a:chExt cx="0" cy="0"/>
+        </a:xfrm>
+      </p:grpSpPr>
+      <p:pic>
+        <p:nvPicPr>
+          <p:cNvPr id="331" name="Google Shape;331;p33"/>
+          <p:cNvPicPr preferRelativeResize="0"/>
+          <p:nvPr/>
+        </p:nvPicPr>
+        <p:blipFill>
+          <a:blip r:embed="rId3">
+            <a:alphaModFix/>
+          </a:blip>
+          <a:stretch>
+            <a:fillRect/>
+          </a:stretch>
+        </p:blipFill>
+        <p:spPr>
+          <a:xfrm>
+            <a:off x="361613" y="152400"/>
+            <a:ext cx="8420763" cy="4838700"/>
           </a:xfrm>
           <a:prstGeom prst="rect">
             <a:avLst/>
@@ -34706,6 +34133,285 @@
 </file>
 
 <file path=ppt/theme/theme1.xml><?xml version="1.0" encoding="utf-8"?>
+<a:theme xmlns:a="http://schemas.openxmlformats.org/drawingml/2006/main" xmlns:r="http://schemas.openxmlformats.org/officeDocument/2006/relationships" name="Physical Education Exercises by Slidesgo">
+  <a:themeElements>
+    <a:clrScheme name="Simple Light">
+      <a:dk1>
+        <a:srgbClr val="42279D"/>
+      </a:dk1>
+      <a:lt1>
+        <a:srgbClr val="7146FF"/>
+      </a:lt1>
+      <a:dk2>
+        <a:srgbClr val="FF5608"/>
+      </a:dk2>
+      <a:lt2>
+        <a:srgbClr val="FFDA00"/>
+      </a:lt2>
+      <a:accent1>
+        <a:srgbClr val="FFFFFF"/>
+      </a:accent1>
+      <a:accent2>
+        <a:srgbClr val="030031"/>
+      </a:accent2>
+      <a:accent3>
+        <a:srgbClr val="291F4D"/>
+      </a:accent3>
+      <a:accent4>
+        <a:srgbClr val="D7CAFF"/>
+      </a:accent4>
+      <a:accent5>
+        <a:srgbClr val="CA4406"/>
+      </a:accent5>
+      <a:accent6>
+        <a:srgbClr val="E2C30B"/>
+      </a:accent6>
+      <a:hlink>
+        <a:srgbClr val="42279D"/>
+      </a:hlink>
+      <a:folHlink>
+        <a:srgbClr val="0097A7"/>
+      </a:folHlink>
+    </a:clrScheme>
+    <a:fontScheme name="Office">
+      <a:majorFont>
+        <a:latin typeface="Arial"/>
+        <a:ea typeface=""/>
+        <a:cs typeface=""/>
+        <a:font script="Jpan" typeface="ＭＳ Ｐゴシック"/>
+        <a:font script="Hang" typeface="맑은 고딕"/>
+        <a:font script="Hans" typeface="宋体"/>
+        <a:font script="Hant" typeface="新細明體"/>
+        <a:font script="Arab" typeface="Times New Roman"/>
+        <a:font script="Hebr" typeface="Times New Roman"/>
+        <a:font script="Thai" typeface="Angsana New"/>
+        <a:font script="Ethi" typeface="Nyala"/>
+        <a:font script="Beng" typeface="Vrinda"/>
+        <a:font script="Gujr" typeface="Shruti"/>
+        <a:font script="Khmr" typeface="MoolBoran"/>
+        <a:font script="Knda" typeface="Tunga"/>
+        <a:font script="Guru" typeface="Raavi"/>
+        <a:font script="Cans" typeface="Euphemia"/>
+        <a:font script="Cher" typeface="Plantagenet Cherokee"/>
+        <a:font script="Yiii" typeface="Microsoft Yi Baiti"/>
+        <a:font script="Tibt" typeface="Microsoft Himalaya"/>
+        <a:font script="Thaa" typeface="MV Boli"/>
+        <a:font script="Deva" typeface="Mangal"/>
+        <a:font script="Telu" typeface="Gautami"/>
+        <a:font script="Taml" typeface="Latha"/>
+        <a:font script="Syrc" typeface="Estrangelo Edessa"/>
+        <a:font script="Orya" typeface="Kalinga"/>
+        <a:font script="Mlym" typeface="Kartika"/>
+        <a:font script="Laoo" typeface="DokChampa"/>
+        <a:font script="Sinh" typeface="Iskoola Pota"/>
+        <a:font script="Mong" typeface="Mongolian Baiti"/>
+        <a:font script="Viet" typeface="Times New Roman"/>
+        <a:font script="Uigh" typeface="Microsoft Uighur"/>
+        <a:font script="Geor" typeface="Sylfaen"/>
+      </a:majorFont>
+      <a:minorFont>
+        <a:latin typeface="Arial"/>
+        <a:ea typeface=""/>
+        <a:cs typeface=""/>
+        <a:font script="Jpan" typeface="ＭＳ Ｐゴシック"/>
+        <a:font script="Hang" typeface="맑은 고딕"/>
+        <a:font script="Hans" typeface="宋体"/>
+        <a:font script="Hant" typeface="新細明體"/>
+        <a:font script="Arab" typeface="Arial"/>
+        <a:font script="Hebr" typeface="Arial"/>
+        <a:font script="Thai" typeface="Cordia New"/>
+        <a:font script="Ethi" typeface="Nyala"/>
+        <a:font script="Beng" typeface="Vrinda"/>
+        <a:font script="Gujr" typeface="Shruti"/>
+        <a:font script="Khmr" typeface="DaunPenh"/>
+        <a:font script="Knda" typeface="Tunga"/>
+        <a:font script="Guru" typeface="Raavi"/>
+        <a:font script="Cans" typeface="Euphemia"/>
+        <a:font script="Cher" typeface="Plantagenet Cherokee"/>
+        <a:font script="Yiii" typeface="Microsoft Yi Baiti"/>
+        <a:font script="Tibt" typeface="Microsoft Himalaya"/>
+        <a:font script="Thaa" typeface="MV Boli"/>
+        <a:font script="Deva" typeface="Mangal"/>
+        <a:font script="Telu" typeface="Gautami"/>
+        <a:font script="Taml" typeface="Latha"/>
+        <a:font script="Syrc" typeface="Estrangelo Edessa"/>
+        <a:font script="Orya" typeface="Kalinga"/>
+        <a:font script="Mlym" typeface="Kartika"/>
+        <a:font script="Laoo" typeface="DokChampa"/>
+        <a:font script="Sinh" typeface="Iskoola Pota"/>
+        <a:font script="Mong" typeface="Mongolian Baiti"/>
+        <a:font script="Viet" typeface="Arial"/>
+        <a:font script="Uigh" typeface="Microsoft Uighur"/>
+        <a:font script="Geor" typeface="Sylfaen"/>
+      </a:minorFont>
+    </a:fontScheme>
+    <a:fmtScheme name="Office">
+      <a:fillStyleLst>
+        <a:solidFill>
+          <a:schemeClr val="phClr"/>
+        </a:solidFill>
+        <a:gradFill rotWithShape="1">
+          <a:gsLst>
+            <a:gs pos="0">
+              <a:schemeClr val="phClr">
+                <a:tint val="50000"/>
+                <a:satMod val="300000"/>
+              </a:schemeClr>
+            </a:gs>
+            <a:gs pos="35000">
+              <a:schemeClr val="phClr">
+                <a:tint val="37000"/>
+                <a:satMod val="300000"/>
+              </a:schemeClr>
+            </a:gs>
+            <a:gs pos="100000">
+              <a:schemeClr val="phClr">
+                <a:tint val="15000"/>
+                <a:satMod val="350000"/>
+              </a:schemeClr>
+            </a:gs>
+          </a:gsLst>
+          <a:lin ang="16200000" scaled="1"/>
+        </a:gradFill>
+        <a:gradFill rotWithShape="1">
+          <a:gsLst>
+            <a:gs pos="0">
+              <a:schemeClr val="phClr">
+                <a:tint val="100000"/>
+                <a:shade val="100000"/>
+                <a:satMod val="130000"/>
+              </a:schemeClr>
+            </a:gs>
+            <a:gs pos="100000">
+              <a:schemeClr val="phClr">
+                <a:tint val="50000"/>
+                <a:shade val="100000"/>
+                <a:satMod val="350000"/>
+              </a:schemeClr>
+            </a:gs>
+          </a:gsLst>
+          <a:lin ang="16200000" scaled="0"/>
+        </a:gradFill>
+      </a:fillStyleLst>
+      <a:lnStyleLst>
+        <a:ln w="9525" cap="flat" cmpd="sng" algn="ctr">
+          <a:solidFill>
+            <a:schemeClr val="phClr">
+              <a:shade val="95000"/>
+              <a:satMod val="105000"/>
+            </a:schemeClr>
+          </a:solidFill>
+          <a:prstDash val="solid"/>
+        </a:ln>
+        <a:ln w="25400" cap="flat" cmpd="sng" algn="ctr">
+          <a:solidFill>
+            <a:schemeClr val="phClr"/>
+          </a:solidFill>
+          <a:prstDash val="solid"/>
+        </a:ln>
+        <a:ln w="38100" cap="flat" cmpd="sng" algn="ctr">
+          <a:solidFill>
+            <a:schemeClr val="phClr"/>
+          </a:solidFill>
+          <a:prstDash val="solid"/>
+        </a:ln>
+      </a:lnStyleLst>
+      <a:effectStyleLst>
+        <a:effectStyle>
+          <a:effectLst>
+            <a:outerShdw blurRad="40000" dist="20000" dir="5400000" rotWithShape="0">
+              <a:srgbClr val="000000">
+                <a:alpha val="38000"/>
+              </a:srgbClr>
+            </a:outerShdw>
+          </a:effectLst>
+        </a:effectStyle>
+        <a:effectStyle>
+          <a:effectLst>
+            <a:outerShdw blurRad="40000" dist="23000" dir="5400000" rotWithShape="0">
+              <a:srgbClr val="000000">
+                <a:alpha val="35000"/>
+              </a:srgbClr>
+            </a:outerShdw>
+          </a:effectLst>
+        </a:effectStyle>
+        <a:effectStyle>
+          <a:effectLst>
+            <a:outerShdw blurRad="40000" dist="23000" dir="5400000" rotWithShape="0">
+              <a:srgbClr val="000000">
+                <a:alpha val="35000"/>
+              </a:srgbClr>
+            </a:outerShdw>
+          </a:effectLst>
+          <a:scene3d>
+            <a:camera prst="orthographicFront">
+              <a:rot lat="0" lon="0" rev="0"/>
+            </a:camera>
+            <a:lightRig rig="threePt" dir="t">
+              <a:rot lat="0" lon="0" rev="1200000"/>
+            </a:lightRig>
+          </a:scene3d>
+          <a:sp3d>
+            <a:bevelT w="63500" h="25400"/>
+          </a:sp3d>
+        </a:effectStyle>
+      </a:effectStyleLst>
+      <a:bgFillStyleLst>
+        <a:solidFill>
+          <a:schemeClr val="phClr"/>
+        </a:solidFill>
+        <a:gradFill rotWithShape="1">
+          <a:gsLst>
+            <a:gs pos="0">
+              <a:schemeClr val="phClr">
+                <a:tint val="40000"/>
+                <a:satMod val="350000"/>
+              </a:schemeClr>
+            </a:gs>
+            <a:gs pos="40000">
+              <a:schemeClr val="phClr">
+                <a:tint val="45000"/>
+                <a:shade val="99000"/>
+                <a:satMod val="350000"/>
+              </a:schemeClr>
+            </a:gs>
+            <a:gs pos="100000">
+              <a:schemeClr val="phClr">
+                <a:shade val="20000"/>
+                <a:satMod val="255000"/>
+              </a:schemeClr>
+            </a:gs>
+          </a:gsLst>
+          <a:path path="circle">
+            <a:fillToRect l="50000" t="-80000" r="50000" b="180000"/>
+          </a:path>
+        </a:gradFill>
+        <a:gradFill rotWithShape="1">
+          <a:gsLst>
+            <a:gs pos="0">
+              <a:schemeClr val="phClr">
+                <a:tint val="80000"/>
+                <a:satMod val="300000"/>
+              </a:schemeClr>
+            </a:gs>
+            <a:gs pos="100000">
+              <a:schemeClr val="phClr">
+                <a:shade val="30000"/>
+                <a:satMod val="200000"/>
+              </a:schemeClr>
+            </a:gs>
+          </a:gsLst>
+          <a:path path="circle">
+            <a:fillToRect l="50000" t="50000" r="50000" b="50000"/>
+          </a:path>
+        </a:gradFill>
+      </a:bgFillStyleLst>
+    </a:fmtScheme>
+  </a:themeElements>
+</a:theme>
+</file>
+
+<file path=ppt/theme/theme2.xml><?xml version="1.0" encoding="utf-8"?>
 <a:theme xmlns:a="http://schemas.openxmlformats.org/drawingml/2006/main" xmlns:r="http://schemas.openxmlformats.org/officeDocument/2006/relationships">
   <a:themeElements>
     <a:clrScheme name="Default">
@@ -34982,283 +34688,4 @@
     </a:fmtScheme>
   </a:themeElements>
 </a:theme>
-</file>
-
-<file path=ppt/theme/theme2.xml><?xml version="1.0" encoding="utf-8"?>
-<a:theme xmlns:a="http://schemas.openxmlformats.org/drawingml/2006/main" xmlns:r="http://schemas.openxmlformats.org/officeDocument/2006/relationships" name="Physical Education Exercises by Slidesgo">
-  <a:themeElements>
-    <a:clrScheme name="Simple Light">
-      <a:dk1>
-        <a:srgbClr val="42279D"/>
-      </a:dk1>
-      <a:lt1>
-        <a:srgbClr val="7146FF"/>
-      </a:lt1>
-      <a:dk2>
-        <a:srgbClr val="FF5608"/>
-      </a:dk2>
-      <a:lt2>
-        <a:srgbClr val="FFDA00"/>
-      </a:lt2>
-      <a:accent1>
-        <a:srgbClr val="FFFFFF"/>
-      </a:accent1>
-      <a:accent2>
-        <a:srgbClr val="030031"/>
-      </a:accent2>
-      <a:accent3>
-        <a:srgbClr val="291F4D"/>
-      </a:accent3>
-      <a:accent4>
-        <a:srgbClr val="D7CAFF"/>
-      </a:accent4>
-      <a:accent5>
-        <a:srgbClr val="CA4406"/>
-      </a:accent5>
-      <a:accent6>
-        <a:srgbClr val="E2C30B"/>
-      </a:accent6>
-      <a:hlink>
-        <a:srgbClr val="42279D"/>
-      </a:hlink>
-      <a:folHlink>
-        <a:srgbClr val="0097A7"/>
-      </a:folHlink>
-    </a:clrScheme>
-    <a:fontScheme name="Office">
-      <a:majorFont>
-        <a:latin typeface="Arial"/>
-        <a:ea typeface=""/>
-        <a:cs typeface=""/>
-        <a:font script="Jpan" typeface="ＭＳ Ｐゴシック"/>
-        <a:font script="Hang" typeface="맑은 고딕"/>
-        <a:font script="Hans" typeface="宋体"/>
-        <a:font script="Hant" typeface="新細明體"/>
-        <a:font script="Arab" typeface="Times New Roman"/>
-        <a:font script="Hebr" typeface="Times New Roman"/>
-        <a:font script="Thai" typeface="Angsana New"/>
-        <a:font script="Ethi" typeface="Nyala"/>
-        <a:font script="Beng" typeface="Vrinda"/>
-        <a:font script="Gujr" typeface="Shruti"/>
-        <a:font script="Khmr" typeface="MoolBoran"/>
-        <a:font script="Knda" typeface="Tunga"/>
-        <a:font script="Guru" typeface="Raavi"/>
-        <a:font script="Cans" typeface="Euphemia"/>
-        <a:font script="Cher" typeface="Plantagenet Cherokee"/>
-        <a:font script="Yiii" typeface="Microsoft Yi Baiti"/>
-        <a:font script="Tibt" typeface="Microsoft Himalaya"/>
-        <a:font script="Thaa" typeface="MV Boli"/>
-        <a:font script="Deva" typeface="Mangal"/>
-        <a:font script="Telu" typeface="Gautami"/>
-        <a:font script="Taml" typeface="Latha"/>
-        <a:font script="Syrc" typeface="Estrangelo Edessa"/>
-        <a:font script="Orya" typeface="Kalinga"/>
-        <a:font script="Mlym" typeface="Kartika"/>
-        <a:font script="Laoo" typeface="DokChampa"/>
-        <a:font script="Sinh" typeface="Iskoola Pota"/>
-        <a:font script="Mong" typeface="Mongolian Baiti"/>
-        <a:font script="Viet" typeface="Times New Roman"/>
-        <a:font script="Uigh" typeface="Microsoft Uighur"/>
-        <a:font script="Geor" typeface="Sylfaen"/>
-      </a:majorFont>
-      <a:minorFont>
-        <a:latin typeface="Arial"/>
-        <a:ea typeface=""/>
-        <a:cs typeface=""/>
-        <a:font script="Jpan" typeface="ＭＳ Ｐゴシック"/>
-        <a:font script="Hang" typeface="맑은 고딕"/>
-        <a:font script="Hans" typeface="宋体"/>
-        <a:font script="Hant" typeface="新細明體"/>
-        <a:font script="Arab" typeface="Arial"/>
-        <a:font script="Hebr" typeface="Arial"/>
-        <a:font script="Thai" typeface="Cordia New"/>
-        <a:font script="Ethi" typeface="Nyala"/>
-        <a:font script="Beng" typeface="Vrinda"/>
-        <a:font script="Gujr" typeface="Shruti"/>
-        <a:font script="Khmr" typeface="DaunPenh"/>
-        <a:font script="Knda" typeface="Tunga"/>
-        <a:font script="Guru" typeface="Raavi"/>
-        <a:font script="Cans" typeface="Euphemia"/>
-        <a:font script="Cher" typeface="Plantagenet Cherokee"/>
-        <a:font script="Yiii" typeface="Microsoft Yi Baiti"/>
-        <a:font script="Tibt" typeface="Microsoft Himalaya"/>
-        <a:font script="Thaa" typeface="MV Boli"/>
-        <a:font script="Deva" typeface="Mangal"/>
-        <a:font script="Telu" typeface="Gautami"/>
-        <a:font script="Taml" typeface="Latha"/>
-        <a:font script="Syrc" typeface="Estrangelo Edessa"/>
-        <a:font script="Orya" typeface="Kalinga"/>
-        <a:font script="Mlym" typeface="Kartika"/>
-        <a:font script="Laoo" typeface="DokChampa"/>
-        <a:font script="Sinh" typeface="Iskoola Pota"/>
-        <a:font script="Mong" typeface="Mongolian Baiti"/>
-        <a:font script="Viet" typeface="Arial"/>
-        <a:font script="Uigh" typeface="Microsoft Uighur"/>
-        <a:font script="Geor" typeface="Sylfaen"/>
-      </a:minorFont>
-    </a:fontScheme>
-    <a:fmtScheme name="Office">
-      <a:fillStyleLst>
-        <a:solidFill>
-          <a:schemeClr val="phClr"/>
-        </a:solidFill>
-        <a:gradFill rotWithShape="1">
-          <a:gsLst>
-            <a:gs pos="0">
-              <a:schemeClr val="phClr">
-                <a:tint val="50000"/>
-                <a:satMod val="300000"/>
-              </a:schemeClr>
-            </a:gs>
-            <a:gs pos="35000">
-              <a:schemeClr val="phClr">
-                <a:tint val="37000"/>
-                <a:satMod val="300000"/>
-              </a:schemeClr>
-            </a:gs>
-            <a:gs pos="100000">
-              <a:schemeClr val="phClr">
-                <a:tint val="15000"/>
-                <a:satMod val="350000"/>
-              </a:schemeClr>
-            </a:gs>
-          </a:gsLst>
-          <a:lin ang="16200000" scaled="1"/>
-        </a:gradFill>
-        <a:gradFill rotWithShape="1">
-          <a:gsLst>
-            <a:gs pos="0">
-              <a:schemeClr val="phClr">
-                <a:tint val="100000"/>
-                <a:shade val="100000"/>
-                <a:satMod val="130000"/>
-              </a:schemeClr>
-            </a:gs>
-            <a:gs pos="100000">
-              <a:schemeClr val="phClr">
-                <a:tint val="50000"/>
-                <a:shade val="100000"/>
-                <a:satMod val="350000"/>
-              </a:schemeClr>
-            </a:gs>
-          </a:gsLst>
-          <a:lin ang="16200000" scaled="0"/>
-        </a:gradFill>
-      </a:fillStyleLst>
-      <a:lnStyleLst>
-        <a:ln w="9525" cap="flat" cmpd="sng" algn="ctr">
-          <a:solidFill>
-            <a:schemeClr val="phClr">
-              <a:shade val="95000"/>
-              <a:satMod val="105000"/>
-            </a:schemeClr>
-          </a:solidFill>
-          <a:prstDash val="solid"/>
-        </a:ln>
-        <a:ln w="25400" cap="flat" cmpd="sng" algn="ctr">
-          <a:solidFill>
-            <a:schemeClr val="phClr"/>
-          </a:solidFill>
-          <a:prstDash val="solid"/>
-        </a:ln>
-        <a:ln w="38100" cap="flat" cmpd="sng" algn="ctr">
-          <a:solidFill>
-            <a:schemeClr val="phClr"/>
-          </a:solidFill>
-          <a:prstDash val="solid"/>
-        </a:ln>
-      </a:lnStyleLst>
-      <a:effectStyleLst>
-        <a:effectStyle>
-          <a:effectLst>
-            <a:outerShdw blurRad="40000" dist="20000" dir="5400000" rotWithShape="0">
-              <a:srgbClr val="000000">
-                <a:alpha val="38000"/>
-              </a:srgbClr>
-            </a:outerShdw>
-          </a:effectLst>
-        </a:effectStyle>
-        <a:effectStyle>
-          <a:effectLst>
-            <a:outerShdw blurRad="40000" dist="23000" dir="5400000" rotWithShape="0">
-              <a:srgbClr val="000000">
-                <a:alpha val="35000"/>
-              </a:srgbClr>
-            </a:outerShdw>
-          </a:effectLst>
-        </a:effectStyle>
-        <a:effectStyle>
-          <a:effectLst>
-            <a:outerShdw blurRad="40000" dist="23000" dir="5400000" rotWithShape="0">
-              <a:srgbClr val="000000">
-                <a:alpha val="35000"/>
-              </a:srgbClr>
-            </a:outerShdw>
-          </a:effectLst>
-          <a:scene3d>
-            <a:camera prst="orthographicFront">
-              <a:rot lat="0" lon="0" rev="0"/>
-            </a:camera>
-            <a:lightRig rig="threePt" dir="t">
-              <a:rot lat="0" lon="0" rev="1200000"/>
-            </a:lightRig>
-          </a:scene3d>
-          <a:sp3d>
-            <a:bevelT w="63500" h="25400"/>
-          </a:sp3d>
-        </a:effectStyle>
-      </a:effectStyleLst>
-      <a:bgFillStyleLst>
-        <a:solidFill>
-          <a:schemeClr val="phClr"/>
-        </a:solidFill>
-        <a:gradFill rotWithShape="1">
-          <a:gsLst>
-            <a:gs pos="0">
-              <a:schemeClr val="phClr">
-                <a:tint val="40000"/>
-                <a:satMod val="350000"/>
-              </a:schemeClr>
-            </a:gs>
-            <a:gs pos="40000">
-              <a:schemeClr val="phClr">
-                <a:tint val="45000"/>
-                <a:shade val="99000"/>
-                <a:satMod val="350000"/>
-              </a:schemeClr>
-            </a:gs>
-            <a:gs pos="100000">
-              <a:schemeClr val="phClr">
-                <a:shade val="20000"/>
-                <a:satMod val="255000"/>
-              </a:schemeClr>
-            </a:gs>
-          </a:gsLst>
-          <a:path path="circle">
-            <a:fillToRect l="50000" t="-80000" r="50000" b="180000"/>
-          </a:path>
-        </a:gradFill>
-        <a:gradFill rotWithShape="1">
-          <a:gsLst>
-            <a:gs pos="0">
-              <a:schemeClr val="phClr">
-                <a:tint val="80000"/>
-                <a:satMod val="300000"/>
-              </a:schemeClr>
-            </a:gs>
-            <a:gs pos="100000">
-              <a:schemeClr val="phClr">
-                <a:shade val="30000"/>
-                <a:satMod val="200000"/>
-              </a:schemeClr>
-            </a:gs>
-          </a:gsLst>
-          <a:path path="circle">
-            <a:fillToRect l="50000" t="50000" r="50000" b="50000"/>
-          </a:path>
-        </a:gradFill>
-      </a:bgFillStyleLst>
-    </a:fmtScheme>
-  </a:themeElements>
-</a:theme>
 </file>